--- a/materials/slides/ch05-cssStyle.pptx
+++ b/materials/slides/ch05-cssStyle.pptx
@@ -5,63 +5,63 @@
     <p:sldMasterId id="2147483648" r:id="rId1"/>
   </p:sldMasterIdLst>
   <p:notesMasterIdLst>
-    <p:notesMasterId r:id="rId31"/>
+    <p:notesMasterId r:id="rId54"/>
   </p:notesMasterIdLst>
   <p:sldIdLst>
-    <p:sldId id="360" r:id="rId3"/>
-    <p:sldId id="448" r:id="rId4"/>
-    <p:sldId id="449" r:id="rId5"/>
-    <p:sldId id="507" r:id="rId6"/>
-    <p:sldId id="508" r:id="rId7"/>
-    <p:sldId id="510" r:id="rId8"/>
-    <p:sldId id="511" r:id="rId9"/>
-    <p:sldId id="675" r:id="rId10"/>
-    <p:sldId id="512" r:id="rId11"/>
-    <p:sldId id="513" r:id="rId12"/>
-    <p:sldId id="514" r:id="rId13"/>
-    <p:sldId id="515" r:id="rId14"/>
-    <p:sldId id="516" r:id="rId15"/>
-    <p:sldId id="517" r:id="rId16"/>
-    <p:sldId id="518" r:id="rId17"/>
-    <p:sldId id="520" r:id="rId18"/>
-    <p:sldId id="519" r:id="rId19"/>
-    <p:sldId id="525" r:id="rId20"/>
-    <p:sldId id="676" r:id="rId21"/>
-    <p:sldId id="523" r:id="rId22"/>
-    <p:sldId id="524" r:id="rId23"/>
-    <p:sldId id="526" r:id="rId24"/>
-    <p:sldId id="527" r:id="rId25"/>
-    <p:sldId id="528" r:id="rId26"/>
-    <p:sldId id="529" r:id="rId27"/>
-    <p:sldId id="530" r:id="rId28"/>
-    <p:sldId id="569" r:id="rId29"/>
-    <p:sldId id="570" r:id="rId30"/>
-    <p:sldId id="571" r:id="rId32"/>
-    <p:sldId id="572" r:id="rId33"/>
-    <p:sldId id="573" r:id="rId34"/>
-    <p:sldId id="574" r:id="rId35"/>
-    <p:sldId id="577" r:id="rId36"/>
-    <p:sldId id="582" r:id="rId37"/>
-    <p:sldId id="579" r:id="rId38"/>
-    <p:sldId id="624" r:id="rId39"/>
-    <p:sldId id="580" r:id="rId40"/>
-    <p:sldId id="581" r:id="rId41"/>
-    <p:sldId id="625" r:id="rId42"/>
-    <p:sldId id="626" r:id="rId43"/>
-    <p:sldId id="628" r:id="rId44"/>
-    <p:sldId id="629" r:id="rId45"/>
-    <p:sldId id="630" r:id="rId46"/>
-    <p:sldId id="631" r:id="rId47"/>
-    <p:sldId id="578" r:id="rId48"/>
-    <p:sldId id="575" r:id="rId49"/>
-    <p:sldId id="576" r:id="rId50"/>
-    <p:sldId id="670" r:id="rId51"/>
-    <p:sldId id="671" r:id="rId52"/>
-    <p:sldId id="672" r:id="rId53"/>
-    <p:sldId id="673" r:id="rId54"/>
-    <p:sldId id="359" r:id="rId55"/>
+    <p:sldId id="360" r:id="rId2"/>
+    <p:sldId id="448" r:id="rId3"/>
+    <p:sldId id="449" r:id="rId4"/>
+    <p:sldId id="507" r:id="rId5"/>
+    <p:sldId id="508" r:id="rId6"/>
+    <p:sldId id="510" r:id="rId7"/>
+    <p:sldId id="511" r:id="rId8"/>
+    <p:sldId id="675" r:id="rId9"/>
+    <p:sldId id="512" r:id="rId10"/>
+    <p:sldId id="513" r:id="rId11"/>
+    <p:sldId id="514" r:id="rId12"/>
+    <p:sldId id="515" r:id="rId13"/>
+    <p:sldId id="516" r:id="rId14"/>
+    <p:sldId id="517" r:id="rId15"/>
+    <p:sldId id="518" r:id="rId16"/>
+    <p:sldId id="520" r:id="rId17"/>
+    <p:sldId id="519" r:id="rId18"/>
+    <p:sldId id="525" r:id="rId19"/>
+    <p:sldId id="676" r:id="rId20"/>
+    <p:sldId id="523" r:id="rId21"/>
+    <p:sldId id="524" r:id="rId22"/>
+    <p:sldId id="526" r:id="rId23"/>
+    <p:sldId id="527" r:id="rId24"/>
+    <p:sldId id="528" r:id="rId25"/>
+    <p:sldId id="529" r:id="rId26"/>
+    <p:sldId id="530" r:id="rId27"/>
+    <p:sldId id="569" r:id="rId28"/>
+    <p:sldId id="570" r:id="rId29"/>
+    <p:sldId id="571" r:id="rId30"/>
+    <p:sldId id="572" r:id="rId31"/>
+    <p:sldId id="573" r:id="rId32"/>
+    <p:sldId id="574" r:id="rId33"/>
+    <p:sldId id="577" r:id="rId34"/>
+    <p:sldId id="582" r:id="rId35"/>
+    <p:sldId id="579" r:id="rId36"/>
+    <p:sldId id="624" r:id="rId37"/>
+    <p:sldId id="580" r:id="rId38"/>
+    <p:sldId id="581" r:id="rId39"/>
+    <p:sldId id="625" r:id="rId40"/>
+    <p:sldId id="626" r:id="rId41"/>
+    <p:sldId id="628" r:id="rId42"/>
+    <p:sldId id="629" r:id="rId43"/>
+    <p:sldId id="630" r:id="rId44"/>
+    <p:sldId id="631" r:id="rId45"/>
+    <p:sldId id="578" r:id="rId46"/>
+    <p:sldId id="575" r:id="rId47"/>
+    <p:sldId id="576" r:id="rId48"/>
+    <p:sldId id="670" r:id="rId49"/>
+    <p:sldId id="671" r:id="rId50"/>
+    <p:sldId id="672" r:id="rId51"/>
+    <p:sldId id="673" r:id="rId52"/>
+    <p:sldId id="359" r:id="rId53"/>
   </p:sldIdLst>
-  <p:sldSz cx="12190095" cy="6859270"/>
+  <p:sldSz cx="12190413" cy="6859588"/>
   <p:notesSz cx="6858000" cy="9144000"/>
   <p:defaultTextStyle>
     <a:defPPr>
@@ -243,6 +243,7 @@
           <a:p>
             <a:fld id="{0E4E0BC6-38A4-47D2-A16E-1969BFB3BA5E}" type="datetimeFigureOut">
               <a:rPr lang="zh-CN" altLang="en-US" smtClean="0"/>
+              <a:t>2019/2/20</a:t>
             </a:fld>
             <a:endParaRPr lang="zh-CN" altLang="en-US"/>
           </a:p>
@@ -309,7 +310,6 @@
               <a:rPr lang="zh-CN" altLang="en-US"/>
               <a:t>单击此处编辑母版文本样式</a:t>
             </a:r>
-            <a:endParaRPr lang="zh-CN" altLang="en-US"/>
           </a:p>
           <a:p>
             <a:pPr lvl="1"/>
@@ -317,7 +317,6 @@
               <a:rPr lang="zh-CN" altLang="en-US"/>
               <a:t>第二级</a:t>
             </a:r>
-            <a:endParaRPr lang="zh-CN" altLang="en-US"/>
           </a:p>
           <a:p>
             <a:pPr lvl="2"/>
@@ -325,7 +324,6 @@
               <a:rPr lang="zh-CN" altLang="en-US"/>
               <a:t>第三级</a:t>
             </a:r>
-            <a:endParaRPr lang="zh-CN" altLang="en-US"/>
           </a:p>
           <a:p>
             <a:pPr lvl="3"/>
@@ -333,7 +331,6 @@
               <a:rPr lang="zh-CN" altLang="en-US"/>
               <a:t>第四级</a:t>
             </a:r>
-            <a:endParaRPr lang="zh-CN" altLang="en-US"/>
           </a:p>
           <a:p>
             <a:pPr lvl="4"/>
@@ -341,7 +338,6 @@
               <a:rPr lang="zh-CN" altLang="en-US"/>
               <a:t>第五级</a:t>
             </a:r>
-            <a:endParaRPr lang="zh-CN" altLang="en-US"/>
           </a:p>
         </p:txBody>
       </p:sp>
@@ -405,12 +401,18 @@
           <a:p>
             <a:fld id="{DE111FDB-DAD7-4D52-9BAA-09527333435C}" type="slidenum">
               <a:rPr lang="zh-CN" altLang="en-US" smtClean="0"/>
+              <a:t>‹#›</a:t>
             </a:fld>
             <a:endParaRPr lang="zh-CN" altLang="en-US"/>
           </a:p>
         </p:txBody>
       </p:sp>
     </p:spTree>
+    <p:extLst>
+      <p:ext uri="{BB962C8B-B14F-4D97-AF65-F5344CB8AC3E}">
+        <p14:creationId xmlns:p14="http://schemas.microsoft.com/office/powerpoint/2010/main" val="3215738001"/>
+      </p:ext>
+    </p:extLst>
   </p:cSld>
   <p:clrMap bg1="lt1" tx1="dk1" bg2="lt2" tx2="dk2" accent1="accent1" accent2="accent2" accent3="accent3" accent4="accent4" accent5="accent5" accent6="accent6" hlink="hlink" folHlink="folHlink"/>
   <p:notesStyle>
@@ -517,11 +519,20 @@
         <p:cNvGrpSpPr/>
         <p:nvPr/>
       </p:nvGrpSpPr>
-      <p:grpSpPr/>
+      <p:grpSpPr>
+        <a:xfrm>
+          <a:off x="0" y="0"/>
+          <a:ext cx="0" cy="0"/>
+          <a:chOff x="0" y="0"/>
+          <a:chExt cx="0" cy="0"/>
+        </a:xfrm>
+      </p:grpSpPr>
       <p:sp>
         <p:nvSpPr>
           <p:cNvPr id="2" name="幻灯片图像占位符 1"/>
-          <p:cNvSpPr/>
+          <p:cNvSpPr>
+            <a:spLocks noGrp="1" noRot="1" noChangeAspect="1"/>
+          </p:cNvSpPr>
           <p:nvPr>
             <p:ph type="sldImg" idx="2"/>
           </p:nvPr>
@@ -531,7 +542,9 @@
       <p:sp>
         <p:nvSpPr>
           <p:cNvPr id="3" name="文本占位符 2"/>
-          <p:cNvSpPr/>
+          <p:cNvSpPr>
+            <a:spLocks noGrp="1"/>
+          </p:cNvSpPr>
           <p:nvPr>
             <p:ph type="body" idx="3"/>
           </p:nvPr>
@@ -539,6 +552,7 @@
         <p:spPr/>
         <p:txBody>
           <a:bodyPr/>
+          <a:lstStyle/>
           <a:p>
             <a:r>
               <a:rPr lang="zh-CN" altLang="en-US" dirty="0">
@@ -603,7 +617,6 @@
               <a:rPr lang="zh-CN" altLang="en-US"/>
               <a:t>单击此处编辑母版标题样式</a:t>
             </a:r>
-            <a:endParaRPr lang="zh-CN" altLang="en-US"/>
           </a:p>
         </p:txBody>
       </p:sp>
@@ -668,7 +681,6 @@
               <a:rPr lang="zh-CN" altLang="en-US"/>
               <a:t>单击此处编辑母版副标题样式</a:t>
             </a:r>
-            <a:endParaRPr lang="zh-CN" altLang="en-US"/>
           </a:p>
         </p:txBody>
       </p:sp>
@@ -689,6 +701,7 @@
           <a:p>
             <a:fld id="{C87C0710-1941-4207-AFC4-70422DBD405E}" type="datetimeFigureOut">
               <a:rPr lang="zh-CN" altLang="en-US" smtClean="0"/>
+              <a:t>2019/2/20</a:t>
             </a:fld>
             <a:endParaRPr lang="zh-CN" altLang="en-US"/>
           </a:p>
@@ -730,6 +743,7 @@
           <a:p>
             <a:fld id="{5BD3F7A2-AB4B-46DB-92F9-EC6C90760ED0}" type="slidenum">
               <a:rPr lang="zh-CN" altLang="en-US" smtClean="0"/>
+              <a:t>‹#›</a:t>
             </a:fld>
             <a:endParaRPr lang="zh-CN" altLang="en-US"/>
           </a:p>
@@ -740,11 +754,11 @@
   <p:clrMapOvr>
     <a:masterClrMapping/>
   </p:clrMapOvr>
-  <mc:AlternateContent xmlns:mc="http://schemas.openxmlformats.org/markup-compatibility/2006">
-    <mc:Choice xmlns:p14="http://schemas.microsoft.com/office/powerpoint/2010/main" Requires="p14">
+  <mc:AlternateContent xmlns:mc="http://schemas.openxmlformats.org/markup-compatibility/2006" xmlns:p14="http://schemas.microsoft.com/office/powerpoint/2010/main">
+    <mc:Choice Requires="p14">
       <p:transition spd="slow" p14:dur="1600"/>
     </mc:Choice>
-    <mc:Fallback>
+    <mc:Fallback xmlns="">
       <p:transition spd="slow"/>
     </mc:Fallback>
   </mc:AlternateContent>
@@ -787,7 +801,6 @@
               <a:rPr lang="zh-CN" altLang="en-US" dirty="0"/>
               <a:t>单击此处编辑母版标题样式</a:t>
             </a:r>
-            <a:endParaRPr lang="zh-CN" altLang="en-US" dirty="0"/>
           </a:p>
         </p:txBody>
       </p:sp>
@@ -811,7 +824,6 @@
               <a:rPr lang="zh-CN" altLang="en-US"/>
               <a:t>单击此处编辑母版文本样式</a:t>
             </a:r>
-            <a:endParaRPr lang="zh-CN" altLang="en-US"/>
           </a:p>
           <a:p>
             <a:pPr lvl="1"/>
@@ -819,7 +831,6 @@
               <a:rPr lang="zh-CN" altLang="en-US"/>
               <a:t>第二级</a:t>
             </a:r>
-            <a:endParaRPr lang="zh-CN" altLang="en-US"/>
           </a:p>
           <a:p>
             <a:pPr lvl="2"/>
@@ -827,7 +838,6 @@
               <a:rPr lang="zh-CN" altLang="en-US"/>
               <a:t>第三级</a:t>
             </a:r>
-            <a:endParaRPr lang="zh-CN" altLang="en-US"/>
           </a:p>
           <a:p>
             <a:pPr lvl="3"/>
@@ -835,7 +845,6 @@
               <a:rPr lang="zh-CN" altLang="en-US"/>
               <a:t>第四级</a:t>
             </a:r>
-            <a:endParaRPr lang="zh-CN" altLang="en-US"/>
           </a:p>
           <a:p>
             <a:pPr lvl="4"/>
@@ -843,7 +852,6 @@
               <a:rPr lang="zh-CN" altLang="en-US"/>
               <a:t>第五级</a:t>
             </a:r>
-            <a:endParaRPr lang="zh-CN" altLang="en-US"/>
           </a:p>
         </p:txBody>
       </p:sp>
@@ -864,6 +872,7 @@
           <a:p>
             <a:fld id="{C87C0710-1941-4207-AFC4-70422DBD405E}" type="datetimeFigureOut">
               <a:rPr lang="zh-CN" altLang="en-US" smtClean="0"/>
+              <a:t>2019/2/20</a:t>
             </a:fld>
             <a:endParaRPr lang="zh-CN" altLang="en-US"/>
           </a:p>
@@ -905,6 +914,7 @@
           <a:p>
             <a:fld id="{5BD3F7A2-AB4B-46DB-92F9-EC6C90760ED0}" type="slidenum">
               <a:rPr lang="zh-CN" altLang="en-US" smtClean="0"/>
+              <a:t>‹#›</a:t>
             </a:fld>
             <a:endParaRPr lang="zh-CN" altLang="en-US"/>
           </a:p>
@@ -915,11 +925,11 @@
   <p:clrMapOvr>
     <a:masterClrMapping/>
   </p:clrMapOvr>
-  <mc:AlternateContent xmlns:mc="http://schemas.openxmlformats.org/markup-compatibility/2006">
-    <mc:Choice xmlns:p14="http://schemas.microsoft.com/office/powerpoint/2010/main" Requires="p14">
+  <mc:AlternateContent xmlns:mc="http://schemas.openxmlformats.org/markup-compatibility/2006" xmlns:p14="http://schemas.microsoft.com/office/powerpoint/2010/main">
+    <mc:Choice Requires="p14">
       <p:transition spd="slow" p14:dur="1600"/>
     </mc:Choice>
-    <mc:Fallback>
+    <mc:Fallback xmlns="">
       <p:transition spd="slow"/>
     </mc:Fallback>
   </mc:AlternateContent>
@@ -967,7 +977,6 @@
               <a:rPr lang="zh-CN" altLang="en-US"/>
               <a:t>单击此处编辑母版标题样式</a:t>
             </a:r>
-            <a:endParaRPr lang="zh-CN" altLang="en-US"/>
           </a:p>
         </p:txBody>
       </p:sp>
@@ -996,7 +1005,6 @@
               <a:rPr lang="zh-CN" altLang="en-US"/>
               <a:t>单击此处编辑母版文本样式</a:t>
             </a:r>
-            <a:endParaRPr lang="zh-CN" altLang="en-US"/>
           </a:p>
           <a:p>
             <a:pPr lvl="1"/>
@@ -1004,7 +1012,6 @@
               <a:rPr lang="zh-CN" altLang="en-US"/>
               <a:t>第二级</a:t>
             </a:r>
-            <a:endParaRPr lang="zh-CN" altLang="en-US"/>
           </a:p>
           <a:p>
             <a:pPr lvl="2"/>
@@ -1012,7 +1019,6 @@
               <a:rPr lang="zh-CN" altLang="en-US"/>
               <a:t>第三级</a:t>
             </a:r>
-            <a:endParaRPr lang="zh-CN" altLang="en-US"/>
           </a:p>
           <a:p>
             <a:pPr lvl="3"/>
@@ -1020,7 +1026,6 @@
               <a:rPr lang="zh-CN" altLang="en-US"/>
               <a:t>第四级</a:t>
             </a:r>
-            <a:endParaRPr lang="zh-CN" altLang="en-US"/>
           </a:p>
           <a:p>
             <a:pPr lvl="4"/>
@@ -1028,7 +1033,6 @@
               <a:rPr lang="zh-CN" altLang="en-US"/>
               <a:t>第五级</a:t>
             </a:r>
-            <a:endParaRPr lang="zh-CN" altLang="en-US"/>
           </a:p>
         </p:txBody>
       </p:sp>
@@ -1049,6 +1053,7 @@
           <a:p>
             <a:fld id="{C87C0710-1941-4207-AFC4-70422DBD405E}" type="datetimeFigureOut">
               <a:rPr lang="zh-CN" altLang="en-US" smtClean="0"/>
+              <a:t>2019/2/20</a:t>
             </a:fld>
             <a:endParaRPr lang="zh-CN" altLang="en-US"/>
           </a:p>
@@ -1090,6 +1095,7 @@
           <a:p>
             <a:fld id="{5BD3F7A2-AB4B-46DB-92F9-EC6C90760ED0}" type="slidenum">
               <a:rPr lang="zh-CN" altLang="en-US" smtClean="0"/>
+              <a:t>‹#›</a:t>
             </a:fld>
             <a:endParaRPr lang="zh-CN" altLang="en-US"/>
           </a:p>
@@ -1100,11 +1106,11 @@
   <p:clrMapOvr>
     <a:masterClrMapping/>
   </p:clrMapOvr>
-  <mc:AlternateContent xmlns:mc="http://schemas.openxmlformats.org/markup-compatibility/2006">
-    <mc:Choice xmlns:p14="http://schemas.microsoft.com/office/powerpoint/2010/main" Requires="p14">
+  <mc:AlternateContent xmlns:mc="http://schemas.openxmlformats.org/markup-compatibility/2006" xmlns:p14="http://schemas.microsoft.com/office/powerpoint/2010/main">
+    <mc:Choice Requires="p14">
       <p:transition spd="slow" p14:dur="1600"/>
     </mc:Choice>
-    <mc:Fallback>
+    <mc:Fallback xmlns="">
       <p:transition spd="slow"/>
     </mc:Fallback>
   </mc:AlternateContent>
@@ -1164,11 +1170,11 @@
   <p:clrMapOvr>
     <a:masterClrMapping/>
   </p:clrMapOvr>
-  <mc:AlternateContent xmlns:mc="http://schemas.openxmlformats.org/markup-compatibility/2006">
-    <mc:Choice xmlns:p14="http://schemas.microsoft.com/office/powerpoint/2010/main" Requires="p14">
+  <mc:AlternateContent xmlns:mc="http://schemas.openxmlformats.org/markup-compatibility/2006" xmlns:p14="http://schemas.microsoft.com/office/powerpoint/2010/main">
+    <mc:Choice Requires="p14">
       <p:transition spd="slow" p14:dur="1600"/>
     </mc:Choice>
-    <mc:Fallback>
+    <mc:Fallback xmlns="">
       <p:transition spd="slow"/>
     </mc:Fallback>
   </mc:AlternateContent>
@@ -1448,11 +1454,11 @@
   <p:clrMapOvr>
     <a:masterClrMapping/>
   </p:clrMapOvr>
-  <mc:AlternateContent xmlns:mc="http://schemas.openxmlformats.org/markup-compatibility/2006">
-    <mc:Choice xmlns:p14="http://schemas.microsoft.com/office/powerpoint/2010/main" Requires="p14">
+  <mc:AlternateContent xmlns:mc="http://schemas.openxmlformats.org/markup-compatibility/2006" xmlns:p14="http://schemas.microsoft.com/office/powerpoint/2010/main">
+    <mc:Choice Requires="p14">
       <p:transition spd="slow" p14:dur="1600"/>
     </mc:Choice>
-    <mc:Fallback>
+    <mc:Fallback xmlns="">
       <p:transition spd="slow"/>
     </mc:Fallback>
   </mc:AlternateContent>
@@ -1493,6 +1499,7 @@
           <a:p>
             <a:fld id="{C87C0710-1941-4207-AFC4-70422DBD405E}" type="datetimeFigureOut">
               <a:rPr lang="zh-CN" altLang="en-US" smtClean="0"/>
+              <a:t>2019/2/20</a:t>
             </a:fld>
             <a:endParaRPr lang="zh-CN" altLang="en-US"/>
           </a:p>
@@ -1534,6 +1541,7 @@
           <a:p>
             <a:fld id="{5BD3F7A2-AB4B-46DB-92F9-EC6C90760ED0}" type="slidenum">
               <a:rPr lang="zh-CN" altLang="en-US" smtClean="0"/>
+              <a:t>‹#›</a:t>
             </a:fld>
             <a:endParaRPr lang="zh-CN" altLang="en-US"/>
           </a:p>
@@ -1544,11 +1552,11 @@
   <p:clrMapOvr>
     <a:masterClrMapping/>
   </p:clrMapOvr>
-  <mc:AlternateContent xmlns:mc="http://schemas.openxmlformats.org/markup-compatibility/2006">
-    <mc:Choice xmlns:p14="http://schemas.microsoft.com/office/powerpoint/2010/main" Requires="p14">
+  <mc:AlternateContent xmlns:mc="http://schemas.openxmlformats.org/markup-compatibility/2006" xmlns:p14="http://schemas.microsoft.com/office/powerpoint/2010/main">
+    <mc:Choice Requires="p14">
       <p:transition spd="slow" p14:dur="1600"/>
     </mc:Choice>
-    <mc:Fallback>
+    <mc:Fallback xmlns="">
       <p:transition spd="slow"/>
     </mc:Fallback>
   </mc:AlternateContent>
@@ -1816,7 +1824,6 @@
               <a:rPr lang="zh-CN" altLang="en-US" dirty="0"/>
               <a:t>单击此处编辑母版标题样式</a:t>
             </a:r>
-            <a:endParaRPr lang="zh-CN" altLang="en-US" dirty="0"/>
           </a:p>
         </p:txBody>
       </p:sp>
@@ -1825,11 +1832,11 @@
   <p:clrMapOvr>
     <a:masterClrMapping/>
   </p:clrMapOvr>
-  <mc:AlternateContent xmlns:mc="http://schemas.openxmlformats.org/markup-compatibility/2006">
-    <mc:Choice xmlns:p14="http://schemas.microsoft.com/office/powerpoint/2010/main" Requires="p14">
+  <mc:AlternateContent xmlns:mc="http://schemas.openxmlformats.org/markup-compatibility/2006" xmlns:p14="http://schemas.microsoft.com/office/powerpoint/2010/main">
+    <mc:Choice Requires="p14">
       <p:transition spd="slow" p14:dur="1600"/>
     </mc:Choice>
-    <mc:Fallback>
+    <mc:Fallback xmlns="">
       <p:transition spd="slow"/>
     </mc:Fallback>
   </mc:AlternateContent>
@@ -1881,7 +1888,6 @@
               <a:rPr lang="zh-CN" altLang="en-US"/>
               <a:t>单击此处编辑母版标题样式</a:t>
             </a:r>
-            <a:endParaRPr lang="zh-CN" altLang="en-US"/>
           </a:p>
         </p:txBody>
       </p:sp>
@@ -2001,7 +2007,6 @@
               <a:rPr lang="zh-CN" altLang="en-US"/>
               <a:t>单击此处编辑母版文本样式</a:t>
             </a:r>
-            <a:endParaRPr lang="zh-CN" altLang="en-US"/>
           </a:p>
         </p:txBody>
       </p:sp>
@@ -2022,6 +2027,7 @@
           <a:p>
             <a:fld id="{C87C0710-1941-4207-AFC4-70422DBD405E}" type="datetimeFigureOut">
               <a:rPr lang="zh-CN" altLang="en-US" smtClean="0"/>
+              <a:t>2019/2/20</a:t>
             </a:fld>
             <a:endParaRPr lang="zh-CN" altLang="en-US"/>
           </a:p>
@@ -2063,6 +2069,7 @@
           <a:p>
             <a:fld id="{5BD3F7A2-AB4B-46DB-92F9-EC6C90760ED0}" type="slidenum">
               <a:rPr lang="zh-CN" altLang="en-US" smtClean="0"/>
+              <a:t>‹#›</a:t>
             </a:fld>
             <a:endParaRPr lang="zh-CN" altLang="en-US"/>
           </a:p>
@@ -2073,11 +2080,11 @@
   <p:clrMapOvr>
     <a:masterClrMapping/>
   </p:clrMapOvr>
-  <mc:AlternateContent xmlns:mc="http://schemas.openxmlformats.org/markup-compatibility/2006">
-    <mc:Choice xmlns:p14="http://schemas.microsoft.com/office/powerpoint/2010/main" Requires="p14">
+  <mc:AlternateContent xmlns:mc="http://schemas.openxmlformats.org/markup-compatibility/2006" xmlns:p14="http://schemas.microsoft.com/office/powerpoint/2010/main">
+    <mc:Choice Requires="p14">
       <p:transition spd="slow" p14:dur="1600"/>
     </mc:Choice>
-    <mc:Fallback>
+    <mc:Fallback xmlns="">
       <p:transition spd="slow"/>
     </mc:Fallback>
   </mc:AlternateContent>
@@ -2120,7 +2127,6 @@
               <a:rPr lang="zh-CN" altLang="en-US"/>
               <a:t>单击此处编辑母版标题样式</a:t>
             </a:r>
-            <a:endParaRPr lang="zh-CN" altLang="en-US"/>
           </a:p>
         </p:txBody>
       </p:sp>
@@ -2149,7 +2155,6 @@
               <a:rPr lang="zh-CN" altLang="en-US" dirty="0"/>
               <a:t>单击此处编辑母版文本样式</a:t>
             </a:r>
-            <a:endParaRPr lang="zh-CN" altLang="en-US" dirty="0"/>
           </a:p>
           <a:p>
             <a:pPr lvl="1"/>
@@ -2157,7 +2162,6 @@
               <a:rPr lang="zh-CN" altLang="en-US" dirty="0"/>
               <a:t>第二级</a:t>
             </a:r>
-            <a:endParaRPr lang="zh-CN" altLang="en-US" dirty="0"/>
           </a:p>
           <a:p>
             <a:pPr lvl="2"/>
@@ -2165,7 +2169,6 @@
               <a:rPr lang="zh-CN" altLang="en-US" dirty="0"/>
               <a:t>第三级</a:t>
             </a:r>
-            <a:endParaRPr lang="zh-CN" altLang="en-US" dirty="0"/>
           </a:p>
           <a:p>
             <a:pPr lvl="3"/>
@@ -2173,7 +2176,6 @@
               <a:rPr lang="zh-CN" altLang="en-US" dirty="0"/>
               <a:t>第四级</a:t>
             </a:r>
-            <a:endParaRPr lang="zh-CN" altLang="en-US" dirty="0"/>
           </a:p>
           <a:p>
             <a:pPr lvl="4"/>
@@ -2181,7 +2183,6 @@
               <a:rPr lang="zh-CN" altLang="en-US" dirty="0"/>
               <a:t>第五级</a:t>
             </a:r>
-            <a:endParaRPr lang="zh-CN" altLang="en-US" dirty="0"/>
           </a:p>
         </p:txBody>
       </p:sp>
@@ -2210,7 +2211,6 @@
               <a:rPr lang="zh-CN" altLang="en-US"/>
               <a:t>单击此处编辑母版文本样式</a:t>
             </a:r>
-            <a:endParaRPr lang="zh-CN" altLang="en-US"/>
           </a:p>
           <a:p>
             <a:pPr lvl="1"/>
@@ -2218,7 +2218,6 @@
               <a:rPr lang="zh-CN" altLang="en-US"/>
               <a:t>第二级</a:t>
             </a:r>
-            <a:endParaRPr lang="zh-CN" altLang="en-US"/>
           </a:p>
           <a:p>
             <a:pPr lvl="2"/>
@@ -2226,7 +2225,6 @@
               <a:rPr lang="zh-CN" altLang="en-US"/>
               <a:t>第三级</a:t>
             </a:r>
-            <a:endParaRPr lang="zh-CN" altLang="en-US"/>
           </a:p>
           <a:p>
             <a:pPr lvl="3"/>
@@ -2234,7 +2232,6 @@
               <a:rPr lang="zh-CN" altLang="en-US"/>
               <a:t>第四级</a:t>
             </a:r>
-            <a:endParaRPr lang="zh-CN" altLang="en-US"/>
           </a:p>
           <a:p>
             <a:pPr lvl="4"/>
@@ -2242,7 +2239,6 @@
               <a:rPr lang="zh-CN" altLang="en-US"/>
               <a:t>第五级</a:t>
             </a:r>
-            <a:endParaRPr lang="zh-CN" altLang="en-US"/>
           </a:p>
         </p:txBody>
       </p:sp>
@@ -2263,6 +2259,7 @@
           <a:p>
             <a:fld id="{C87C0710-1941-4207-AFC4-70422DBD405E}" type="datetimeFigureOut">
               <a:rPr lang="zh-CN" altLang="en-US" smtClean="0"/>
+              <a:t>2019/2/20</a:t>
             </a:fld>
             <a:endParaRPr lang="zh-CN" altLang="en-US"/>
           </a:p>
@@ -2304,6 +2301,7 @@
           <a:p>
             <a:fld id="{5BD3F7A2-AB4B-46DB-92F9-EC6C90760ED0}" type="slidenum">
               <a:rPr lang="zh-CN" altLang="en-US" smtClean="0"/>
+              <a:t>‹#›</a:t>
             </a:fld>
             <a:endParaRPr lang="zh-CN" altLang="en-US"/>
           </a:p>
@@ -2314,11 +2312,11 @@
   <p:clrMapOvr>
     <a:masterClrMapping/>
   </p:clrMapOvr>
-  <mc:AlternateContent xmlns:mc="http://schemas.openxmlformats.org/markup-compatibility/2006">
-    <mc:Choice xmlns:p14="http://schemas.microsoft.com/office/powerpoint/2010/main" Requires="p14">
+  <mc:AlternateContent xmlns:mc="http://schemas.openxmlformats.org/markup-compatibility/2006" xmlns:p14="http://schemas.microsoft.com/office/powerpoint/2010/main">
+    <mc:Choice Requires="p14">
       <p:transition spd="slow" p14:dur="1600"/>
     </mc:Choice>
-    <mc:Fallback>
+    <mc:Fallback xmlns="">
       <p:transition spd="slow"/>
     </mc:Fallback>
   </mc:AlternateContent>
@@ -2366,7 +2364,6 @@
               <a:rPr lang="zh-CN" altLang="en-US" dirty="0"/>
               <a:t>单击此处编辑母版标题样式</a:t>
             </a:r>
-            <a:endParaRPr lang="zh-CN" altLang="en-US" dirty="0"/>
           </a:p>
         </p:txBody>
       </p:sp>
@@ -2432,7 +2429,6 @@
               <a:rPr lang="zh-CN" altLang="en-US"/>
               <a:t>单击此处编辑母版文本样式</a:t>
             </a:r>
-            <a:endParaRPr lang="zh-CN" altLang="en-US"/>
           </a:p>
         </p:txBody>
       </p:sp>
@@ -2461,7 +2457,6 @@
               <a:rPr lang="zh-CN" altLang="en-US"/>
               <a:t>单击此处编辑母版文本样式</a:t>
             </a:r>
-            <a:endParaRPr lang="zh-CN" altLang="en-US"/>
           </a:p>
           <a:p>
             <a:pPr lvl="1"/>
@@ -2469,7 +2464,6 @@
               <a:rPr lang="zh-CN" altLang="en-US"/>
               <a:t>第二级</a:t>
             </a:r>
-            <a:endParaRPr lang="zh-CN" altLang="en-US"/>
           </a:p>
           <a:p>
             <a:pPr lvl="2"/>
@@ -2477,7 +2471,6 @@
               <a:rPr lang="zh-CN" altLang="en-US"/>
               <a:t>第三级</a:t>
             </a:r>
-            <a:endParaRPr lang="zh-CN" altLang="en-US"/>
           </a:p>
           <a:p>
             <a:pPr lvl="3"/>
@@ -2485,7 +2478,6 @@
               <a:rPr lang="zh-CN" altLang="en-US"/>
               <a:t>第四级</a:t>
             </a:r>
-            <a:endParaRPr lang="zh-CN" altLang="en-US"/>
           </a:p>
           <a:p>
             <a:pPr lvl="4"/>
@@ -2493,7 +2485,6 @@
               <a:rPr lang="zh-CN" altLang="en-US"/>
               <a:t>第五级</a:t>
             </a:r>
-            <a:endParaRPr lang="zh-CN" altLang="en-US"/>
           </a:p>
         </p:txBody>
       </p:sp>
@@ -2559,7 +2550,6 @@
               <a:rPr lang="zh-CN" altLang="en-US"/>
               <a:t>单击此处编辑母版文本样式</a:t>
             </a:r>
-            <a:endParaRPr lang="zh-CN" altLang="en-US"/>
           </a:p>
         </p:txBody>
       </p:sp>
@@ -2588,7 +2578,6 @@
               <a:rPr lang="zh-CN" altLang="en-US"/>
               <a:t>单击此处编辑母版文本样式</a:t>
             </a:r>
-            <a:endParaRPr lang="zh-CN" altLang="en-US"/>
           </a:p>
           <a:p>
             <a:pPr lvl="1"/>
@@ -2596,7 +2585,6 @@
               <a:rPr lang="zh-CN" altLang="en-US"/>
               <a:t>第二级</a:t>
             </a:r>
-            <a:endParaRPr lang="zh-CN" altLang="en-US"/>
           </a:p>
           <a:p>
             <a:pPr lvl="2"/>
@@ -2604,7 +2592,6 @@
               <a:rPr lang="zh-CN" altLang="en-US"/>
               <a:t>第三级</a:t>
             </a:r>
-            <a:endParaRPr lang="zh-CN" altLang="en-US"/>
           </a:p>
           <a:p>
             <a:pPr lvl="3"/>
@@ -2612,7 +2599,6 @@
               <a:rPr lang="zh-CN" altLang="en-US"/>
               <a:t>第四级</a:t>
             </a:r>
-            <a:endParaRPr lang="zh-CN" altLang="en-US"/>
           </a:p>
           <a:p>
             <a:pPr lvl="4"/>
@@ -2620,7 +2606,6 @@
               <a:rPr lang="zh-CN" altLang="en-US"/>
               <a:t>第五级</a:t>
             </a:r>
-            <a:endParaRPr lang="zh-CN" altLang="en-US"/>
           </a:p>
         </p:txBody>
       </p:sp>
@@ -2641,6 +2626,7 @@
           <a:p>
             <a:fld id="{C87C0710-1941-4207-AFC4-70422DBD405E}" type="datetimeFigureOut">
               <a:rPr lang="zh-CN" altLang="en-US" smtClean="0"/>
+              <a:t>2019/2/20</a:t>
             </a:fld>
             <a:endParaRPr lang="zh-CN" altLang="en-US"/>
           </a:p>
@@ -2682,6 +2668,7 @@
           <a:p>
             <a:fld id="{5BD3F7A2-AB4B-46DB-92F9-EC6C90760ED0}" type="slidenum">
               <a:rPr lang="zh-CN" altLang="en-US" smtClean="0"/>
+              <a:t>‹#›</a:t>
             </a:fld>
             <a:endParaRPr lang="zh-CN" altLang="en-US"/>
           </a:p>
@@ -2692,11 +2679,11 @@
   <p:clrMapOvr>
     <a:masterClrMapping/>
   </p:clrMapOvr>
-  <mc:AlternateContent xmlns:mc="http://schemas.openxmlformats.org/markup-compatibility/2006">
-    <mc:Choice xmlns:p14="http://schemas.microsoft.com/office/powerpoint/2010/main" Requires="p14">
+  <mc:AlternateContent xmlns:mc="http://schemas.openxmlformats.org/markup-compatibility/2006" xmlns:p14="http://schemas.microsoft.com/office/powerpoint/2010/main">
+    <mc:Choice Requires="p14">
       <p:transition spd="slow" p14:dur="1600"/>
     </mc:Choice>
-    <mc:Fallback>
+    <mc:Fallback xmlns="">
       <p:transition spd="slow"/>
     </mc:Fallback>
   </mc:AlternateContent>
@@ -2739,7 +2726,6 @@
               <a:rPr lang="zh-CN" altLang="en-US"/>
               <a:t>单击此处编辑母版标题样式</a:t>
             </a:r>
-            <a:endParaRPr lang="zh-CN" altLang="en-US"/>
           </a:p>
         </p:txBody>
       </p:sp>
@@ -2760,6 +2746,7 @@
           <a:p>
             <a:fld id="{C87C0710-1941-4207-AFC4-70422DBD405E}" type="datetimeFigureOut">
               <a:rPr lang="zh-CN" altLang="en-US" smtClean="0"/>
+              <a:t>2019/2/20</a:t>
             </a:fld>
             <a:endParaRPr lang="zh-CN" altLang="en-US"/>
           </a:p>
@@ -2801,6 +2788,7 @@
           <a:p>
             <a:fld id="{5BD3F7A2-AB4B-46DB-92F9-EC6C90760ED0}" type="slidenum">
               <a:rPr lang="zh-CN" altLang="en-US" smtClean="0"/>
+              <a:t>‹#›</a:t>
             </a:fld>
             <a:endParaRPr lang="zh-CN" altLang="en-US"/>
           </a:p>
@@ -2811,11 +2799,11 @@
   <p:clrMapOvr>
     <a:masterClrMapping/>
   </p:clrMapOvr>
-  <mc:AlternateContent xmlns:mc="http://schemas.openxmlformats.org/markup-compatibility/2006">
-    <mc:Choice xmlns:p14="http://schemas.microsoft.com/office/powerpoint/2010/main" Requires="p14">
+  <mc:AlternateContent xmlns:mc="http://schemas.openxmlformats.org/markup-compatibility/2006" xmlns:p14="http://schemas.microsoft.com/office/powerpoint/2010/main">
+    <mc:Choice Requires="p14">
       <p:transition spd="slow" p14:dur="1600"/>
     </mc:Choice>
-    <mc:Fallback>
+    <mc:Fallback xmlns="">
       <p:transition spd="slow"/>
     </mc:Fallback>
   </mc:AlternateContent>
@@ -2856,6 +2844,7 @@
           <a:p>
             <a:fld id="{C87C0710-1941-4207-AFC4-70422DBD405E}" type="datetimeFigureOut">
               <a:rPr lang="zh-CN" altLang="en-US" smtClean="0"/>
+              <a:t>2019/2/20</a:t>
             </a:fld>
             <a:endParaRPr lang="zh-CN" altLang="en-US"/>
           </a:p>
@@ -2897,6 +2886,7 @@
           <a:p>
             <a:fld id="{5BD3F7A2-AB4B-46DB-92F9-EC6C90760ED0}" type="slidenum">
               <a:rPr lang="zh-CN" altLang="en-US" smtClean="0"/>
+              <a:t>‹#›</a:t>
             </a:fld>
             <a:endParaRPr lang="zh-CN" altLang="en-US"/>
           </a:p>
@@ -3150,7 +3140,6 @@
               <a:rPr lang="zh-CN" altLang="en-US" dirty="0"/>
               <a:t>单击此处编辑母版标题样式</a:t>
             </a:r>
-            <a:endParaRPr lang="zh-CN" altLang="en-US" dirty="0"/>
           </a:p>
         </p:txBody>
       </p:sp>
@@ -3253,7 +3242,6 @@
               <a:rPr lang="zh-CN" altLang="en-US" dirty="0"/>
               <a:t>单击此处编辑母版文本样式</a:t>
             </a:r>
-            <a:endParaRPr lang="zh-CN" altLang="en-US" dirty="0"/>
           </a:p>
           <a:p>
             <a:pPr lvl="1"/>
@@ -3261,7 +3249,6 @@
               <a:rPr lang="zh-CN" altLang="en-US" dirty="0"/>
               <a:t> 第二级</a:t>
             </a:r>
-            <a:endParaRPr lang="zh-CN" altLang="en-US" dirty="0"/>
           </a:p>
           <a:p>
             <a:pPr lvl="2"/>
@@ -3269,7 +3256,6 @@
               <a:rPr lang="zh-CN" altLang="en-US" dirty="0"/>
               <a:t>第三级</a:t>
             </a:r>
-            <a:endParaRPr lang="zh-CN" altLang="en-US" dirty="0"/>
           </a:p>
         </p:txBody>
       </p:sp>
@@ -3278,11 +3264,11 @@
   <p:clrMapOvr>
     <a:masterClrMapping/>
   </p:clrMapOvr>
-  <mc:AlternateContent xmlns:mc="http://schemas.openxmlformats.org/markup-compatibility/2006">
-    <mc:Choice xmlns:p14="http://schemas.microsoft.com/office/powerpoint/2010/main" Requires="p14">
+  <mc:AlternateContent xmlns:mc="http://schemas.openxmlformats.org/markup-compatibility/2006" xmlns:p14="http://schemas.microsoft.com/office/powerpoint/2010/main">
+    <mc:Choice Requires="p14">
       <p:transition spd="slow" p14:dur="1600"/>
     </mc:Choice>
-    <mc:Fallback>
+    <mc:Fallback xmlns="">
       <p:transition spd="slow"/>
     </mc:Fallback>
   </mc:AlternateContent>
@@ -3341,7 +3327,6 @@
               <a:rPr lang="zh-CN" altLang="en-US"/>
               <a:t>单击此处编辑母版标题样式</a:t>
             </a:r>
-            <a:endParaRPr lang="zh-CN" altLang="en-US"/>
           </a:p>
         </p:txBody>
       </p:sp>
@@ -3398,7 +3383,6 @@
               <a:rPr lang="zh-CN" altLang="en-US"/>
               <a:t>单击此处编辑母版文本样式</a:t>
             </a:r>
-            <a:endParaRPr lang="zh-CN" altLang="en-US"/>
           </a:p>
           <a:p>
             <a:pPr lvl="1"/>
@@ -3406,7 +3390,6 @@
               <a:rPr lang="zh-CN" altLang="en-US"/>
               <a:t>第二级</a:t>
             </a:r>
-            <a:endParaRPr lang="zh-CN" altLang="en-US"/>
           </a:p>
           <a:p>
             <a:pPr lvl="2"/>
@@ -3414,7 +3397,6 @@
               <a:rPr lang="zh-CN" altLang="en-US"/>
               <a:t>第三级</a:t>
             </a:r>
-            <a:endParaRPr lang="zh-CN" altLang="en-US"/>
           </a:p>
           <a:p>
             <a:pPr lvl="3"/>
@@ -3422,7 +3404,6 @@
               <a:rPr lang="zh-CN" altLang="en-US"/>
               <a:t>第四级</a:t>
             </a:r>
-            <a:endParaRPr lang="zh-CN" altLang="en-US"/>
           </a:p>
           <a:p>
             <a:pPr lvl="4"/>
@@ -3430,7 +3411,6 @@
               <a:rPr lang="zh-CN" altLang="en-US"/>
               <a:t>第五级</a:t>
             </a:r>
-            <a:endParaRPr lang="zh-CN" altLang="en-US"/>
           </a:p>
         </p:txBody>
       </p:sp>
@@ -3496,7 +3476,6 @@
               <a:rPr lang="zh-CN" altLang="en-US"/>
               <a:t>单击此处编辑母版文本样式</a:t>
             </a:r>
-            <a:endParaRPr lang="zh-CN" altLang="en-US"/>
           </a:p>
         </p:txBody>
       </p:sp>
@@ -3517,6 +3496,7 @@
           <a:p>
             <a:fld id="{C87C0710-1941-4207-AFC4-70422DBD405E}" type="datetimeFigureOut">
               <a:rPr lang="zh-CN" altLang="en-US" smtClean="0"/>
+              <a:t>2019/2/20</a:t>
             </a:fld>
             <a:endParaRPr lang="zh-CN" altLang="en-US"/>
           </a:p>
@@ -3558,6 +3538,7 @@
           <a:p>
             <a:fld id="{5BD3F7A2-AB4B-46DB-92F9-EC6C90760ED0}" type="slidenum">
               <a:rPr lang="zh-CN" altLang="en-US" smtClean="0"/>
+              <a:t>‹#›</a:t>
             </a:fld>
             <a:endParaRPr lang="zh-CN" altLang="en-US"/>
           </a:p>
@@ -3568,11 +3549,11 @@
   <p:clrMapOvr>
     <a:masterClrMapping/>
   </p:clrMapOvr>
-  <mc:AlternateContent xmlns:mc="http://schemas.openxmlformats.org/markup-compatibility/2006">
-    <mc:Choice xmlns:p14="http://schemas.microsoft.com/office/powerpoint/2010/main" Requires="p14">
+  <mc:AlternateContent xmlns:mc="http://schemas.openxmlformats.org/markup-compatibility/2006" xmlns:p14="http://schemas.microsoft.com/office/powerpoint/2010/main">
+    <mc:Choice Requires="p14">
       <p:transition spd="slow" p14:dur="1600"/>
     </mc:Choice>
-    <mc:Fallback>
+    <mc:Fallback xmlns="">
       <p:transition spd="slow"/>
     </mc:Fallback>
   </mc:AlternateContent>
@@ -3624,7 +3605,6 @@
               <a:rPr lang="zh-CN" altLang="en-US"/>
               <a:t>单击此处编辑母版标题样式</a:t>
             </a:r>
-            <a:endParaRPr lang="zh-CN" altLang="en-US"/>
           </a:p>
         </p:txBody>
       </p:sp>
@@ -3751,7 +3731,6 @@
               <a:rPr lang="zh-CN" altLang="en-US"/>
               <a:t>单击此处编辑母版文本样式</a:t>
             </a:r>
-            <a:endParaRPr lang="zh-CN" altLang="en-US"/>
           </a:p>
         </p:txBody>
       </p:sp>
@@ -3772,6 +3751,7 @@
           <a:p>
             <a:fld id="{C87C0710-1941-4207-AFC4-70422DBD405E}" type="datetimeFigureOut">
               <a:rPr lang="zh-CN" altLang="en-US" smtClean="0"/>
+              <a:t>2019/2/20</a:t>
             </a:fld>
             <a:endParaRPr lang="zh-CN" altLang="en-US"/>
           </a:p>
@@ -3813,6 +3793,7 @@
           <a:p>
             <a:fld id="{5BD3F7A2-AB4B-46DB-92F9-EC6C90760ED0}" type="slidenum">
               <a:rPr lang="zh-CN" altLang="en-US" smtClean="0"/>
+              <a:t>‹#›</a:t>
             </a:fld>
             <a:endParaRPr lang="zh-CN" altLang="en-US"/>
           </a:p>
@@ -3823,11 +3804,11 @@
   <p:clrMapOvr>
     <a:masterClrMapping/>
   </p:clrMapOvr>
-  <mc:AlternateContent xmlns:mc="http://schemas.openxmlformats.org/markup-compatibility/2006">
-    <mc:Choice xmlns:p14="http://schemas.microsoft.com/office/powerpoint/2010/main" Requires="p14">
+  <mc:AlternateContent xmlns:mc="http://schemas.openxmlformats.org/markup-compatibility/2006" xmlns:p14="http://schemas.microsoft.com/office/powerpoint/2010/main">
+    <mc:Choice Requires="p14">
       <p:transition spd="slow" p14:dur="1600"/>
     </mc:Choice>
-    <mc:Fallback>
+    <mc:Fallback xmlns="">
       <p:transition spd="slow"/>
     </mc:Fallback>
   </mc:AlternateContent>
@@ -3888,7 +3869,6 @@
               <a:rPr lang="zh-CN" altLang="en-US"/>
               <a:t>单击此处编辑母版标题样式</a:t>
             </a:r>
-            <a:endParaRPr lang="zh-CN" altLang="en-US"/>
           </a:p>
         </p:txBody>
       </p:sp>
@@ -3922,7 +3902,6 @@
               <a:rPr lang="zh-CN" altLang="en-US"/>
               <a:t>单击此处编辑母版文本样式</a:t>
             </a:r>
-            <a:endParaRPr lang="zh-CN" altLang="en-US"/>
           </a:p>
           <a:p>
             <a:pPr lvl="1"/>
@@ -3930,7 +3909,6 @@
               <a:rPr lang="zh-CN" altLang="en-US"/>
               <a:t>第二级</a:t>
             </a:r>
-            <a:endParaRPr lang="zh-CN" altLang="en-US"/>
           </a:p>
           <a:p>
             <a:pPr lvl="2"/>
@@ -3938,7 +3916,6 @@
               <a:rPr lang="zh-CN" altLang="en-US"/>
               <a:t>第三级</a:t>
             </a:r>
-            <a:endParaRPr lang="zh-CN" altLang="en-US"/>
           </a:p>
           <a:p>
             <a:pPr lvl="3"/>
@@ -3946,7 +3923,6 @@
               <a:rPr lang="zh-CN" altLang="en-US"/>
               <a:t>第四级</a:t>
             </a:r>
-            <a:endParaRPr lang="zh-CN" altLang="en-US"/>
           </a:p>
           <a:p>
             <a:pPr lvl="4"/>
@@ -3954,7 +3930,6 @@
               <a:rPr lang="zh-CN" altLang="en-US"/>
               <a:t>第五级</a:t>
             </a:r>
-            <a:endParaRPr lang="zh-CN" altLang="en-US"/>
           </a:p>
         </p:txBody>
       </p:sp>
@@ -3993,6 +3968,7 @@
           <a:p>
             <a:fld id="{C87C0710-1941-4207-AFC4-70422DBD405E}" type="datetimeFigureOut">
               <a:rPr lang="zh-CN" altLang="en-US" smtClean="0"/>
+              <a:t>2019/2/20</a:t>
             </a:fld>
             <a:endParaRPr lang="zh-CN" altLang="en-US"/>
           </a:p>
@@ -4070,6 +4046,7 @@
           <a:p>
             <a:fld id="{5BD3F7A2-AB4B-46DB-92F9-EC6C90760ED0}" type="slidenum">
               <a:rPr lang="zh-CN" altLang="en-US" smtClean="0"/>
+              <a:t>‹#›</a:t>
             </a:fld>
             <a:endParaRPr lang="zh-CN" altLang="en-US"/>
           </a:p>
@@ -4094,11 +4071,11 @@
     <p:sldLayoutId id="2147483661" r:id="rId13"/>
     <p:sldLayoutId id="2147483662" r:id="rId14"/>
   </p:sldLayoutIdLst>
-  <mc:AlternateContent xmlns:mc="http://schemas.openxmlformats.org/markup-compatibility/2006">
-    <mc:Choice xmlns:p14="http://schemas.microsoft.com/office/powerpoint/2010/main" Requires="p14">
+  <mc:AlternateContent xmlns:mc="http://schemas.openxmlformats.org/markup-compatibility/2006" xmlns:p14="http://schemas.microsoft.com/office/powerpoint/2010/main">
+    <mc:Choice Requires="p14">
       <p:transition spd="slow" p14:dur="1600"/>
     </mc:Choice>
-    <mc:Fallback>
+    <mc:Fallback xmlns="">
       <p:transition spd="slow"/>
     </mc:Fallback>
   </mc:AlternateContent>
@@ -5517,6 +5494,7 @@
           <a:bodyPr vert="horz" wrap="square" lIns="108850" tIns="54425" rIns="108850" bIns="54425" rtlCol="0">
             <a:spAutoFit/>
           </a:bodyPr>
+          <a:lstStyle/>
           <a:p>
             <a:pPr algn="ctr"/>
             <a:r>
@@ -5539,13 +5517,6 @@
               </a:rPr>
               <a:t>CSS基本样式修饰</a:t>
             </a:r>
-            <a:endParaRPr lang="en-US" sz="3800" dirty="0" err="1">
-              <a:solidFill>
-                <a:srgbClr val="595E64"/>
-              </a:solidFill>
-              <a:latin typeface="微软雅黑" panose="020B0503020204020204" pitchFamily="34" charset="-122"/>
-              <a:ea typeface="微软雅黑" panose="020B0503020204020204" pitchFamily="34" charset="-122"/>
-            </a:endParaRPr>
           </a:p>
         </p:txBody>
       </p:sp>
@@ -5554,11 +5525,11 @@
   <p:clrMapOvr>
     <a:masterClrMapping/>
   </p:clrMapOvr>
-  <mc:AlternateContent xmlns:mc="http://schemas.openxmlformats.org/markup-compatibility/2006">
-    <mc:Choice xmlns:p14="http://schemas.microsoft.com/office/powerpoint/2010/main" Requires="p14">
+  <mc:AlternateContent xmlns:mc="http://schemas.openxmlformats.org/markup-compatibility/2006" xmlns:p14="http://schemas.microsoft.com/office/powerpoint/2010/main">
+    <mc:Choice Requires="p14">
       <p:transition spd="slow" p14:dur="1600"/>
     </mc:Choice>
-    <mc:Fallback>
+    <mc:Fallback xmlns="">
       <p:transition spd="slow"/>
     </mc:Fallback>
   </mc:AlternateContent>
@@ -5581,7 +5552,14 @@
         <p:cNvGrpSpPr/>
         <p:nvPr/>
       </p:nvGrpSpPr>
-      <p:grpSpPr/>
+      <p:grpSpPr>
+        <a:xfrm>
+          <a:off x="0" y="0"/>
+          <a:ext cx="0" cy="0"/>
+          <a:chOff x="0" y="0"/>
+          <a:chExt cx="0" cy="0"/>
+        </a:xfrm>
+      </p:grpSpPr>
       <p:sp>
         <p:nvSpPr>
           <p:cNvPr id="2" name="标题 1"/>
@@ -5595,12 +5573,12 @@
         <p:spPr/>
         <p:txBody>
           <a:bodyPr/>
+          <a:lstStyle/>
           <a:p>
             <a:r>
               <a:rPr lang="zh-CN" altLang="en-US"/>
               <a:t>字体粗细</a:t>
             </a:r>
-            <a:endParaRPr lang="zh-CN" altLang="en-US"/>
           </a:p>
         </p:txBody>
       </p:sp>
@@ -5622,6 +5600,7 @@
         </p:spPr>
         <p:txBody>
           <a:bodyPr/>
+          <a:lstStyle/>
           <a:p>
             <a:r>
               <a:t>font-weight</a:t>
@@ -5642,7 +5621,6 @@
               <a:rPr lang="zh-CN" altLang="en-US" sz="2400"/>
               <a:t>设置字体粗细</a:t>
             </a:r>
-            <a:endParaRPr lang="zh-CN" altLang="en-US" sz="2400"/>
           </a:p>
           <a:p>
             <a:pPr lvl="2"/>
@@ -5658,9 +5636,6 @@
               </a:rPr>
               <a:t>；</a:t>
             </a:r>
-            <a:endParaRPr lang="zh-CN" altLang="en-US" dirty="0" err="1">
-              <a:sym typeface="+mn-ea"/>
-            </a:endParaRPr>
           </a:p>
           <a:p>
             <a:pPr lvl="2"/>
@@ -5730,7 +5705,6 @@
               <a:rPr lang="zh-CN" altLang="en-US"/>
               <a:t>设置字体粗细</a:t>
             </a:r>
-            <a:endParaRPr lang="zh-CN" altLang="en-US"/>
           </a:p>
           <a:p>
             <a:pPr lvl="2"/>
@@ -5746,9 +5720,6 @@
               </a:rPr>
               <a:t>ont-weight :  900;</a:t>
             </a:r>
-            <a:endParaRPr altLang="zh-CN" dirty="0">
-              <a:sym typeface="+mn-ea"/>
-            </a:endParaRPr>
           </a:p>
           <a:p>
             <a:pPr lvl="2"/>
@@ -5764,16 +5735,12 @@
               </a:rPr>
               <a:t>100~900</a:t>
             </a:r>
-            <a:endParaRPr altLang="zh-CN" dirty="0">
-              <a:sym typeface="+mn-ea"/>
-            </a:endParaRPr>
           </a:p>
           <a:p>
             <a:r>
               <a:rPr lang="zh-CN" altLang="en-US"/>
               <a:t>实战技巧</a:t>
             </a:r>
-            <a:endParaRPr lang="zh-CN" altLang="en-US"/>
           </a:p>
           <a:p>
             <a:pPr lvl="1"/>
@@ -5849,6 +5816,7 @@
           <a:bodyPr wrap="square" lIns="108850" tIns="54425" rIns="108850" bIns="54425" rtlCol="0">
             <a:spAutoFit/>
           </a:bodyPr>
+          <a:lstStyle/>
           <a:p>
             <a:r>
               <a:rPr lang="en-US" altLang="zh-CN" sz="2400" dirty="0" smtClean="0">
@@ -5869,11 +5837,11 @@
   <p:clrMapOvr>
     <a:masterClrMapping/>
   </p:clrMapOvr>
-  <mc:AlternateContent xmlns:mc="http://schemas.openxmlformats.org/markup-compatibility/2006">
-    <mc:Choice xmlns:p14="http://schemas.microsoft.com/office/powerpoint/2010/main" Requires="p14">
+  <mc:AlternateContent xmlns:mc="http://schemas.openxmlformats.org/markup-compatibility/2006" xmlns:p14="http://schemas.microsoft.com/office/powerpoint/2010/main">
+    <mc:Choice Requires="p14">
       <p:transition spd="slow" p14:dur="1600"/>
     </mc:Choice>
-    <mc:Fallback>
+    <mc:Fallback xmlns="">
       <p:transition spd="slow"/>
     </mc:Fallback>
   </mc:AlternateContent>
@@ -6107,7 +6075,14 @@
         <p:cNvGrpSpPr/>
         <p:nvPr/>
       </p:nvGrpSpPr>
-      <p:grpSpPr/>
+      <p:grpSpPr>
+        <a:xfrm>
+          <a:off x="0" y="0"/>
+          <a:ext cx="0" cy="0"/>
+          <a:chOff x="0" y="0"/>
+          <a:chExt cx="0" cy="0"/>
+        </a:xfrm>
+      </p:grpSpPr>
       <p:sp>
         <p:nvSpPr>
           <p:cNvPr id="2" name="标题 1"/>
@@ -6121,12 +6096,12 @@
         <p:spPr/>
         <p:txBody>
           <a:bodyPr/>
+          <a:lstStyle/>
           <a:p>
             <a:r>
               <a:rPr lang="zh-CN" altLang="en-US"/>
               <a:t>字体综合属性</a:t>
             </a:r>
-            <a:endParaRPr lang="zh-CN" altLang="en-US"/>
           </a:p>
         </p:txBody>
       </p:sp>
@@ -6143,6 +6118,7 @@
         <p:spPr/>
         <p:txBody>
           <a:bodyPr/>
+          <a:lstStyle/>
           <a:p>
             <a:r>
               <a:t>font</a:t>
@@ -6195,9 +6171,6 @@
               </a:rPr>
               <a:t>';</a:t>
             </a:r>
-            <a:endParaRPr altLang="zh-CN" dirty="0">
-              <a:sym typeface="+mn-ea"/>
-            </a:endParaRPr>
           </a:p>
           <a:p>
             <a:pPr lvl="2"/>
@@ -6309,12 +6282,6 @@
               </a:rPr>
               <a:t>ont-family</a:t>
             </a:r>
-            <a:endParaRPr lang="zh-CN" altLang="en-US">
-              <a:solidFill>
-                <a:srgbClr val="FF0000"/>
-              </a:solidFill>
-              <a:sym typeface="+mn-ea"/>
-            </a:endParaRPr>
           </a:p>
           <a:p>
             <a:pPr lvl="2"/>
@@ -6372,12 +6339,6 @@
               </a:rPr>
               <a:t>字体系列</a:t>
             </a:r>
-            <a:endParaRPr lang="zh-CN" altLang="en-US" dirty="0">
-              <a:solidFill>
-                <a:srgbClr val="FF0000"/>
-              </a:solidFill>
-              <a:sym typeface="+mn-ea"/>
-            </a:endParaRPr>
           </a:p>
           <a:p>
             <a:pPr lvl="2"/>
@@ -6387,12 +6348,12 @@
               </a:rPr>
               <a:t>未设置的属性会使用默认值</a:t>
             </a:r>
+          </a:p>
+          <a:p>
+            <a:pPr lvl="1"/>
             <a:endParaRPr lang="zh-CN" altLang="en-US" dirty="0">
               <a:sym typeface="+mn-ea"/>
             </a:endParaRPr>
-          </a:p>
-          <a:p>
-            <a:pPr lvl="1"/>
           </a:p>
         </p:txBody>
       </p:sp>
@@ -6401,11 +6362,11 @@
   <p:clrMapOvr>
     <a:masterClrMapping/>
   </p:clrMapOvr>
-  <mc:AlternateContent xmlns:mc="http://schemas.openxmlformats.org/markup-compatibility/2006">
-    <mc:Choice xmlns:p14="http://schemas.microsoft.com/office/powerpoint/2010/main" Requires="p14">
+  <mc:AlternateContent xmlns:mc="http://schemas.openxmlformats.org/markup-compatibility/2006" xmlns:p14="http://schemas.microsoft.com/office/powerpoint/2010/main">
+    <mc:Choice Requires="p14">
       <p:transition spd="slow" p14:dur="1600"/>
     </mc:Choice>
-    <mc:Fallback>
+    <mc:Fallback xmlns="">
       <p:transition spd="slow"/>
     </mc:Fallback>
   </mc:AlternateContent>
@@ -6593,7 +6554,14 @@
         <p:cNvGrpSpPr/>
         <p:nvPr/>
       </p:nvGrpSpPr>
-      <p:grpSpPr/>
+      <p:grpSpPr>
+        <a:xfrm>
+          <a:off x="0" y="0"/>
+          <a:ext cx="0" cy="0"/>
+          <a:chOff x="0" y="0"/>
+          <a:chExt cx="0" cy="0"/>
+        </a:xfrm>
+      </p:grpSpPr>
       <p:sp>
         <p:nvSpPr>
           <p:cNvPr id="2" name="标题 1"/>
@@ -6607,12 +6575,12 @@
         <p:spPr/>
         <p:txBody>
           <a:bodyPr/>
+          <a:lstStyle/>
           <a:p>
             <a:r>
               <a:rPr lang="zh-CN" altLang="en-US"/>
               <a:t>网页中的文字</a:t>
             </a:r>
-            <a:endParaRPr lang="zh-CN" altLang="en-US"/>
           </a:p>
         </p:txBody>
       </p:sp>
@@ -6629,6 +6597,7 @@
         <p:spPr/>
         <p:txBody>
           <a:bodyPr/>
+          <a:lstStyle/>
           <a:p>
             <a:r>
               <a:rPr lang="zh-CN" altLang="en-US" sz="2800" b="1">
@@ -6665,12 +6634,6 @@
               </a:rPr>
               <a:t>产品的设计和开发经常有以下这种情况出现</a:t>
             </a:r>
-            <a:endParaRPr lang="zh-CN" altLang="en-US" sz="2800">
-              <a:solidFill>
-                <a:schemeClr val="tx1"/>
-              </a:solidFill>
-              <a:sym typeface="+mn-ea"/>
-            </a:endParaRPr>
           </a:p>
           <a:p>
             <a:pPr lvl="1"/>
@@ -6737,12 +6700,6 @@
               </a:rPr>
               <a:t>上丑的要死</a:t>
             </a:r>
-            <a:endParaRPr lang="zh-CN" altLang="en-US">
-              <a:solidFill>
-                <a:schemeClr val="tx1"/>
-              </a:solidFill>
-              <a:sym typeface="+mn-ea"/>
-            </a:endParaRPr>
           </a:p>
           <a:p>
             <a:pPr lvl="1"/>
@@ -6798,7 +6755,14 @@
               <a:sym typeface="+mn-ea"/>
             </a:endParaRPr>
           </a:p>
-          <a:p/>
+          <a:p>
+            <a:endParaRPr altLang="zh-CN">
+              <a:solidFill>
+                <a:schemeClr val="tx1"/>
+              </a:solidFill>
+              <a:sym typeface="+mn-ea"/>
+            </a:endParaRPr>
+          </a:p>
         </p:txBody>
       </p:sp>
     </p:spTree>
@@ -6806,14 +6770,21 @@
   <p:clrMapOvr>
     <a:masterClrMapping/>
   </p:clrMapOvr>
-  <mc:AlternateContent xmlns:mc="http://schemas.openxmlformats.org/markup-compatibility/2006">
-    <mc:Choice xmlns:p14="http://schemas.microsoft.com/office/powerpoint/2010/main" Requires="p14">
+  <mc:AlternateContent xmlns:mc="http://schemas.openxmlformats.org/markup-compatibility/2006" xmlns:p14="http://schemas.microsoft.com/office/powerpoint/2010/main">
+    <mc:Choice Requires="p14">
       <p:transition spd="slow" p14:dur="1600"/>
     </mc:Choice>
-    <mc:Fallback>
+    <mc:Fallback xmlns="">
       <p:transition spd="slow"/>
     </mc:Fallback>
   </mc:AlternateContent>
+  <p:timing>
+    <p:tnLst>
+      <p:par>
+        <p:cTn id="1" dur="indefinite" restart="never" nodeType="tmRoot"/>
+      </p:par>
+    </p:tnLst>
+  </p:timing>
 </p:sld>
 </file>
 
@@ -6826,7 +6797,14 @@
         <p:cNvGrpSpPr/>
         <p:nvPr/>
       </p:nvGrpSpPr>
-      <p:grpSpPr/>
+      <p:grpSpPr>
+        <a:xfrm>
+          <a:off x="0" y="0"/>
+          <a:ext cx="0" cy="0"/>
+          <a:chOff x="0" y="0"/>
+          <a:chExt cx="0" cy="0"/>
+        </a:xfrm>
+      </p:grpSpPr>
       <p:sp>
         <p:nvSpPr>
           <p:cNvPr id="2" name="标题 1"/>
@@ -6840,12 +6818,12 @@
         <p:spPr/>
         <p:txBody>
           <a:bodyPr/>
+          <a:lstStyle/>
           <a:p>
             <a:r>
               <a:rPr lang="zh-CN" altLang="en-US"/>
               <a:t>为什么</a:t>
             </a:r>
-            <a:endParaRPr lang="zh-CN" altLang="en-US"/>
           </a:p>
         </p:txBody>
       </p:sp>
@@ -6862,6 +6840,7 @@
         <p:spPr/>
         <p:txBody>
           <a:bodyPr/>
+          <a:lstStyle/>
           <a:p>
             <a:r>
               <a:rPr lang="zh-CN" altLang="en-US" sz="2800">
@@ -6886,9 +6865,6 @@
               </a:rPr>
               <a:t>你的系统安装了哪些字体</a:t>
             </a:r>
-            <a:endParaRPr lang="zh-CN" altLang="en-US">
-              <a:sym typeface="+mn-ea"/>
-            </a:endParaRPr>
           </a:p>
           <a:p>
             <a:pPr lvl="2"/>
@@ -6910,9 +6886,6 @@
               </a:rPr>
               <a:t>网站嵌入其他字体，让用户浏览时下载</a:t>
             </a:r>
-            <a:endParaRPr lang="zh-CN" altLang="en-US">
-              <a:sym typeface="+mn-ea"/>
-            </a:endParaRPr>
           </a:p>
           <a:p>
             <a:pPr lvl="2"/>
@@ -7017,7 +6990,13 @@
               </a:solidFill>
             </a:endParaRPr>
           </a:p>
-          <a:p/>
+          <a:p>
+            <a:endParaRPr lang="zh-CN" altLang="en-US" dirty="0">
+              <a:solidFill>
+                <a:srgbClr val="C00000"/>
+              </a:solidFill>
+            </a:endParaRPr>
+          </a:p>
         </p:txBody>
       </p:sp>
     </p:spTree>
@@ -7025,11 +7004,11 @@
   <p:clrMapOvr>
     <a:masterClrMapping/>
   </p:clrMapOvr>
-  <mc:AlternateContent xmlns:mc="http://schemas.openxmlformats.org/markup-compatibility/2006">
-    <mc:Choice xmlns:p14="http://schemas.microsoft.com/office/powerpoint/2010/main" Requires="p14">
+  <mc:AlternateContent xmlns:mc="http://schemas.openxmlformats.org/markup-compatibility/2006" xmlns:p14="http://schemas.microsoft.com/office/powerpoint/2010/main">
+    <mc:Choice Requires="p14">
       <p:transition spd="slow" p14:dur="1600"/>
     </mc:Choice>
-    <mc:Fallback>
+    <mc:Fallback xmlns="">
       <p:transition spd="slow"/>
     </mc:Fallback>
   </mc:AlternateContent>
@@ -7136,7 +7115,14 @@
         <p:cNvGrpSpPr/>
         <p:nvPr/>
       </p:nvGrpSpPr>
-      <p:grpSpPr/>
+      <p:grpSpPr>
+        <a:xfrm>
+          <a:off x="0" y="0"/>
+          <a:ext cx="0" cy="0"/>
+          <a:chOff x="0" y="0"/>
+          <a:chExt cx="0" cy="0"/>
+        </a:xfrm>
+      </p:grpSpPr>
       <p:sp>
         <p:nvSpPr>
           <p:cNvPr id="2" name="标题 1"/>
@@ -7150,12 +7136,12 @@
         <p:spPr/>
         <p:txBody>
           <a:bodyPr/>
+          <a:lstStyle/>
           <a:p>
             <a:r>
               <a:rPr lang="zh-CN" altLang="en-US"/>
               <a:t>通用字体</a:t>
             </a:r>
-            <a:endParaRPr lang="zh-CN" altLang="en-US"/>
           </a:p>
         </p:txBody>
       </p:sp>
@@ -7177,6 +7163,7 @@
         </p:spPr>
         <p:txBody>
           <a:bodyPr/>
+          <a:lstStyle/>
           <a:p>
             <a:r>
               <a:rPr sz="2800">
@@ -7414,8 +7401,22 @@
               <a:sym typeface="+mn-ea"/>
             </a:endParaRPr>
           </a:p>
-          <a:p/>
-          <a:p/>
+          <a:p>
+            <a:endParaRPr lang="zh-CN" altLang="zh-CN" sz="2800" dirty="0">
+              <a:solidFill>
+                <a:srgbClr val="FF0000"/>
+              </a:solidFill>
+              <a:sym typeface="+mn-ea"/>
+            </a:endParaRPr>
+          </a:p>
+          <a:p>
+            <a:endParaRPr lang="zh-CN" altLang="zh-CN" sz="2800" dirty="0">
+              <a:solidFill>
+                <a:srgbClr val="FF0000"/>
+              </a:solidFill>
+              <a:sym typeface="+mn-ea"/>
+            </a:endParaRPr>
+          </a:p>
         </p:txBody>
       </p:sp>
     </p:spTree>
@@ -7423,14 +7424,21 @@
   <p:clrMapOvr>
     <a:masterClrMapping/>
   </p:clrMapOvr>
-  <mc:AlternateContent xmlns:mc="http://schemas.openxmlformats.org/markup-compatibility/2006">
-    <mc:Choice xmlns:p14="http://schemas.microsoft.com/office/powerpoint/2010/main" Requires="p14">
+  <mc:AlternateContent xmlns:mc="http://schemas.openxmlformats.org/markup-compatibility/2006" xmlns:p14="http://schemas.microsoft.com/office/powerpoint/2010/main">
+    <mc:Choice Requires="p14">
       <p:transition spd="slow" p14:dur="1600"/>
     </mc:Choice>
-    <mc:Fallback>
+    <mc:Fallback xmlns="">
       <p:transition spd="slow"/>
     </mc:Fallback>
   </mc:AlternateContent>
+  <p:timing>
+    <p:tnLst>
+      <p:par>
+        <p:cTn id="1" dur="indefinite" restart="never" nodeType="tmRoot"/>
+      </p:par>
+    </p:tnLst>
+  </p:timing>
 </p:sld>
 </file>
 
@@ -7443,7 +7451,14 @@
         <p:cNvGrpSpPr/>
         <p:nvPr/>
       </p:nvGrpSpPr>
-      <p:grpSpPr/>
+      <p:grpSpPr>
+        <a:xfrm>
+          <a:off x="0" y="0"/>
+          <a:ext cx="0" cy="0"/>
+          <a:chOff x="0" y="0"/>
+          <a:chExt cx="0" cy="0"/>
+        </a:xfrm>
+      </p:grpSpPr>
       <p:sp>
         <p:nvSpPr>
           <p:cNvPr id="2" name="标题 1"/>
@@ -7457,12 +7472,12 @@
         <p:spPr/>
         <p:txBody>
           <a:bodyPr/>
+          <a:lstStyle/>
           <a:p>
             <a:r>
               <a:rPr lang="zh-CN" altLang="en-US"/>
               <a:t>字体使用规范</a:t>
             </a:r>
-            <a:endParaRPr lang="zh-CN" altLang="en-US"/>
           </a:p>
         </p:txBody>
       </p:sp>
@@ -7479,6 +7494,7 @@
         <p:spPr/>
         <p:txBody>
           <a:bodyPr/>
+          <a:lstStyle/>
           <a:p>
             <a:r>
               <a:rPr lang="zh-CN" altLang="en-US">
@@ -7546,7 +7562,17 @@
               <a:sym typeface="+mn-ea"/>
             </a:endParaRPr>
           </a:p>
-          <a:p/>
+          <a:p>
+            <a:endParaRPr lang="zh-CN" altLang="en-US" dirty="0">
+              <a:solidFill>
+                <a:schemeClr val="tx1">
+                  <a:lumMod val="75000"/>
+                  <a:lumOff val="25000"/>
+                </a:schemeClr>
+              </a:solidFill>
+              <a:sym typeface="+mn-ea"/>
+            </a:endParaRPr>
+          </a:p>
         </p:txBody>
       </p:sp>
       <p:sp>
@@ -7568,6 +7594,7 @@
           <a:bodyPr wrap="square" lIns="108850" tIns="54425" rIns="108850" bIns="54425">
             <a:spAutoFit/>
           </a:bodyPr>
+          <a:lstStyle/>
           <a:p>
             <a:pPr>
               <a:lnSpc>
@@ -7584,13 +7611,6 @@
               </a:rPr>
               <a:t>你知道吗？</a:t>
             </a:r>
-            <a:endParaRPr lang="zh-CN" altLang="en-US" sz="2800" dirty="0">
-              <a:solidFill>
-                <a:srgbClr val="FF0000"/>
-              </a:solidFill>
-              <a:latin typeface="微软雅黑" panose="020B0503020204020204" pitchFamily="34" charset="-122"/>
-              <a:ea typeface="微软雅黑" panose="020B0503020204020204" pitchFamily="34" charset="-122"/>
-            </a:endParaRPr>
           </a:p>
           <a:p>
             <a:pPr>
@@ -7628,13 +7648,6 @@
               </a:rPr>
               <a:t>！</a:t>
             </a:r>
-            <a:endParaRPr lang="zh-CN" altLang="en-US" sz="2400" dirty="0" smtClean="0">
-              <a:solidFill>
-                <a:schemeClr val="tx1"/>
-              </a:solidFill>
-              <a:latin typeface="微软雅黑" panose="020B0503020204020204" pitchFamily="34" charset="-122"/>
-              <a:ea typeface="微软雅黑" panose="020B0503020204020204" pitchFamily="34" charset="-122"/>
-            </a:endParaRPr>
           </a:p>
           <a:p>
             <a:pPr>
@@ -7652,13 +7665,6 @@
               </a:rPr>
               <a:t>http://www.googlefonts.cn/</a:t>
             </a:r>
-            <a:endParaRPr lang="en-US" altLang="zh-CN" sz="2400" dirty="0">
-              <a:solidFill>
-                <a:schemeClr val="tx1"/>
-              </a:solidFill>
-              <a:latin typeface="微软雅黑" panose="020B0503020204020204" pitchFamily="34" charset="-122"/>
-              <a:ea typeface="微软雅黑" panose="020B0503020204020204" pitchFamily="34" charset="-122"/>
-            </a:endParaRPr>
           </a:p>
         </p:txBody>
       </p:sp>
@@ -7667,11 +7673,11 @@
   <p:clrMapOvr>
     <a:masterClrMapping/>
   </p:clrMapOvr>
-  <mc:AlternateContent xmlns:mc="http://schemas.openxmlformats.org/markup-compatibility/2006">
-    <mc:Choice xmlns:p14="http://schemas.microsoft.com/office/powerpoint/2010/main" Requires="p14">
+  <mc:AlternateContent xmlns:mc="http://schemas.openxmlformats.org/markup-compatibility/2006" xmlns:p14="http://schemas.microsoft.com/office/powerpoint/2010/main">
+    <mc:Choice Requires="p14">
       <p:transition spd="slow" p14:dur="1600"/>
     </mc:Choice>
-    <mc:Fallback>
+    <mc:Fallback xmlns="">
       <p:transition spd="slow"/>
     </mc:Fallback>
   </mc:AlternateContent>
@@ -7873,13 +7879,6 @@
                 </a:rPr>
                 <a:t>本节内容</a:t>
               </a:r>
-              <a:endParaRPr lang="zh-CN" altLang="en-US" sz="4800" b="1" dirty="0">
-                <a:solidFill>
-                  <a:schemeClr val="bg1"/>
-                </a:solidFill>
-                <a:latin typeface="微软雅黑" panose="020B0503020204020204" pitchFamily="34" charset="-122"/>
-                <a:ea typeface="微软雅黑" panose="020B0503020204020204" pitchFamily="34" charset="-122"/>
-              </a:endParaRPr>
             </a:p>
           </p:txBody>
         </p:sp>
@@ -8080,6 +8079,7 @@
         </p:style>
         <p:txBody>
           <a:bodyPr vert="horz" lIns="108850" tIns="54425" rIns="108850" bIns="54425" rtlCol="0" anchor="ctr"/>
+          <a:lstStyle/>
           <a:p>
             <a:pPr algn="ctr"/>
             <a:endParaRPr lang="en-US"/>
@@ -8106,6 +8106,7 @@
           <a:bodyPr vert="horz" wrap="square" lIns="108850" tIns="54425" rIns="108850" bIns="54425" rtlCol="0">
             <a:spAutoFit/>
           </a:bodyPr>
+          <a:lstStyle/>
           <a:p>
             <a:r>
               <a:rPr lang="zh-CN" altLang="en-US" sz="2800" dirty="0">
@@ -8147,6 +8148,7 @@
           <a:bodyPr vert="horz" wrap="square" lIns="108850" tIns="54425" rIns="108850" bIns="54425" rtlCol="0">
             <a:spAutoFit/>
           </a:bodyPr>
+          <a:lstStyle/>
           <a:p>
             <a:r>
               <a:rPr lang="zh-CN" altLang="en-US" sz="2800" dirty="0">
@@ -8158,13 +8160,6 @@
               </a:rPr>
               <a:t>文本常用样式</a:t>
             </a:r>
-            <a:endParaRPr lang="zh-CN" altLang="en-US" sz="2800" dirty="0">
-              <a:solidFill>
-                <a:srgbClr val="FF0000"/>
-              </a:solidFill>
-              <a:latin typeface="微软雅黑" panose="020B0503020204020204" pitchFamily="34" charset="-122"/>
-              <a:ea typeface="微软雅黑" panose="020B0503020204020204" pitchFamily="34" charset="-122"/>
-            </a:endParaRPr>
           </a:p>
         </p:txBody>
       </p:sp>
@@ -8214,6 +8209,7 @@
         </p:style>
         <p:txBody>
           <a:bodyPr vert="horz" lIns="108850" tIns="54425" rIns="108850" bIns="54425" rtlCol="0" anchor="ctr"/>
+          <a:lstStyle/>
           <a:p>
             <a:pPr algn="ctr"/>
             <a:endParaRPr lang="en-US"/>
@@ -8266,6 +8262,7 @@
         </p:style>
         <p:txBody>
           <a:bodyPr vert="horz" lIns="108850" tIns="54425" rIns="108850" bIns="54425" rtlCol="0" anchor="ctr"/>
+          <a:lstStyle/>
           <a:p>
             <a:pPr algn="ctr"/>
             <a:endParaRPr lang="en-US"/>
@@ -8292,6 +8289,7 @@
           <a:bodyPr vert="horz" wrap="square" lIns="108850" tIns="54425" rIns="108850" bIns="54425" rtlCol="0">
             <a:spAutoFit/>
           </a:bodyPr>
+          <a:lstStyle/>
           <a:p>
             <a:r>
               <a:rPr lang="zh-CN" altLang="en-US" sz="2800" dirty="0">
@@ -8359,6 +8357,7 @@
         </p:style>
         <p:txBody>
           <a:bodyPr vert="horz" lIns="108850" tIns="54425" rIns="108850" bIns="54425" rtlCol="0" anchor="ctr"/>
+          <a:lstStyle/>
           <a:p>
             <a:pPr algn="ctr"/>
             <a:endParaRPr lang="en-US"/>
@@ -8385,6 +8384,7 @@
           <a:bodyPr wrap="square" lIns="108850" tIns="54425" rIns="108850" bIns="54425" rtlCol="0">
             <a:spAutoFit/>
           </a:bodyPr>
+          <a:lstStyle/>
           <a:p>
             <a:r>
               <a:rPr lang="zh-CN" altLang="en-US" sz="2800" dirty="0">
@@ -8396,13 +8396,6 @@
               </a:rPr>
               <a:t>列表常用样式</a:t>
             </a:r>
-            <a:endParaRPr lang="zh-CN" altLang="en-US" sz="2800" dirty="0">
-              <a:solidFill>
-                <a:srgbClr val="595E64"/>
-              </a:solidFill>
-              <a:latin typeface="微软雅黑" panose="020B0503020204020204" pitchFamily="34" charset="-122"/>
-              <a:ea typeface="微软雅黑" panose="020B0503020204020204" pitchFamily="34" charset="-122"/>
-            </a:endParaRPr>
           </a:p>
         </p:txBody>
       </p:sp>
@@ -8445,6 +8438,7 @@
         </p:style>
         <p:txBody>
           <a:bodyPr lIns="108850" tIns="54425" rIns="108850" bIns="54425" rtlCol="0" anchor="ctr"/>
+          <a:lstStyle/>
           <a:p>
             <a:pPr algn="ctr"/>
             <a:endParaRPr lang="zh-CN" altLang="en-US"/>
@@ -8471,6 +8465,7 @@
           <a:bodyPr vert="horz" wrap="square" lIns="108850" tIns="54425" rIns="108850" bIns="54425" rtlCol="0">
             <a:spAutoFit/>
           </a:bodyPr>
+          <a:lstStyle/>
           <a:p>
             <a:r>
               <a:rPr lang="zh-CN" altLang="en-US" sz="2800" dirty="0">
@@ -8482,13 +8477,6 @@
               </a:rPr>
               <a:t>超链接的样式设置</a:t>
             </a:r>
-            <a:endParaRPr lang="zh-CN" altLang="en-US" sz="2800" dirty="0">
-              <a:solidFill>
-                <a:srgbClr val="595E64"/>
-              </a:solidFill>
-              <a:latin typeface="微软雅黑" panose="020B0503020204020204" pitchFamily="34" charset="-122"/>
-              <a:ea typeface="微软雅黑" panose="020B0503020204020204" pitchFamily="34" charset="-122"/>
-            </a:endParaRPr>
           </a:p>
         </p:txBody>
       </p:sp>
@@ -8517,7 +8505,14 @@
         <p:cNvGrpSpPr/>
         <p:nvPr/>
       </p:nvGrpSpPr>
-      <p:grpSpPr/>
+      <p:grpSpPr>
+        <a:xfrm>
+          <a:off x="0" y="0"/>
+          <a:ext cx="0" cy="0"/>
+          <a:chOff x="0" y="0"/>
+          <a:chExt cx="0" cy="0"/>
+        </a:xfrm>
+      </p:grpSpPr>
       <p:sp>
         <p:nvSpPr>
           <p:cNvPr id="2" name="标题 1"/>
@@ -8531,12 +8526,12 @@
         <p:spPr/>
         <p:txBody>
           <a:bodyPr/>
+          <a:lstStyle/>
           <a:p>
             <a:r>
               <a:rPr lang="zh-CN" altLang="en-US"/>
               <a:t>文本样式</a:t>
             </a:r>
-            <a:endParaRPr lang="zh-CN" altLang="en-US"/>
           </a:p>
         </p:txBody>
       </p:sp>
@@ -8553,6 +8548,7 @@
         <p:spPr/>
         <p:txBody>
           <a:bodyPr/>
+          <a:lstStyle/>
           <a:p>
             <a:endParaRPr lang="zh-CN" altLang="en-US"/>
           </a:p>
@@ -8567,7 +8563,7 @@
           <p:nvPr/>
         </p:nvPicPr>
         <p:blipFill>
-          <a:blip r:embed="rId1"/>
+          <a:blip r:embed="rId2"/>
           <a:stretch>
             <a:fillRect/>
           </a:stretch>
@@ -8591,7 +8587,7 @@
           <p:nvPr/>
         </p:nvPicPr>
         <p:blipFill>
-          <a:blip r:embed="rId2"/>
+          <a:blip r:embed="rId3"/>
           <a:stretch>
             <a:fillRect/>
           </a:stretch>
@@ -8615,7 +8611,7 @@
           <p:nvPr/>
         </p:nvPicPr>
         <p:blipFill>
-          <a:blip r:embed="rId3"/>
+          <a:blip r:embed="rId4"/>
           <a:stretch>
             <a:fillRect/>
           </a:stretch>
@@ -8639,7 +8635,7 @@
           <p:nvPr/>
         </p:nvPicPr>
         <p:blipFill>
-          <a:blip r:embed="rId4"/>
+          <a:blip r:embed="rId5"/>
           <a:stretch>
             <a:fillRect/>
           </a:stretch>
@@ -8659,11 +8655,11 @@
   <p:clrMapOvr>
     <a:masterClrMapping/>
   </p:clrMapOvr>
-  <mc:AlternateContent xmlns:mc="http://schemas.openxmlformats.org/markup-compatibility/2006">
-    <mc:Choice xmlns:p14="http://schemas.microsoft.com/office/powerpoint/2010/main" Requires="p14">
+  <mc:AlternateContent xmlns:mc="http://schemas.openxmlformats.org/markup-compatibility/2006" xmlns:p14="http://schemas.microsoft.com/office/powerpoint/2010/main">
+    <mc:Choice Requires="p14">
       <p:transition spd="slow" p14:dur="1600"/>
     </mc:Choice>
-    <mc:Fallback>
+    <mc:Fallback xmlns="">
       <p:transition spd="slow"/>
     </mc:Fallback>
   </mc:AlternateContent>
@@ -8921,7 +8917,14 @@
         <p:cNvGrpSpPr/>
         <p:nvPr/>
       </p:nvGrpSpPr>
-      <p:grpSpPr/>
+      <p:grpSpPr>
+        <a:xfrm>
+          <a:off x="0" y="0"/>
+          <a:ext cx="0" cy="0"/>
+          <a:chOff x="0" y="0"/>
+          <a:chExt cx="0" cy="0"/>
+        </a:xfrm>
+      </p:grpSpPr>
       <p:sp>
         <p:nvSpPr>
           <p:cNvPr id="2" name="标题 1"/>
@@ -8935,12 +8938,12 @@
         <p:spPr/>
         <p:txBody>
           <a:bodyPr/>
+          <a:lstStyle/>
           <a:p>
             <a:r>
               <a:rPr lang="zh-CN" altLang="en-US"/>
               <a:t>文本属性</a:t>
             </a:r>
-            <a:endParaRPr lang="zh-CN" altLang="en-US"/>
           </a:p>
         </p:txBody>
       </p:sp>
@@ -8962,6 +8965,7 @@
         </p:spPr>
         <p:txBody>
           <a:bodyPr/>
+          <a:lstStyle/>
           <a:p>
             <a:r>
               <a:rPr lang="zh-CN" altLang="en-US"/>
@@ -8991,9 +8995,6 @@
               </a:rPr>
               <a:t>text-indent</a:t>
             </a:r>
-            <a:endParaRPr dirty="0">
-              <a:sym typeface="+mn-ea"/>
-            </a:endParaRPr>
           </a:p>
           <a:p>
             <a:pPr lvl="1"/>
@@ -9015,9 +9016,6 @@
               </a:rPr>
               <a:t>text-align</a:t>
             </a:r>
-            <a:endParaRPr dirty="0">
-              <a:sym typeface="+mn-ea"/>
-            </a:endParaRPr>
           </a:p>
           <a:p>
             <a:pPr lvl="1"/>
@@ -9039,9 +9037,6 @@
               </a:rPr>
               <a:t>line-height</a:t>
             </a:r>
-            <a:endParaRPr dirty="0">
-              <a:sym typeface="+mn-ea"/>
-            </a:endParaRPr>
           </a:p>
           <a:p>
             <a:pPr lvl="1"/>
@@ -9063,9 +9058,6 @@
               </a:rPr>
               <a:t>color</a:t>
             </a:r>
-            <a:endParaRPr dirty="0">
-              <a:sym typeface="+mn-ea"/>
-            </a:endParaRPr>
           </a:p>
           <a:p>
             <a:pPr lvl="1"/>
@@ -9087,9 +9079,6 @@
               </a:rPr>
               <a:t>text-decoration</a:t>
             </a:r>
-            <a:endParaRPr dirty="0">
-              <a:sym typeface="+mn-ea"/>
-            </a:endParaRPr>
           </a:p>
           <a:p>
             <a:pPr lvl="1"/>
@@ -9131,6 +9120,9 @@
           </a:p>
           <a:p>
             <a:pPr lvl="1"/>
+            <a:endParaRPr lang="en-US" altLang="zh-CN" dirty="0">
+              <a:ea typeface="微软雅黑" panose="020B0503020204020204" pitchFamily="34" charset="-122"/>
+            </a:endParaRPr>
           </a:p>
         </p:txBody>
       </p:sp>
@@ -9139,14 +9131,21 @@
   <p:clrMapOvr>
     <a:masterClrMapping/>
   </p:clrMapOvr>
-  <mc:AlternateContent xmlns:mc="http://schemas.openxmlformats.org/markup-compatibility/2006">
-    <mc:Choice xmlns:p14="http://schemas.microsoft.com/office/powerpoint/2010/main" Requires="p14">
+  <mc:AlternateContent xmlns:mc="http://schemas.openxmlformats.org/markup-compatibility/2006" xmlns:p14="http://schemas.microsoft.com/office/powerpoint/2010/main">
+    <mc:Choice Requires="p14">
       <p:transition spd="slow" p14:dur="1600"/>
     </mc:Choice>
-    <mc:Fallback>
+    <mc:Fallback xmlns="">
       <p:transition spd="slow"/>
     </mc:Fallback>
   </mc:AlternateContent>
+  <p:timing>
+    <p:tnLst>
+      <p:par>
+        <p:cTn id="1" dur="indefinite" restart="never" nodeType="tmRoot"/>
+      </p:par>
+    </p:tnLst>
+  </p:timing>
 </p:sld>
 </file>
 
@@ -9159,7 +9158,14 @@
         <p:cNvGrpSpPr/>
         <p:nvPr/>
       </p:nvGrpSpPr>
-      <p:grpSpPr/>
+      <p:grpSpPr>
+        <a:xfrm>
+          <a:off x="0" y="0"/>
+          <a:ext cx="0" cy="0"/>
+          <a:chOff x="0" y="0"/>
+          <a:chExt cx="0" cy="0"/>
+        </a:xfrm>
+      </p:grpSpPr>
       <p:sp>
         <p:nvSpPr>
           <p:cNvPr id="2" name="标题 1"/>
@@ -9173,12 +9179,12 @@
         <p:spPr/>
         <p:txBody>
           <a:bodyPr/>
+          <a:lstStyle/>
           <a:p>
             <a:r>
               <a:rPr lang="zh-CN" altLang="en-US"/>
               <a:t>文本缩进</a:t>
             </a:r>
-            <a:endParaRPr lang="zh-CN" altLang="en-US"/>
           </a:p>
         </p:txBody>
       </p:sp>
@@ -9195,6 +9201,7 @@
         <p:spPr/>
         <p:txBody>
           <a:bodyPr/>
+          <a:lstStyle/>
           <a:p>
             <a:r>
               <a:rPr>
@@ -9202,9 +9209,6 @@
               </a:rPr>
               <a:t>text-indent</a:t>
             </a:r>
-            <a:endParaRPr>
-              <a:sym typeface="+mn-ea"/>
-            </a:endParaRPr>
           </a:p>
           <a:p>
             <a:pPr lvl="1"/>
@@ -9214,9 +9218,6 @@
               </a:rPr>
               <a:t>设置段落元素的第一行缩进方式</a:t>
             </a:r>
-            <a:endParaRPr lang="zh-CN" altLang="en-US">
-              <a:sym typeface="+mn-ea"/>
-            </a:endParaRPr>
           </a:p>
           <a:p>
             <a:pPr lvl="2"/>
@@ -9369,7 +9370,11 @@
               <a:sym typeface="+mn-ea"/>
             </a:endParaRPr>
           </a:p>
-          <a:p/>
+          <a:p>
+            <a:endParaRPr altLang="zh-CN">
+              <a:sym typeface="+mn-ea"/>
+            </a:endParaRPr>
+          </a:p>
         </p:txBody>
       </p:sp>
       <p:sp>
@@ -9392,6 +9397,7 @@
           <a:bodyPr wrap="square" lIns="108850" tIns="54425" rIns="108850" bIns="54425" rtlCol="0">
             <a:spAutoFit/>
           </a:bodyPr>
+          <a:lstStyle/>
           <a:p>
             <a:r>
               <a:rPr lang="en-US" altLang="zh-CN" sz="2400" dirty="0" smtClean="0">
@@ -9412,11 +9418,11 @@
   <p:clrMapOvr>
     <a:masterClrMapping/>
   </p:clrMapOvr>
-  <mc:AlternateContent xmlns:mc="http://schemas.openxmlformats.org/markup-compatibility/2006">
-    <mc:Choice xmlns:p14="http://schemas.microsoft.com/office/powerpoint/2010/main" Requires="p14">
+  <mc:AlternateContent xmlns:mc="http://schemas.openxmlformats.org/markup-compatibility/2006" xmlns:p14="http://schemas.microsoft.com/office/powerpoint/2010/main">
+    <mc:Choice Requires="p14">
       <p:transition spd="slow" p14:dur="1600"/>
     </mc:Choice>
-    <mc:Fallback>
+    <mc:Fallback xmlns="">
       <p:transition spd="slow"/>
     </mc:Fallback>
   </mc:AlternateContent>
@@ -9883,6 +9889,7 @@
         </p:style>
         <p:txBody>
           <a:bodyPr vert="horz" lIns="108850" tIns="54425" rIns="108850" bIns="54425" rtlCol="0" anchor="ctr"/>
+          <a:lstStyle/>
           <a:p>
             <a:pPr algn="ctr"/>
             <a:endParaRPr lang="en-US"/>
@@ -9909,6 +9916,7 @@
           <a:bodyPr vert="horz" wrap="square" lIns="108850" tIns="54425" rIns="108850" bIns="54425" rtlCol="0">
             <a:spAutoFit/>
           </a:bodyPr>
+          <a:lstStyle/>
           <a:p>
             <a:r>
               <a:rPr lang="zh-CN" altLang="en-US" sz="2800" dirty="0">
@@ -9920,13 +9928,6 @@
               </a:rPr>
               <a:t>掌握文字相关的样式设置</a:t>
             </a:r>
-            <a:endParaRPr lang="zh-CN" altLang="en-US" sz="2800" dirty="0">
-              <a:solidFill>
-                <a:srgbClr val="595E64"/>
-              </a:solidFill>
-              <a:latin typeface="微软雅黑" panose="020B0503020204020204" pitchFamily="34" charset="-122"/>
-              <a:ea typeface="微软雅黑" panose="020B0503020204020204" pitchFamily="34" charset="-122"/>
-            </a:endParaRPr>
           </a:p>
         </p:txBody>
       </p:sp>
@@ -9950,6 +9951,7 @@
           <a:bodyPr vert="horz" wrap="square" lIns="108850" tIns="54425" rIns="108850" bIns="54425" rtlCol="0">
             <a:spAutoFit/>
           </a:bodyPr>
+          <a:lstStyle/>
           <a:p>
             <a:r>
               <a:rPr lang="zh-CN" altLang="en-US" sz="2800" dirty="0">
@@ -9961,13 +9963,6 @@
               </a:rPr>
               <a:t>掌握背景相关的样式设置</a:t>
             </a:r>
-            <a:endParaRPr lang="zh-CN" altLang="en-US" sz="2800" dirty="0">
-              <a:solidFill>
-                <a:srgbClr val="595E64"/>
-              </a:solidFill>
-              <a:latin typeface="微软雅黑" panose="020B0503020204020204" pitchFamily="34" charset="-122"/>
-              <a:ea typeface="微软雅黑" panose="020B0503020204020204" pitchFamily="34" charset="-122"/>
-            </a:endParaRPr>
           </a:p>
         </p:txBody>
       </p:sp>
@@ -10017,6 +10012,7 @@
         </p:style>
         <p:txBody>
           <a:bodyPr vert="horz" lIns="108850" tIns="54425" rIns="108850" bIns="54425" rtlCol="0" anchor="ctr"/>
+          <a:lstStyle/>
           <a:p>
             <a:pPr algn="ctr"/>
             <a:endParaRPr lang="en-US"/>
@@ -10043,6 +10039,7 @@
           <a:bodyPr vert="horz" wrap="square" lIns="108850" tIns="54425" rIns="108850" bIns="54425" rtlCol="0">
             <a:spAutoFit/>
           </a:bodyPr>
+          <a:lstStyle/>
           <a:p>
             <a:r>
               <a:rPr lang="zh-CN" altLang="en-US" sz="2800" dirty="0">
@@ -10054,13 +10051,6 @@
               </a:rPr>
               <a:t>掌握列表相关的样式设置</a:t>
             </a:r>
-            <a:endParaRPr lang="zh-CN" altLang="en-US" sz="2800" dirty="0">
-              <a:solidFill>
-                <a:srgbClr val="595E64"/>
-              </a:solidFill>
-              <a:latin typeface="微软雅黑" panose="020B0503020204020204" pitchFamily="34" charset="-122"/>
-              <a:ea typeface="微软雅黑" panose="020B0503020204020204" pitchFamily="34" charset="-122"/>
-            </a:endParaRPr>
           </a:p>
         </p:txBody>
       </p:sp>
@@ -10110,6 +10100,7 @@
         </p:style>
         <p:txBody>
           <a:bodyPr vert="horz" lIns="108850" tIns="54425" rIns="108850" bIns="54425" rtlCol="0" anchor="ctr"/>
+          <a:lstStyle/>
           <a:p>
             <a:pPr algn="ctr"/>
             <a:endParaRPr lang="en-US"/>
@@ -10141,7 +10132,14 @@
         <p:cNvGrpSpPr/>
         <p:nvPr/>
       </p:nvGrpSpPr>
-      <p:grpSpPr/>
+      <p:grpSpPr>
+        <a:xfrm>
+          <a:off x="0" y="0"/>
+          <a:ext cx="0" cy="0"/>
+          <a:chOff x="0" y="0"/>
+          <a:chExt cx="0" cy="0"/>
+        </a:xfrm>
+      </p:grpSpPr>
       <p:sp>
         <p:nvSpPr>
           <p:cNvPr id="2" name="标题 1"/>
@@ -10155,12 +10153,12 @@
         <p:spPr/>
         <p:txBody>
           <a:bodyPr/>
+          <a:lstStyle/>
           <a:p>
             <a:r>
               <a:rPr lang="zh-CN" altLang="en-US"/>
               <a:t>文本对齐</a:t>
             </a:r>
-            <a:endParaRPr lang="zh-CN" altLang="en-US"/>
           </a:p>
         </p:txBody>
       </p:sp>
@@ -10177,6 +10175,7 @@
         <p:spPr/>
         <p:txBody>
           <a:bodyPr/>
+          <a:lstStyle/>
           <a:p>
             <a:r>
               <a:rPr sz="2800">
@@ -10184,9 +10183,6 @@
               </a:rPr>
               <a:t>text-align</a:t>
             </a:r>
-            <a:endParaRPr sz="2800">
-              <a:sym typeface="+mn-ea"/>
-            </a:endParaRPr>
           </a:p>
           <a:p>
             <a:pPr lvl="1"/>
@@ -10196,9 +10192,6 @@
               </a:rPr>
               <a:t>设置元素文本行的对齐方式</a:t>
             </a:r>
-            <a:endParaRPr lang="zh-CN" altLang="en-US" sz="2400">
-              <a:sym typeface="+mn-ea"/>
-            </a:endParaRPr>
           </a:p>
           <a:p>
             <a:pPr lvl="2"/>
@@ -10208,9 +10201,6 @@
               </a:rPr>
               <a:t>text-align : left;</a:t>
             </a:r>
-            <a:endParaRPr>
-              <a:sym typeface="+mn-ea"/>
-            </a:endParaRPr>
           </a:p>
           <a:p>
             <a:pPr lvl="1"/>
@@ -10250,9 +10240,6 @@
               </a:rPr>
               <a:t>right</a:t>
             </a:r>
-            <a:endParaRPr>
-              <a:sym typeface="+mn-ea"/>
-            </a:endParaRPr>
           </a:p>
           <a:p>
             <a:pPr lvl="1"/>
@@ -10266,7 +10253,11 @@
               <a:sym typeface="+mn-ea"/>
             </a:endParaRPr>
           </a:p>
-          <a:p/>
+          <a:p>
+            <a:endParaRPr altLang="zh-CN" dirty="0" smtClean="0">
+              <a:sym typeface="+mn-ea"/>
+            </a:endParaRPr>
+          </a:p>
         </p:txBody>
       </p:sp>
     </p:spTree>
@@ -10274,14 +10265,21 @@
   <p:clrMapOvr>
     <a:masterClrMapping/>
   </p:clrMapOvr>
-  <mc:AlternateContent xmlns:mc="http://schemas.openxmlformats.org/markup-compatibility/2006">
-    <mc:Choice xmlns:p14="http://schemas.microsoft.com/office/powerpoint/2010/main" Requires="p14">
+  <mc:AlternateContent xmlns:mc="http://schemas.openxmlformats.org/markup-compatibility/2006" xmlns:p14="http://schemas.microsoft.com/office/powerpoint/2010/main">
+    <mc:Choice Requires="p14">
       <p:transition spd="slow" p14:dur="1600"/>
     </mc:Choice>
-    <mc:Fallback>
+    <mc:Fallback xmlns="">
       <p:transition spd="slow"/>
     </mc:Fallback>
   </mc:AlternateContent>
+  <p:timing>
+    <p:tnLst>
+      <p:par>
+        <p:cTn id="1" dur="indefinite" restart="never" nodeType="tmRoot"/>
+      </p:par>
+    </p:tnLst>
+  </p:timing>
 </p:sld>
 </file>
 
@@ -10294,7 +10292,14 @@
         <p:cNvGrpSpPr/>
         <p:nvPr/>
       </p:nvGrpSpPr>
-      <p:grpSpPr/>
+      <p:grpSpPr>
+        <a:xfrm>
+          <a:off x="0" y="0"/>
+          <a:ext cx="0" cy="0"/>
+          <a:chOff x="0" y="0"/>
+          <a:chExt cx="0" cy="0"/>
+        </a:xfrm>
+      </p:grpSpPr>
       <p:sp>
         <p:nvSpPr>
           <p:cNvPr id="2" name="标题 1"/>
@@ -10308,12 +10313,12 @@
         <p:spPr/>
         <p:txBody>
           <a:bodyPr/>
+          <a:lstStyle/>
           <a:p>
             <a:r>
               <a:rPr lang="zh-CN" altLang="en-US"/>
               <a:t>行高</a:t>
             </a:r>
-            <a:endParaRPr lang="zh-CN" altLang="en-US"/>
           </a:p>
         </p:txBody>
       </p:sp>
@@ -10330,6 +10335,7 @@
         <p:spPr/>
         <p:txBody>
           <a:bodyPr/>
+          <a:lstStyle/>
           <a:p>
             <a:r>
               <a:rPr>
@@ -10337,9 +10343,6 @@
               </a:rPr>
               <a:t>line-height	</a:t>
             </a:r>
-            <a:endParaRPr>
-              <a:sym typeface="+mn-ea"/>
-            </a:endParaRPr>
           </a:p>
           <a:p>
             <a:pPr lvl="1"/>
@@ -10349,9 +10352,6 @@
               </a:rPr>
               <a:t>设置行与行之间的距离</a:t>
             </a:r>
-            <a:endParaRPr lang="zh-CN" altLang="en-US" sz="2400">
-              <a:sym typeface="+mn-ea"/>
-            </a:endParaRPr>
           </a:p>
           <a:p>
             <a:pPr lvl="1"/>
@@ -10385,9 +10385,6 @@
               </a:rPr>
               <a:t>）</a:t>
             </a:r>
-            <a:endParaRPr lang="zh-CN" altLang="en-US">
-              <a:sym typeface="+mn-ea"/>
-            </a:endParaRPr>
           </a:p>
           <a:p>
             <a:pPr lvl="2"/>
@@ -10418,7 +10415,6 @@
               <a:rPr lang="zh-CN" altLang="en-US"/>
               <a:t>实战技巧</a:t>
             </a:r>
-            <a:endParaRPr lang="zh-CN" altLang="en-US"/>
           </a:p>
           <a:p>
             <a:pPr lvl="1"/>
@@ -10458,15 +10454,6 @@
               </a:rPr>
               <a:t>倍最为合适</a:t>
             </a:r>
-            <a:endParaRPr lang="zh-CN" altLang="en-US" dirty="0">
-              <a:solidFill>
-                <a:schemeClr val="tx1">
-                  <a:lumMod val="85000"/>
-                  <a:lumOff val="15000"/>
-                </a:schemeClr>
-              </a:solidFill>
-              <a:sym typeface="+mn-ea"/>
-            </a:endParaRPr>
           </a:p>
           <a:p>
             <a:pPr lvl="2"/>
@@ -10486,7 +10473,6 @@
               <a:rPr lang="en-US" altLang="zh-CN"/>
               <a:t>1.5em~1.8em</a:t>
             </a:r>
-            <a:endParaRPr lang="en-US" altLang="zh-CN"/>
           </a:p>
         </p:txBody>
       </p:sp>
@@ -10495,11 +10481,11 @@
   <p:clrMapOvr>
     <a:masterClrMapping/>
   </p:clrMapOvr>
-  <mc:AlternateContent xmlns:mc="http://schemas.openxmlformats.org/markup-compatibility/2006">
-    <mc:Choice xmlns:p14="http://schemas.microsoft.com/office/powerpoint/2010/main" Requires="p14">
+  <mc:AlternateContent xmlns:mc="http://schemas.openxmlformats.org/markup-compatibility/2006" xmlns:p14="http://schemas.microsoft.com/office/powerpoint/2010/main">
+    <mc:Choice Requires="p14">
       <p:transition spd="slow" p14:dur="1600"/>
     </mc:Choice>
-    <mc:Fallback>
+    <mc:Fallback xmlns="">
       <p:transition spd="slow"/>
     </mc:Fallback>
   </mc:AlternateContent>
@@ -10692,7 +10678,14 @@
         <p:cNvGrpSpPr/>
         <p:nvPr/>
       </p:nvGrpSpPr>
-      <p:grpSpPr/>
+      <p:grpSpPr>
+        <a:xfrm>
+          <a:off x="0" y="0"/>
+          <a:ext cx="0" cy="0"/>
+          <a:chOff x="0" y="0"/>
+          <a:chExt cx="0" cy="0"/>
+        </a:xfrm>
+      </p:grpSpPr>
       <p:sp>
         <p:nvSpPr>
           <p:cNvPr id="2" name="标题 1"/>
@@ -10706,12 +10699,12 @@
         <p:spPr/>
         <p:txBody>
           <a:bodyPr/>
+          <a:lstStyle/>
           <a:p>
             <a:r>
               <a:rPr lang="zh-CN" altLang="en-US"/>
               <a:t>文本颜色</a:t>
             </a:r>
-            <a:endParaRPr lang="zh-CN" altLang="en-US"/>
           </a:p>
         </p:txBody>
       </p:sp>
@@ -10728,6 +10721,7 @@
         <p:spPr/>
         <p:txBody>
           <a:bodyPr/>
+          <a:lstStyle/>
           <a:p>
             <a:r>
               <a:rPr smtClean="0">
@@ -10735,9 +10729,6 @@
               </a:rPr>
               <a:t>color</a:t>
             </a:r>
-            <a:endParaRPr smtClean="0">
-              <a:sym typeface="+mn-ea"/>
-            </a:endParaRPr>
           </a:p>
           <a:p>
             <a:pPr lvl="1"/>
@@ -10747,9 +10738,6 @@
               </a:rPr>
               <a:t>设置文字颜色</a:t>
             </a:r>
-            <a:endParaRPr lang="zh-CN" altLang="en-US" dirty="0" smtClean="0">
-              <a:sym typeface="+mn-ea"/>
-            </a:endParaRPr>
           </a:p>
           <a:p>
             <a:pPr lvl="2"/>
@@ -10807,9 +10795,6 @@
               </a:rPr>
               <a:t> ;</a:t>
             </a:r>
-            <a:endParaRPr altLang="zh-CN" dirty="0" smtClean="0">
-              <a:sym typeface="+mn-ea"/>
-            </a:endParaRPr>
           </a:p>
           <a:p>
             <a:pPr lvl="2"/>
@@ -10862,7 +10847,7 @@
           <p:nvPr/>
         </p:nvPicPr>
         <p:blipFill>
-          <a:blip r:embed="rId1">
+          <a:blip r:embed="rId2">
             <a:extLst>
               <a:ext uri="{28A0092B-C50C-407E-A947-70E740481C1C}">
                 <a14:useLocalDpi xmlns:a14="http://schemas.microsoft.com/office/drawing/2010/main" val="0"/>
@@ -10927,6 +10912,7 @@
           <a:bodyPr wrap="square" lIns="108850" tIns="54425" rIns="108850" bIns="54425" rtlCol="0">
             <a:spAutoFit/>
           </a:bodyPr>
+          <a:lstStyle/>
           <a:p>
             <a:r>
               <a:rPr lang="en-US" altLang="zh-CN" sz="2400" dirty="0" smtClean="0">
@@ -10947,11 +10933,11 @@
   <p:clrMapOvr>
     <a:masterClrMapping/>
   </p:clrMapOvr>
-  <mc:AlternateContent xmlns:mc="http://schemas.openxmlformats.org/markup-compatibility/2006">
-    <mc:Choice xmlns:p14="http://schemas.microsoft.com/office/powerpoint/2010/main" Requires="p14">
+  <mc:AlternateContent xmlns:mc="http://schemas.openxmlformats.org/markup-compatibility/2006" xmlns:p14="http://schemas.microsoft.com/office/powerpoint/2010/main">
+    <mc:Choice Requires="p14">
       <p:transition spd="slow" p14:dur="1600"/>
     </mc:Choice>
-    <mc:Fallback>
+    <mc:Fallback xmlns="">
       <p:transition spd="slow"/>
     </mc:Fallback>
   </mc:AlternateContent>
@@ -11088,7 +11074,14 @@
         <p:cNvGrpSpPr/>
         <p:nvPr/>
       </p:nvGrpSpPr>
-      <p:grpSpPr/>
+      <p:grpSpPr>
+        <a:xfrm>
+          <a:off x="0" y="0"/>
+          <a:ext cx="0" cy="0"/>
+          <a:chOff x="0" y="0"/>
+          <a:chExt cx="0" cy="0"/>
+        </a:xfrm>
+      </p:grpSpPr>
       <p:sp>
         <p:nvSpPr>
           <p:cNvPr id="2" name="标题 1"/>
@@ -11102,12 +11095,12 @@
         <p:spPr/>
         <p:txBody>
           <a:bodyPr/>
+          <a:lstStyle/>
           <a:p>
             <a:r>
               <a:rPr lang="en-US" altLang="zh-CN"/>
               <a:t>RGB</a:t>
             </a:r>
-            <a:endParaRPr lang="en-US" altLang="zh-CN"/>
           </a:p>
         </p:txBody>
       </p:sp>
@@ -11124,6 +11117,7 @@
         <p:spPr/>
         <p:txBody>
           <a:bodyPr/>
+          <a:lstStyle/>
           <a:p>
             <a:r>
               <a:rPr lang="zh-CN" altLang="en-US" smtClean="0">
@@ -11144,10 +11138,6 @@
               </a:rPr>
               <a:t>RGB，将红（Red）、绿（Green）、蓝（Blue）三原色的色光以不同的比例相加，以产生多种多样的色光。</a:t>
             </a:r>
-            <a:endParaRPr lang="zh-CN" altLang="en-US" dirty="0" smtClean="0">
-              <a:cs typeface="+mn-ea"/>
-              <a:sym typeface="+mn-ea"/>
-            </a:endParaRPr>
           </a:p>
           <a:p>
             <a:pPr lvl="1"/>
@@ -11188,9 +11178,6 @@
               </a:rPr>
               <a:t>  red</a:t>
             </a:r>
-            <a:endParaRPr lang="en-US" altLang="zh-CN" dirty="0">
-              <a:sym typeface="+mn-ea"/>
-            </a:endParaRPr>
           </a:p>
           <a:p>
             <a:pPr lvl="1"/>
@@ -11224,9 +11211,6 @@
               </a:rPr>
               <a:t>  green</a:t>
             </a:r>
-            <a:endParaRPr lang="en-US" altLang="zh-CN" dirty="0">
-              <a:sym typeface="+mn-ea"/>
-            </a:endParaRPr>
           </a:p>
           <a:p>
             <a:pPr lvl="1"/>
@@ -11297,6 +11281,7 @@
         </p:spPr>
         <p:txBody>
           <a:bodyPr anchor="t"/>
+          <a:lstStyle/>
           <a:p>
             <a:pPr marL="168275" lvl="1" indent="0" algn="l" eaLnBrk="0" fontAlgn="base" hangingPunct="0">
               <a:lnSpc>
@@ -11334,13 +11319,6 @@
               </a:rPr>
               <a:t>白色</a:t>
             </a:r>
-            <a:endParaRPr lang="zh-CN" altLang="en-US" sz="2400" dirty="0">
-              <a:solidFill>
-                <a:srgbClr val="C00000"/>
-              </a:solidFill>
-              <a:latin typeface="微软雅黑" panose="020B0503020204020204" pitchFamily="34" charset="-122"/>
-              <a:ea typeface="微软雅黑" panose="020B0503020204020204" pitchFamily="34" charset="-122"/>
-            </a:endParaRPr>
           </a:p>
           <a:p>
             <a:pPr marL="168275" lvl="1" indent="0" algn="l" eaLnBrk="0" fontAlgn="base" hangingPunct="0">
@@ -11379,13 +11357,6 @@
               </a:rPr>
               <a:t>黑色</a:t>
             </a:r>
-            <a:endParaRPr lang="zh-CN" altLang="en-US" sz="2400" dirty="0">
-              <a:solidFill>
-                <a:srgbClr val="C00000"/>
-              </a:solidFill>
-              <a:latin typeface="微软雅黑" panose="020B0503020204020204" pitchFamily="34" charset="-122"/>
-              <a:ea typeface="微软雅黑" panose="020B0503020204020204" pitchFamily="34" charset="-122"/>
-            </a:endParaRPr>
           </a:p>
           <a:p>
             <a:pPr marL="168275" lvl="1" indent="0" algn="l" eaLnBrk="0" fontAlgn="base" hangingPunct="0">
@@ -11426,14 +11397,6 @@
               </a:rPr>
               <a:t>红色</a:t>
             </a:r>
-            <a:endParaRPr lang="zh-CN" altLang="en-US" sz="2400" dirty="0">
-              <a:solidFill>
-                <a:srgbClr val="C00000"/>
-              </a:solidFill>
-              <a:latin typeface="微软雅黑" panose="020B0503020204020204" pitchFamily="34" charset="-122"/>
-              <a:ea typeface="微软雅黑" panose="020B0503020204020204" pitchFamily="34" charset="-122"/>
-              <a:sym typeface="+mn-ea"/>
-            </a:endParaRPr>
           </a:p>
           <a:p>
             <a:pPr marL="0" lvl="1" indent="0" algn="l" eaLnBrk="0" fontAlgn="base" hangingPunct="0">
@@ -11474,14 +11437,6 @@
               </a:rPr>
               <a:t>绿色</a:t>
             </a:r>
-            <a:endParaRPr lang="zh-CN" altLang="en-US" sz="2400" dirty="0">
-              <a:solidFill>
-                <a:srgbClr val="C00000"/>
-              </a:solidFill>
-              <a:latin typeface="微软雅黑" panose="020B0503020204020204" pitchFamily="34" charset="-122"/>
-              <a:ea typeface="微软雅黑" panose="020B0503020204020204" pitchFamily="34" charset="-122"/>
-              <a:sym typeface="+mn-ea"/>
-            </a:endParaRPr>
           </a:p>
           <a:p>
             <a:pPr marL="168275" lvl="1" indent="0" algn="l" eaLnBrk="0" fontAlgn="base" hangingPunct="0">
@@ -11516,11 +11471,11 @@
   <p:clrMapOvr>
     <a:masterClrMapping/>
   </p:clrMapOvr>
-  <mc:AlternateContent xmlns:mc="http://schemas.openxmlformats.org/markup-compatibility/2006">
-    <mc:Choice xmlns:p14="http://schemas.microsoft.com/office/powerpoint/2010/main" Requires="p14">
+  <mc:AlternateContent xmlns:mc="http://schemas.openxmlformats.org/markup-compatibility/2006" xmlns:p14="http://schemas.microsoft.com/office/powerpoint/2010/main">
+    <mc:Choice Requires="p14">
       <p:transition spd="slow" p14:dur="1600"/>
     </mc:Choice>
-    <mc:Fallback>
+    <mc:Fallback xmlns="">
       <p:transition spd="slow"/>
     </mc:Fallback>
   </mc:AlternateContent>
@@ -11622,7 +11577,14 @@
         <p:cNvGrpSpPr/>
         <p:nvPr/>
       </p:nvGrpSpPr>
-      <p:grpSpPr/>
+      <p:grpSpPr>
+        <a:xfrm>
+          <a:off x="0" y="0"/>
+          <a:ext cx="0" cy="0"/>
+          <a:chOff x="0" y="0"/>
+          <a:chExt cx="0" cy="0"/>
+        </a:xfrm>
+      </p:grpSpPr>
       <p:sp>
         <p:nvSpPr>
           <p:cNvPr id="2" name="标题 1"/>
@@ -11636,12 +11598,12 @@
         <p:spPr/>
         <p:txBody>
           <a:bodyPr/>
+          <a:lstStyle/>
           <a:p>
             <a:r>
               <a:rPr lang="zh-CN" altLang="en-US"/>
               <a:t>十六进制</a:t>
             </a:r>
-            <a:endParaRPr lang="zh-CN" altLang="en-US"/>
           </a:p>
         </p:txBody>
       </p:sp>
@@ -11658,6 +11620,7 @@
         <p:spPr/>
         <p:txBody>
           <a:bodyPr/>
+          <a:lstStyle/>
           <a:p>
             <a:r>
               <a:rPr lang="zh-CN" altLang="en-US" smtClean="0">
@@ -11686,12 +11649,6 @@
               </a:rPr>
               <a:t>以 # 开头   红   绿   蓝  （00~FF）</a:t>
             </a:r>
-            <a:endParaRPr lang="zh-CN" altLang="en-US" smtClean="0">
-              <a:solidFill>
-                <a:srgbClr val="FF0000"/>
-              </a:solidFill>
-              <a:sym typeface="+mn-ea"/>
-            </a:endParaRPr>
           </a:p>
           <a:p>
             <a:pPr lvl="1"/>
@@ -11723,10 +11680,6 @@
               </a:rPr>
               <a:t> // 红色</a:t>
             </a:r>
-            <a:endParaRPr lang="zh-CN" altLang="en-US" dirty="0" smtClean="0">
-              <a:cs typeface="+mn-ea"/>
-              <a:sym typeface="+mn-ea"/>
-            </a:endParaRPr>
           </a:p>
           <a:p>
             <a:pPr lvl="1"/>
@@ -11759,10 +11712,6 @@
               </a:rPr>
               <a:t> // 绿色</a:t>
             </a:r>
-            <a:endParaRPr lang="zh-CN" altLang="en-US" dirty="0" smtClean="0">
-              <a:cs typeface="+mn-ea"/>
-              <a:sym typeface="+mn-ea"/>
-            </a:endParaRPr>
           </a:p>
           <a:p>
             <a:pPr lvl="1"/>
@@ -11795,10 +11744,6 @@
               </a:rPr>
               <a:t>// 蓝色</a:t>
             </a:r>
-            <a:endParaRPr lang="zh-CN" altLang="en-US" dirty="0" smtClean="0">
-              <a:cs typeface="+mn-ea"/>
-              <a:sym typeface="+mn-ea"/>
-            </a:endParaRPr>
           </a:p>
           <a:p>
             <a:pPr lvl="1"/>
@@ -11808,9 +11753,6 @@
               </a:rPr>
               <a:t>规范写法：</a:t>
             </a:r>
-            <a:endParaRPr lang="zh-CN" altLang="en-US" dirty="0">
-              <a:sym typeface="+mn-ea"/>
-            </a:endParaRPr>
           </a:p>
           <a:p>
             <a:pPr lvl="2"/>
@@ -11824,13 +11766,6 @@
               </a:rPr>
               <a:t>小写</a:t>
             </a:r>
-            <a:endParaRPr lang="zh-CN" altLang="en-US" dirty="0" smtClean="0">
-              <a:solidFill>
-                <a:srgbClr val="C00000"/>
-              </a:solidFill>
-              <a:cs typeface="+mn-ea"/>
-              <a:sym typeface="+mn-ea"/>
-            </a:endParaRPr>
           </a:p>
           <a:p>
             <a:pPr lvl="2"/>
@@ -11860,7 +11795,15 @@
               <a:sym typeface="+mn-ea"/>
             </a:endParaRPr>
           </a:p>
-          <a:p/>
+          <a:p>
+            <a:endParaRPr lang="zh-CN" altLang="en-US" dirty="0" smtClean="0">
+              <a:solidFill>
+                <a:srgbClr val="FF0000"/>
+              </a:solidFill>
+              <a:cs typeface="+mn-ea"/>
+              <a:sym typeface="+mn-ea"/>
+            </a:endParaRPr>
+          </a:p>
         </p:txBody>
       </p:sp>
       <p:sp>
@@ -11886,6 +11829,7 @@
         </p:spPr>
         <p:txBody>
           <a:bodyPr anchor="t"/>
+          <a:lstStyle/>
           <a:p>
             <a:pPr marL="168275" lvl="1" indent="0" algn="l" eaLnBrk="0" fontAlgn="base" latinLnBrk="0" hangingPunct="0">
               <a:lnSpc>
@@ -11919,11 +11863,6 @@
               </a:rPr>
               <a:t>=  #f00</a:t>
             </a:r>
-            <a:endParaRPr lang="en-US" sz="2400" dirty="0">
-              <a:latin typeface="微软雅黑" panose="020B0503020204020204" pitchFamily="34" charset="-122"/>
-              <a:ea typeface="微软雅黑" panose="020B0503020204020204" pitchFamily="34" charset="-122"/>
-              <a:sym typeface="+mn-ea"/>
-            </a:endParaRPr>
           </a:p>
           <a:p>
             <a:pPr marL="168275" lvl="1" indent="0" algn="l" eaLnBrk="0" fontAlgn="base" latinLnBrk="0" hangingPunct="0">
@@ -11958,11 +11897,6 @@
               </a:rPr>
               <a:t>=  #0f0</a:t>
             </a:r>
-            <a:endParaRPr lang="en-US" sz="2400" dirty="0">
-              <a:latin typeface="微软雅黑" panose="020B0503020204020204" pitchFamily="34" charset="-122"/>
-              <a:ea typeface="微软雅黑" panose="020B0503020204020204" pitchFamily="34" charset="-122"/>
-              <a:sym typeface="+mn-ea"/>
-            </a:endParaRPr>
           </a:p>
           <a:p>
             <a:pPr marL="168275" lvl="1" indent="0" algn="l" eaLnBrk="0" fontAlgn="base" latinLnBrk="0" hangingPunct="0">
@@ -11989,11 +11923,6 @@
               </a:rPr>
               <a:t>#eeeeee  =  #eee</a:t>
             </a:r>
-            <a:endParaRPr lang="en-US" sz="2400" dirty="0">
-              <a:latin typeface="微软雅黑" panose="020B0503020204020204" pitchFamily="34" charset="-122"/>
-              <a:ea typeface="微软雅黑" panose="020B0503020204020204" pitchFamily="34" charset="-122"/>
-              <a:sym typeface="+mn-ea"/>
-            </a:endParaRPr>
           </a:p>
           <a:p>
             <a:pPr marL="168275" lvl="1" indent="0" algn="l" eaLnBrk="0" fontAlgn="base" hangingPunct="0">
@@ -12028,11 +11957,11 @@
   <p:clrMapOvr>
     <a:masterClrMapping/>
   </p:clrMapOvr>
-  <mc:AlternateContent xmlns:mc="http://schemas.openxmlformats.org/markup-compatibility/2006">
-    <mc:Choice xmlns:p14="http://schemas.microsoft.com/office/powerpoint/2010/main" Requires="p14">
+  <mc:AlternateContent xmlns:mc="http://schemas.openxmlformats.org/markup-compatibility/2006" xmlns:p14="http://schemas.microsoft.com/office/powerpoint/2010/main">
+    <mc:Choice Requires="p14">
       <p:transition spd="slow" p14:dur="1600"/>
     </mc:Choice>
-    <mc:Fallback>
+    <mc:Fallback xmlns="">
       <p:transition spd="slow"/>
     </mc:Fallback>
   </mc:AlternateContent>
@@ -12245,7 +12174,14 @@
         <p:cNvGrpSpPr/>
         <p:nvPr/>
       </p:nvGrpSpPr>
-      <p:grpSpPr/>
+      <p:grpSpPr>
+        <a:xfrm>
+          <a:off x="0" y="0"/>
+          <a:ext cx="0" cy="0"/>
+          <a:chOff x="0" y="0"/>
+          <a:chExt cx="0" cy="0"/>
+        </a:xfrm>
+      </p:grpSpPr>
       <p:sp>
         <p:nvSpPr>
           <p:cNvPr id="2" name="标题 1"/>
@@ -12259,12 +12195,12 @@
         <p:spPr/>
         <p:txBody>
           <a:bodyPr/>
+          <a:lstStyle/>
           <a:p>
             <a:r>
               <a:rPr lang="zh-CN" altLang="en-US"/>
               <a:t>文本修饰</a:t>
             </a:r>
-            <a:endParaRPr lang="zh-CN" altLang="en-US"/>
           </a:p>
         </p:txBody>
       </p:sp>
@@ -12288,105 +12224,91 @@
           <a:bodyPr>
             <a:normAutofit/>
           </a:bodyPr>
+          <a:lstStyle/>
           <a:p>
             <a:r>
               <a:rPr>
                 <a:sym typeface="+mn-ea"/>
               </a:rPr>
               <a:t>text-decoration</a:t>
+            </a:r>
+          </a:p>
+          <a:p>
+            <a:pPr lvl="1"/>
+            <a:r>
+              <a:rPr lang="zh-CN" altLang="en-US" dirty="0">
+                <a:sym typeface="+mn-ea"/>
+              </a:rPr>
+              <a:t>设置文本的修饰效果 </a:t>
+            </a:r>
+          </a:p>
+          <a:p>
+            <a:pPr lvl="2"/>
+            <a:r>
+              <a:rPr altLang="zh-CN" sz="2200" dirty="0" err="1">
+                <a:sym typeface="+mn-ea"/>
+              </a:rPr>
+              <a:t>text-decoration : underline;</a:t>
+            </a:r>
+          </a:p>
+          <a:p>
+            <a:pPr lvl="1"/>
+            <a:r>
+              <a:rPr lang="zh-CN" altLang="en-US" sz="2400" dirty="0">
+                <a:sym typeface="+mn-ea"/>
+              </a:rPr>
+              <a:t>属性值：</a:t>
+            </a:r>
+            <a:r>
+              <a:rPr altLang="zh-CN" sz="2400" dirty="0">
+                <a:sym typeface="+mn-ea"/>
+              </a:rPr>
+              <a:t>none, </a:t>
+            </a:r>
+            <a:r>
+              <a:rPr altLang="zh-CN" sz="2400" dirty="0" err="1">
+                <a:sym typeface="+mn-ea"/>
+              </a:rPr>
+              <a:t>overline</a:t>
+            </a:r>
+            <a:r>
+              <a:rPr altLang="zh-CN" sz="2400" dirty="0">
+                <a:sym typeface="+mn-ea"/>
+              </a:rPr>
+              <a:t>, underline, </a:t>
+            </a:r>
+            <a:r>
+              <a:rPr altLang="zh-CN" sz="2400" dirty="0" smtClean="0">
+                <a:sym typeface="+mn-ea"/>
+              </a:rPr>
+              <a:t>line-through</a:t>
+            </a:r>
+          </a:p>
+          <a:p>
+            <a:pPr lvl="2"/>
+            <a:r>
+              <a:rPr lang="zh-CN" altLang="en-US" sz="2200" dirty="0">
+                <a:sym typeface="+mn-ea"/>
+              </a:rPr>
+              <a:t>无装饰，上划线，下划线，</a:t>
+            </a:r>
+            <a:r>
+              <a:rPr lang="zh-CN" altLang="en-US" sz="2200" dirty="0" smtClean="0">
+                <a:sym typeface="+mn-ea"/>
+              </a:rPr>
+              <a:t>删除线</a:t>
             </a:r>
             <a:endParaRPr>
               <a:sym typeface="+mn-ea"/>
             </a:endParaRPr>
           </a:p>
           <a:p>
-            <a:pPr lvl="1"/>
-            <a:r>
-              <a:rPr lang="zh-CN" altLang="en-US" dirty="0">
-                <a:sym typeface="+mn-ea"/>
-              </a:rPr>
-              <a:t>设置文本的修饰效果 </a:t>
-            </a:r>
-            <a:endParaRPr lang="zh-CN" altLang="en-US" dirty="0">
-              <a:sym typeface="+mn-ea"/>
-            </a:endParaRPr>
-          </a:p>
-          <a:p>
-            <a:pPr lvl="2"/>
-            <a:r>
-              <a:rPr altLang="zh-CN" sz="2200" dirty="0" err="1">
-                <a:sym typeface="+mn-ea"/>
-              </a:rPr>
-              <a:t>text-decoration : underline;</a:t>
-            </a:r>
-            <a:endParaRPr altLang="zh-CN" sz="2200" dirty="0" err="1">
-              <a:sym typeface="+mn-ea"/>
-            </a:endParaRPr>
-          </a:p>
-          <a:p>
-            <a:pPr lvl="1"/>
-            <a:r>
-              <a:rPr lang="zh-CN" altLang="en-US" sz="2400" dirty="0">
-                <a:sym typeface="+mn-ea"/>
-              </a:rPr>
-              <a:t>属性值：</a:t>
-            </a:r>
-            <a:r>
-              <a:rPr altLang="zh-CN" sz="2400" dirty="0">
-                <a:sym typeface="+mn-ea"/>
-              </a:rPr>
-              <a:t>none, </a:t>
-            </a:r>
-            <a:r>
-              <a:rPr altLang="zh-CN" sz="2400" dirty="0" err="1">
-                <a:sym typeface="+mn-ea"/>
-              </a:rPr>
-              <a:t>overline</a:t>
-            </a:r>
-            <a:r>
-              <a:rPr altLang="zh-CN" sz="2400" dirty="0">
-                <a:sym typeface="+mn-ea"/>
-              </a:rPr>
-              <a:t>, underline, </a:t>
-            </a:r>
-            <a:r>
-              <a:rPr altLang="zh-CN" sz="2400" dirty="0" smtClean="0">
-                <a:sym typeface="+mn-ea"/>
-              </a:rPr>
-              <a:t>line-through</a:t>
-            </a:r>
-            <a:endParaRPr altLang="zh-CN" sz="2400" dirty="0" smtClean="0">
-              <a:sym typeface="+mn-ea"/>
-            </a:endParaRPr>
-          </a:p>
-          <a:p>
-            <a:pPr lvl="2"/>
-            <a:r>
-              <a:rPr lang="zh-CN" altLang="en-US" sz="2200" dirty="0">
-                <a:sym typeface="+mn-ea"/>
-              </a:rPr>
-              <a:t>无装饰，上划线，下划线，</a:t>
-            </a:r>
-            <a:r>
-              <a:rPr lang="zh-CN" altLang="en-US" sz="2200" dirty="0" smtClean="0">
-                <a:sym typeface="+mn-ea"/>
-              </a:rPr>
-              <a:t>删除线</a:t>
-            </a:r>
-            <a:endParaRPr>
-              <a:sym typeface="+mn-ea"/>
-            </a:endParaRPr>
-          </a:p>
-          <a:p>
             <a:r>
               <a:rPr lang="zh-CN" altLang="en-US">
                 <a:sym typeface="+mn-ea"/>
               </a:rPr>
               <a:t>实战技巧</a:t>
             </a:r>
-            <a:endParaRPr lang="zh-CN" altLang="en-US">
-              <a:sym typeface="+mn-ea"/>
-            </a:endParaRPr>
           </a:p>
           <a:p>
             <a:pPr lvl="1"/>
@@ -12469,11 +12391,11 @@
   <p:clrMapOvr>
     <a:masterClrMapping/>
   </p:clrMapOvr>
-  <mc:AlternateContent xmlns:mc="http://schemas.openxmlformats.org/markup-compatibility/2006">
-    <mc:Choice xmlns:p14="http://schemas.microsoft.com/office/powerpoint/2010/main" Requires="p14">
+  <mc:AlternateContent xmlns:mc="http://schemas.openxmlformats.org/markup-compatibility/2006" xmlns:p14="http://schemas.microsoft.com/office/powerpoint/2010/main">
+    <mc:Choice Requires="p14">
       <p:transition spd="slow" p14:dur="1600"/>
     </mc:Choice>
-    <mc:Fallback>
+    <mc:Fallback xmlns="">
       <p:transition spd="slow"/>
     </mc:Fallback>
   </mc:AlternateContent>
@@ -12666,7 +12588,14 @@
         <p:cNvGrpSpPr/>
         <p:nvPr/>
       </p:nvGrpSpPr>
-      <p:grpSpPr/>
+      <p:grpSpPr>
+        <a:xfrm>
+          <a:off x="0" y="0"/>
+          <a:ext cx="0" cy="0"/>
+          <a:chOff x="0" y="0"/>
+          <a:chExt cx="0" cy="0"/>
+        </a:xfrm>
+      </p:grpSpPr>
       <p:sp>
         <p:nvSpPr>
           <p:cNvPr id="3" name="内容占位符 2"/>
@@ -12685,6 +12614,7 @@
         </p:spPr>
         <p:txBody>
           <a:bodyPr/>
+          <a:lstStyle/>
           <a:p>
             <a:r>
               <a:rPr smtClean="0">
@@ -12692,9 +12622,6 @@
               </a:rPr>
               <a:t>text-transform</a:t>
             </a:r>
-            <a:endParaRPr smtClean="0">
-              <a:sym typeface="+mn-ea"/>
-            </a:endParaRPr>
           </a:p>
           <a:p>
             <a:pPr lvl="1"/>
@@ -12719,12 +12646,6 @@
               </a:rPr>
               <a:t>大小写</a:t>
             </a:r>
-            <a:endParaRPr lang="zh-CN" altLang="en-US" dirty="0" smtClean="0">
-              <a:solidFill>
-                <a:srgbClr val="C00000"/>
-              </a:solidFill>
-              <a:sym typeface="+mn-ea"/>
-            </a:endParaRPr>
           </a:p>
           <a:p>
             <a:pPr lvl="2"/>
@@ -12761,9 +12682,6 @@
               </a:rPr>
               <a:t>属性值：</a:t>
             </a:r>
-            <a:endParaRPr lang="zh-CN" altLang="en-US" sz="2400" dirty="0">
-              <a:sym typeface="+mn-ea"/>
-            </a:endParaRPr>
           </a:p>
           <a:p>
             <a:pPr lvl="2"/>
@@ -12773,9 +12691,6 @@
               </a:rPr>
               <a:t>none</a:t>
             </a:r>
-            <a:endParaRPr altLang="zh-CN" dirty="0">
-              <a:sym typeface="+mn-ea"/>
-            </a:endParaRPr>
           </a:p>
           <a:p>
             <a:pPr lvl="2"/>
@@ -12806,9 +12721,6 @@
               </a:rPr>
               <a:t>写</a:t>
             </a:r>
-            <a:endParaRPr lang="zh-CN" altLang="en-US" dirty="0" smtClean="0">
-              <a:sym typeface="+mn-ea"/>
-            </a:endParaRPr>
           </a:p>
           <a:p>
             <a:pPr lvl="2"/>
@@ -12840,9 +12752,6 @@
               </a:rPr>
               <a:t>写</a:t>
             </a:r>
-            <a:endParaRPr lang="zh-CN" altLang="en-US" dirty="0" smtClean="0">
-              <a:sym typeface="+mn-ea"/>
-            </a:endParaRPr>
           </a:p>
           <a:p>
             <a:pPr lvl="2"/>
@@ -12901,12 +12810,12 @@
         <p:spPr/>
         <p:txBody>
           <a:bodyPr/>
+          <a:lstStyle/>
           <a:p>
             <a:r>
               <a:rPr lang="zh-CN" altLang="en-US"/>
               <a:t>字符转换</a:t>
             </a:r>
-            <a:endParaRPr lang="zh-CN" altLang="en-US"/>
           </a:p>
         </p:txBody>
       </p:sp>
@@ -12915,11 +12824,11 @@
   <p:clrMapOvr>
     <a:masterClrMapping/>
   </p:clrMapOvr>
-  <mc:AlternateContent xmlns:mc="http://schemas.openxmlformats.org/markup-compatibility/2006">
-    <mc:Choice xmlns:p14="http://schemas.microsoft.com/office/powerpoint/2010/main" Requires="p14">
+  <mc:AlternateContent xmlns:mc="http://schemas.openxmlformats.org/markup-compatibility/2006" xmlns:p14="http://schemas.microsoft.com/office/powerpoint/2010/main">
+    <mc:Choice Requires="p14">
       <p:transition spd="slow" p14:dur="1600"/>
     </mc:Choice>
-    <mc:Fallback>
+    <mc:Fallback xmlns="">
       <p:transition spd="slow"/>
     </mc:Fallback>
   </mc:AlternateContent>
@@ -13042,13 +12951,6 @@
                 </a:rPr>
                 <a:t>本节内容</a:t>
               </a:r>
-              <a:endParaRPr lang="zh-CN" altLang="en-US" sz="4800" b="1" dirty="0">
-                <a:solidFill>
-                  <a:schemeClr val="bg1"/>
-                </a:solidFill>
-                <a:latin typeface="微软雅黑" panose="020B0503020204020204" pitchFamily="34" charset="-122"/>
-                <a:ea typeface="微软雅黑" panose="020B0503020204020204" pitchFamily="34" charset="-122"/>
-              </a:endParaRPr>
             </a:p>
           </p:txBody>
         </p:sp>
@@ -13249,6 +13151,7 @@
         </p:style>
         <p:txBody>
           <a:bodyPr vert="horz" lIns="108850" tIns="54425" rIns="108850" bIns="54425" rtlCol="0" anchor="ctr"/>
+          <a:lstStyle/>
           <a:p>
             <a:pPr algn="ctr"/>
             <a:endParaRPr lang="en-US"/>
@@ -13275,6 +13178,7 @@
           <a:bodyPr vert="horz" wrap="square" lIns="108850" tIns="54425" rIns="108850" bIns="54425" rtlCol="0">
             <a:spAutoFit/>
           </a:bodyPr>
+          <a:lstStyle/>
           <a:p>
             <a:r>
               <a:rPr lang="zh-CN" altLang="en-US" sz="2800" dirty="0">
@@ -13316,6 +13220,7 @@
           <a:bodyPr vert="horz" wrap="square" lIns="108850" tIns="54425" rIns="108850" bIns="54425" rtlCol="0">
             <a:spAutoFit/>
           </a:bodyPr>
+          <a:lstStyle/>
           <a:p>
             <a:r>
               <a:rPr lang="zh-CN" altLang="en-US" sz="2800" dirty="0">
@@ -13327,13 +13232,6 @@
               </a:rPr>
               <a:t>文本常用样式</a:t>
             </a:r>
-            <a:endParaRPr lang="zh-CN" altLang="en-US" sz="2800" dirty="0">
-              <a:solidFill>
-                <a:srgbClr val="595E64"/>
-              </a:solidFill>
-              <a:latin typeface="微软雅黑" panose="020B0503020204020204" pitchFamily="34" charset="-122"/>
-              <a:ea typeface="微软雅黑" panose="020B0503020204020204" pitchFamily="34" charset="-122"/>
-            </a:endParaRPr>
           </a:p>
         </p:txBody>
       </p:sp>
@@ -13383,6 +13281,7 @@
         </p:style>
         <p:txBody>
           <a:bodyPr vert="horz" lIns="108850" tIns="54425" rIns="108850" bIns="54425" rtlCol="0" anchor="ctr"/>
+          <a:lstStyle/>
           <a:p>
             <a:pPr algn="ctr"/>
             <a:endParaRPr lang="en-US"/>
@@ -13435,6 +13334,7 @@
         </p:style>
         <p:txBody>
           <a:bodyPr vert="horz" lIns="108850" tIns="54425" rIns="108850" bIns="54425" rtlCol="0" anchor="ctr"/>
+          <a:lstStyle/>
           <a:p>
             <a:pPr algn="ctr"/>
             <a:endParaRPr lang="en-US"/>
@@ -13461,6 +13361,7 @@
           <a:bodyPr vert="horz" wrap="square" lIns="108850" tIns="54425" rIns="108850" bIns="54425" rtlCol="0">
             <a:spAutoFit/>
           </a:bodyPr>
+          <a:lstStyle/>
           <a:p>
             <a:r>
               <a:rPr lang="zh-CN" altLang="en-US" sz="2800" dirty="0">
@@ -13528,6 +13429,7 @@
         </p:style>
         <p:txBody>
           <a:bodyPr vert="horz" lIns="108850" tIns="54425" rIns="108850" bIns="54425" rtlCol="0" anchor="ctr"/>
+          <a:lstStyle/>
           <a:p>
             <a:pPr algn="ctr"/>
             <a:endParaRPr lang="en-US"/>
@@ -13554,6 +13456,7 @@
           <a:bodyPr wrap="square" lIns="108850" tIns="54425" rIns="108850" bIns="54425" rtlCol="0">
             <a:spAutoFit/>
           </a:bodyPr>
+          <a:lstStyle/>
           <a:p>
             <a:r>
               <a:rPr lang="zh-CN" altLang="en-US" sz="2800" dirty="0">
@@ -13565,13 +13468,6 @@
               </a:rPr>
               <a:t>列表常用样式</a:t>
             </a:r>
-            <a:endParaRPr lang="zh-CN" altLang="en-US" sz="2800" dirty="0">
-              <a:solidFill>
-                <a:srgbClr val="595E64"/>
-              </a:solidFill>
-              <a:latin typeface="微软雅黑" panose="020B0503020204020204" pitchFamily="34" charset="-122"/>
-              <a:ea typeface="微软雅黑" panose="020B0503020204020204" pitchFamily="34" charset="-122"/>
-            </a:endParaRPr>
           </a:p>
         </p:txBody>
       </p:sp>
@@ -13614,6 +13510,7 @@
         </p:style>
         <p:txBody>
           <a:bodyPr lIns="108850" tIns="54425" rIns="108850" bIns="54425" rtlCol="0" anchor="ctr"/>
+          <a:lstStyle/>
           <a:p>
             <a:pPr algn="ctr"/>
             <a:endParaRPr lang="zh-CN" altLang="en-US"/>
@@ -13640,6 +13537,7 @@
           <a:bodyPr vert="horz" wrap="square" lIns="108850" tIns="54425" rIns="108850" bIns="54425" rtlCol="0">
             <a:spAutoFit/>
           </a:bodyPr>
+          <a:lstStyle/>
           <a:p>
             <a:r>
               <a:rPr lang="zh-CN" altLang="en-US" sz="2800" dirty="0">
@@ -13651,13 +13549,6 @@
               </a:rPr>
               <a:t>超链接的样式设置</a:t>
             </a:r>
-            <a:endParaRPr lang="zh-CN" altLang="en-US" sz="2800" dirty="0">
-              <a:solidFill>
-                <a:srgbClr val="FF0000"/>
-              </a:solidFill>
-              <a:latin typeface="微软雅黑" panose="020B0503020204020204" pitchFamily="34" charset="-122"/>
-              <a:ea typeface="微软雅黑" panose="020B0503020204020204" pitchFamily="34" charset="-122"/>
-            </a:endParaRPr>
           </a:p>
         </p:txBody>
       </p:sp>
@@ -13686,7 +13577,14 @@
         <p:cNvGrpSpPr/>
         <p:nvPr/>
       </p:nvGrpSpPr>
-      <p:grpSpPr/>
+      <p:grpSpPr>
+        <a:xfrm>
+          <a:off x="0" y="0"/>
+          <a:ext cx="0" cy="0"/>
+          <a:chOff x="0" y="0"/>
+          <a:chExt cx="0" cy="0"/>
+        </a:xfrm>
+      </p:grpSpPr>
       <p:sp>
         <p:nvSpPr>
           <p:cNvPr id="2" name="标题 1"/>
@@ -13700,12 +13598,12 @@
         <p:spPr/>
         <p:txBody>
           <a:bodyPr/>
+          <a:lstStyle/>
           <a:p>
             <a:r>
               <a:rPr lang="zh-CN" altLang="en-US"/>
               <a:t>超链接四种状态</a:t>
             </a:r>
-            <a:endParaRPr lang="zh-CN" altLang="en-US"/>
           </a:p>
         </p:txBody>
       </p:sp>
@@ -13722,6 +13620,7 @@
         <p:spPr/>
         <p:txBody>
           <a:bodyPr/>
+          <a:lstStyle/>
           <a:p>
             <a:pPr lvl="0"/>
             <a:r>
@@ -13730,9 +13629,6 @@
               </a:rPr>
               <a:t>超链接的四种状态</a:t>
             </a:r>
-            <a:endParaRPr lang="zh-CN" altLang="en-US">
-              <a:sym typeface="+mn-ea"/>
-            </a:endParaRPr>
           </a:p>
           <a:p>
             <a:pPr lvl="1"/>
@@ -13751,12 +13647,6 @@
               </a:rPr>
               <a:t> a:link</a:t>
             </a:r>
-            <a:endParaRPr dirty="0" err="1">
-              <a:solidFill>
-                <a:srgbClr val="C00000"/>
-              </a:solidFill>
-              <a:sym typeface="+mn-ea"/>
-            </a:endParaRPr>
           </a:p>
           <a:p>
             <a:pPr lvl="1"/>
@@ -13775,12 +13665,6 @@
               </a:rPr>
               <a:t>a:hover</a:t>
             </a:r>
-            <a:endParaRPr dirty="0" err="1">
-              <a:solidFill>
-                <a:srgbClr val="C00000"/>
-              </a:solidFill>
-              <a:sym typeface="+mn-ea"/>
-            </a:endParaRPr>
           </a:p>
           <a:p>
             <a:pPr lvl="1"/>
@@ -13817,12 +13701,6 @@
               </a:rPr>
               <a:t>ve</a:t>
             </a:r>
-            <a:endParaRPr dirty="0" err="1">
-              <a:solidFill>
-                <a:srgbClr val="C00000"/>
-              </a:solidFill>
-              <a:sym typeface="+mn-ea"/>
-            </a:endParaRPr>
           </a:p>
           <a:p>
             <a:pPr lvl="1"/>
@@ -13854,7 +13732,11 @@
               <a:sym typeface="+mn-ea"/>
             </a:endParaRPr>
           </a:p>
-          <a:p/>
+          <a:p>
+            <a:endParaRPr lang="zh-CN" altLang="en-US" dirty="0">
+              <a:sym typeface="+mn-ea"/>
+            </a:endParaRPr>
+          </a:p>
         </p:txBody>
       </p:sp>
     </p:spTree>
@@ -13862,14 +13744,21 @@
   <p:clrMapOvr>
     <a:masterClrMapping/>
   </p:clrMapOvr>
-  <mc:AlternateContent xmlns:mc="http://schemas.openxmlformats.org/markup-compatibility/2006">
-    <mc:Choice xmlns:p14="http://schemas.microsoft.com/office/powerpoint/2010/main" Requires="p14">
+  <mc:AlternateContent xmlns:mc="http://schemas.openxmlformats.org/markup-compatibility/2006" xmlns:p14="http://schemas.microsoft.com/office/powerpoint/2010/main">
+    <mc:Choice Requires="p14">
       <p:transition spd="slow" p14:dur="1600"/>
     </mc:Choice>
-    <mc:Fallback>
+    <mc:Fallback xmlns="">
       <p:transition spd="slow"/>
     </mc:Fallback>
   </mc:AlternateContent>
+  <p:timing>
+    <p:tnLst>
+      <p:par>
+        <p:cTn id="1" dur="indefinite" restart="never" nodeType="tmRoot"/>
+      </p:par>
+    </p:tnLst>
+  </p:timing>
 </p:sld>
 </file>
 
@@ -13882,7 +13771,14 @@
         <p:cNvGrpSpPr/>
         <p:nvPr/>
       </p:nvGrpSpPr>
-      <p:grpSpPr/>
+      <p:grpSpPr>
+        <a:xfrm>
+          <a:off x="0" y="0"/>
+          <a:ext cx="0" cy="0"/>
+          <a:chOff x="0" y="0"/>
+          <a:chExt cx="0" cy="0"/>
+        </a:xfrm>
+      </p:grpSpPr>
       <p:sp>
         <p:nvSpPr>
           <p:cNvPr id="2" name="标题 1"/>
@@ -13896,12 +13792,12 @@
         <p:spPr/>
         <p:txBody>
           <a:bodyPr/>
+          <a:lstStyle/>
           <a:p>
             <a:r>
               <a:rPr lang="zh-CN" altLang="en-US"/>
               <a:t>状态设置</a:t>
             </a:r>
-            <a:endParaRPr lang="zh-CN" altLang="en-US"/>
           </a:p>
         </p:txBody>
       </p:sp>
@@ -13918,8 +13814,9 @@
         <p:spPr/>
         <p:txBody>
           <a:bodyPr>
-            <a:normAutofit lnSpcReduction="20000"/>
+            <a:normAutofit lnSpcReduction="10000"/>
           </a:bodyPr>
+          <a:lstStyle/>
           <a:p>
             <a:r>
               <a:rPr lang="zh-CN" altLang="en-US">
@@ -13927,9 +13824,6 @@
               </a:rPr>
               <a:t>状态设置</a:t>
             </a:r>
-            <a:endParaRPr lang="zh-CN" altLang="en-US">
-              <a:sym typeface="+mn-ea"/>
-            </a:endParaRPr>
           </a:p>
           <a:p>
             <a:pPr lvl="1"/>
@@ -13939,9 +13833,6 @@
               </a:rPr>
               <a:t>四种不同状态可设置不同样式</a:t>
             </a:r>
-            <a:endParaRPr lang="zh-CN" altLang="en-US">
-              <a:sym typeface="+mn-ea"/>
-            </a:endParaRPr>
           </a:p>
           <a:p>
             <a:pPr lvl="1"/>
@@ -14068,7 +13959,11 @@
               <a:sym typeface="+mn-ea"/>
             </a:endParaRPr>
           </a:p>
-          <a:p/>
+          <a:p>
+            <a:endParaRPr lang="zh-CN" altLang="en-US">
+              <a:sym typeface="+mn-ea"/>
+            </a:endParaRPr>
+          </a:p>
         </p:txBody>
       </p:sp>
       <p:pic>
@@ -14080,7 +13975,7 @@
           <p:nvPr/>
         </p:nvPicPr>
         <p:blipFill>
-          <a:blip r:embed="rId1">
+          <a:blip r:embed="rId2">
             <a:extLst>
               <a:ext uri="{28A0092B-C50C-407E-A947-70E740481C1C}">
                 <a14:useLocalDpi xmlns:a14="http://schemas.microsoft.com/office/drawing/2010/main" val="0"/>
@@ -14145,6 +14040,7 @@
           <a:bodyPr wrap="square" lIns="108850" tIns="54425" rIns="108850" bIns="54425" rtlCol="0">
             <a:spAutoFit/>
           </a:bodyPr>
+          <a:lstStyle/>
           <a:p>
             <a:r>
               <a:rPr lang="en-US" altLang="zh-CN" sz="2400" dirty="0" smtClean="0">
@@ -14165,11 +14061,11 @@
   <p:clrMapOvr>
     <a:masterClrMapping/>
   </p:clrMapOvr>
-  <mc:AlternateContent xmlns:mc="http://schemas.openxmlformats.org/markup-compatibility/2006">
-    <mc:Choice xmlns:p14="http://schemas.microsoft.com/office/powerpoint/2010/main" Requires="p14">
+  <mc:AlternateContent xmlns:mc="http://schemas.openxmlformats.org/markup-compatibility/2006" xmlns:p14="http://schemas.microsoft.com/office/powerpoint/2010/main">
+    <mc:Choice Requires="p14">
       <p:transition spd="slow" p14:dur="1600"/>
     </mc:Choice>
-    <mc:Fallback>
+    <mc:Fallback xmlns="">
       <p:transition spd="slow"/>
     </mc:Fallback>
   </mc:AlternateContent>
@@ -14419,13 +14315,6 @@
                 </a:rPr>
                 <a:t>本节内容</a:t>
               </a:r>
-              <a:endParaRPr lang="zh-CN" altLang="en-US" sz="4800" b="1" dirty="0">
-                <a:solidFill>
-                  <a:schemeClr val="bg1"/>
-                </a:solidFill>
-                <a:latin typeface="微软雅黑" panose="020B0503020204020204" pitchFamily="34" charset="-122"/>
-                <a:ea typeface="微软雅黑" panose="020B0503020204020204" pitchFamily="34" charset="-122"/>
-              </a:endParaRPr>
             </a:p>
           </p:txBody>
         </p:sp>
@@ -14626,6 +14515,7 @@
         </p:style>
         <p:txBody>
           <a:bodyPr vert="horz" lIns="108850" tIns="54425" rIns="108850" bIns="54425" rtlCol="0" anchor="ctr"/>
+          <a:lstStyle/>
           <a:p>
             <a:pPr algn="ctr"/>
             <a:endParaRPr lang="en-US"/>
@@ -14652,6 +14542,7 @@
           <a:bodyPr vert="horz" wrap="square" lIns="108850" tIns="54425" rIns="108850" bIns="54425" rtlCol="0">
             <a:spAutoFit/>
           </a:bodyPr>
+          <a:lstStyle/>
           <a:p>
             <a:r>
               <a:rPr lang="zh-CN" altLang="en-US" sz="2800" dirty="0">
@@ -14663,13 +14554,6 @@
               </a:rPr>
               <a:t>字体常用样式</a:t>
             </a:r>
-            <a:endParaRPr lang="zh-CN" altLang="en-US" sz="2800" dirty="0">
-              <a:solidFill>
-                <a:srgbClr val="FF0000"/>
-              </a:solidFill>
-              <a:latin typeface="微软雅黑" panose="020B0503020204020204" pitchFamily="34" charset="-122"/>
-              <a:ea typeface="微软雅黑" panose="020B0503020204020204" pitchFamily="34" charset="-122"/>
-            </a:endParaRPr>
           </a:p>
         </p:txBody>
       </p:sp>
@@ -14693,6 +14577,7 @@
           <a:bodyPr vert="horz" wrap="square" lIns="108850" tIns="54425" rIns="108850" bIns="54425" rtlCol="0">
             <a:spAutoFit/>
           </a:bodyPr>
+          <a:lstStyle/>
           <a:p>
             <a:r>
               <a:rPr lang="zh-CN" altLang="en-US" sz="2800" dirty="0">
@@ -14704,13 +14589,6 @@
               </a:rPr>
               <a:t>文本常用样式</a:t>
             </a:r>
-            <a:endParaRPr lang="zh-CN" altLang="en-US" sz="2800" dirty="0">
-              <a:solidFill>
-                <a:srgbClr val="595E64"/>
-              </a:solidFill>
-              <a:latin typeface="微软雅黑" panose="020B0503020204020204" pitchFamily="34" charset="-122"/>
-              <a:ea typeface="微软雅黑" panose="020B0503020204020204" pitchFamily="34" charset="-122"/>
-            </a:endParaRPr>
           </a:p>
         </p:txBody>
       </p:sp>
@@ -14760,6 +14638,7 @@
         </p:style>
         <p:txBody>
           <a:bodyPr vert="horz" lIns="108850" tIns="54425" rIns="108850" bIns="54425" rtlCol="0" anchor="ctr"/>
+          <a:lstStyle/>
           <a:p>
             <a:pPr algn="ctr"/>
             <a:endParaRPr lang="en-US"/>
@@ -14812,6 +14691,7 @@
         </p:style>
         <p:txBody>
           <a:bodyPr vert="horz" lIns="108850" tIns="54425" rIns="108850" bIns="54425" rtlCol="0" anchor="ctr"/>
+          <a:lstStyle/>
           <a:p>
             <a:pPr algn="ctr"/>
             <a:endParaRPr lang="en-US"/>
@@ -14838,6 +14718,7 @@
           <a:bodyPr vert="horz" wrap="square" lIns="108850" tIns="54425" rIns="108850" bIns="54425" rtlCol="0">
             <a:spAutoFit/>
           </a:bodyPr>
+          <a:lstStyle/>
           <a:p>
             <a:r>
               <a:rPr lang="zh-CN" altLang="en-US" sz="2800" dirty="0">
@@ -14905,6 +14786,7 @@
         </p:style>
         <p:txBody>
           <a:bodyPr vert="horz" lIns="108850" tIns="54425" rIns="108850" bIns="54425" rtlCol="0" anchor="ctr"/>
+          <a:lstStyle/>
           <a:p>
             <a:pPr algn="ctr"/>
             <a:endParaRPr lang="en-US"/>
@@ -14931,6 +14813,7 @@
           <a:bodyPr wrap="square" lIns="108850" tIns="54425" rIns="108850" bIns="54425" rtlCol="0">
             <a:spAutoFit/>
           </a:bodyPr>
+          <a:lstStyle/>
           <a:p>
             <a:r>
               <a:rPr lang="zh-CN" altLang="en-US" sz="2800" dirty="0">
@@ -14942,13 +14825,6 @@
               </a:rPr>
               <a:t>列表常用样式</a:t>
             </a:r>
-            <a:endParaRPr lang="zh-CN" altLang="en-US" sz="2800" dirty="0">
-              <a:solidFill>
-                <a:srgbClr val="595E64"/>
-              </a:solidFill>
-              <a:latin typeface="微软雅黑" panose="020B0503020204020204" pitchFamily="34" charset="-122"/>
-              <a:ea typeface="微软雅黑" panose="020B0503020204020204" pitchFamily="34" charset="-122"/>
-            </a:endParaRPr>
           </a:p>
         </p:txBody>
       </p:sp>
@@ -14991,6 +14867,7 @@
         </p:style>
         <p:txBody>
           <a:bodyPr lIns="108850" tIns="54425" rIns="108850" bIns="54425" rtlCol="0" anchor="ctr"/>
+          <a:lstStyle/>
           <a:p>
             <a:pPr algn="ctr"/>
             <a:endParaRPr lang="zh-CN" altLang="en-US"/>
@@ -15017,6 +14894,7 @@
           <a:bodyPr vert="horz" wrap="square" lIns="108850" tIns="54425" rIns="108850" bIns="54425" rtlCol="0">
             <a:spAutoFit/>
           </a:bodyPr>
+          <a:lstStyle/>
           <a:p>
             <a:r>
               <a:rPr lang="zh-CN" altLang="en-US" sz="2800" dirty="0">
@@ -15028,13 +14906,6 @@
               </a:rPr>
               <a:t>超链接的样式设置</a:t>
             </a:r>
-            <a:endParaRPr lang="zh-CN" altLang="en-US" sz="2800" dirty="0">
-              <a:solidFill>
-                <a:srgbClr val="595E64"/>
-              </a:solidFill>
-              <a:latin typeface="微软雅黑" panose="020B0503020204020204" pitchFamily="34" charset="-122"/>
-              <a:ea typeface="微软雅黑" panose="020B0503020204020204" pitchFamily="34" charset="-122"/>
-            </a:endParaRPr>
           </a:p>
         </p:txBody>
       </p:sp>
@@ -15063,7 +14934,14 @@
         <p:cNvGrpSpPr/>
         <p:nvPr/>
       </p:nvGrpSpPr>
-      <p:grpSpPr/>
+      <p:grpSpPr>
+        <a:xfrm>
+          <a:off x="0" y="0"/>
+          <a:ext cx="0" cy="0"/>
+          <a:chOff x="0" y="0"/>
+          <a:chExt cx="0" cy="0"/>
+        </a:xfrm>
+      </p:grpSpPr>
       <p:sp>
         <p:nvSpPr>
           <p:cNvPr id="2" name="标题 1"/>
@@ -15077,12 +14955,12 @@
         <p:spPr/>
         <p:txBody>
           <a:bodyPr/>
+          <a:lstStyle/>
           <a:p>
             <a:r>
               <a:rPr lang="zh-CN" altLang="en-US"/>
               <a:t>伪类</a:t>
             </a:r>
-            <a:endParaRPr lang="zh-CN" altLang="en-US"/>
           </a:p>
         </p:txBody>
       </p:sp>
@@ -15099,6 +14977,7 @@
         <p:spPr/>
         <p:txBody>
           <a:bodyPr/>
+          <a:lstStyle/>
           <a:p>
             <a:r>
               <a:rPr lang="zh-CN" altLang="en-US">
@@ -15140,7 +15019,11 @@
               <a:sym typeface="+mn-ea"/>
             </a:endParaRPr>
           </a:p>
-          <a:p/>
+          <a:p>
+            <a:endParaRPr lang="zh-CN" altLang="en-US" dirty="0">
+              <a:sym typeface="+mn-ea"/>
+            </a:endParaRPr>
+          </a:p>
         </p:txBody>
       </p:sp>
       <p:graphicFrame>
@@ -15153,7 +15036,7 @@
         </p:nvGraphicFramePr>
         <p:xfrm>
           <a:off x="1132840" y="1921510"/>
-          <a:ext cx="9738995" cy="4146550"/>
+          <a:ext cx="9738995" cy="4146635"/>
         </p:xfrm>
         <a:graphic>
           <a:graphicData uri="http://schemas.openxmlformats.org/drawingml/2006/table">
@@ -15167,6 +15050,7 @@
                 <a:tc>
                   <a:txBody>
                     <a:bodyPr/>
+                    <a:lstStyle/>
                     <a:p>
                       <a:r>
                         <a:rPr lang="zh-CN" altLang="en-US" sz="2400" dirty="0">
@@ -15175,10 +15059,6 @@
                         </a:rPr>
                         <a:t>伪类</a:t>
                       </a:r>
-                      <a:endParaRPr lang="zh-CN" altLang="en-US" sz="2400" dirty="0">
-                        <a:latin typeface="微软雅黑" panose="020B0503020204020204" pitchFamily="34" charset="-122"/>
-                        <a:ea typeface="微软雅黑" panose="020B0503020204020204" pitchFamily="34" charset="-122"/>
-                      </a:endParaRPr>
                     </a:p>
                   </a:txBody>
                   <a:tcPr marL="121904" marR="121904" marT="45731" marB="45731"/>
@@ -15186,6 +15066,7 @@
                 <a:tc>
                   <a:txBody>
                     <a:bodyPr/>
+                    <a:lstStyle/>
                     <a:p>
                       <a:r>
                         <a:rPr lang="zh-CN" altLang="en-US" sz="2400">
@@ -15194,10 +15075,6 @@
                         </a:rPr>
                         <a:t>描述</a:t>
                       </a:r>
-                      <a:endParaRPr lang="zh-CN" altLang="en-US" sz="2400">
-                        <a:latin typeface="微软雅黑" panose="020B0503020204020204" pitchFamily="34" charset="-122"/>
-                        <a:ea typeface="微软雅黑" panose="020B0503020204020204" pitchFamily="34" charset="-122"/>
-                      </a:endParaRPr>
                     </a:p>
                   </a:txBody>
                   <a:tcPr marL="121904" marR="121904" marT="45731" marB="45731"/>
@@ -15207,6 +15084,7 @@
                 <a:tc>
                   <a:txBody>
                     <a:bodyPr/>
+                    <a:lstStyle/>
                     <a:p>
                       <a:r>
                         <a:rPr lang="en-US" altLang="zh-CN" sz="2400" dirty="0">
@@ -15215,10 +15093,6 @@
                         </a:rPr>
                         <a:t>:link</a:t>
                       </a:r>
-                      <a:endParaRPr lang="en-US" altLang="zh-CN" sz="2400" dirty="0">
-                        <a:latin typeface="微软雅黑" panose="020B0503020204020204" pitchFamily="34" charset="-122"/>
-                        <a:ea typeface="微软雅黑" panose="020B0503020204020204" pitchFamily="34" charset="-122"/>
-                      </a:endParaRPr>
                     </a:p>
                   </a:txBody>
                   <a:tcPr marL="121904" marR="121904" marT="45731" marB="45731"/>
@@ -15226,6 +15100,7 @@
                 <a:tc>
                   <a:txBody>
                     <a:bodyPr/>
+                    <a:lstStyle/>
                     <a:p>
                       <a:r>
                         <a:rPr lang="zh-CN" altLang="en-US" sz="2400" dirty="0">
@@ -15234,10 +15109,6 @@
                         </a:rPr>
                         <a:t>向未被访问的链接添加样式。</a:t>
                       </a:r>
-                      <a:endParaRPr lang="zh-CN" altLang="en-US" sz="2400" dirty="0">
-                        <a:latin typeface="微软雅黑" panose="020B0503020204020204" pitchFamily="34" charset="-122"/>
-                        <a:ea typeface="微软雅黑" panose="020B0503020204020204" pitchFamily="34" charset="-122"/>
-                      </a:endParaRPr>
                     </a:p>
                   </a:txBody>
                   <a:tcPr marL="121904" marR="121904" marT="45731" marB="45731"/>
@@ -15247,6 +15118,7 @@
                 <a:tc>
                   <a:txBody>
                     <a:bodyPr/>
+                    <a:lstStyle/>
                     <a:p>
                       <a:r>
                         <a:rPr lang="en-US" altLang="zh-CN" sz="2400" dirty="0">
@@ -15255,10 +15127,6 @@
                         </a:rPr>
                         <a:t>:visited</a:t>
                       </a:r>
-                      <a:endParaRPr lang="en-US" altLang="zh-CN" sz="2400" dirty="0">
-                        <a:latin typeface="微软雅黑" panose="020B0503020204020204" pitchFamily="34" charset="-122"/>
-                        <a:ea typeface="微软雅黑" panose="020B0503020204020204" pitchFamily="34" charset="-122"/>
-                      </a:endParaRPr>
                     </a:p>
                   </a:txBody>
                   <a:tcPr marL="121904" marR="121904" marT="45731" marB="45731"/>
@@ -15266,6 +15134,7 @@
                 <a:tc>
                   <a:txBody>
                     <a:bodyPr/>
+                    <a:lstStyle/>
                     <a:p>
                       <a:r>
                         <a:rPr lang="zh-CN" altLang="en-US" sz="2400" dirty="0">
@@ -15274,10 +15143,6 @@
                         </a:rPr>
                         <a:t>向已被访问的链接添加样式。</a:t>
                       </a:r>
-                      <a:endParaRPr lang="zh-CN" altLang="en-US" sz="2400" dirty="0">
-                        <a:latin typeface="微软雅黑" panose="020B0503020204020204" pitchFamily="34" charset="-122"/>
-                        <a:ea typeface="微软雅黑" panose="020B0503020204020204" pitchFamily="34" charset="-122"/>
-                      </a:endParaRPr>
                     </a:p>
                   </a:txBody>
                   <a:tcPr marL="121904" marR="121904" marT="45731" marB="45731"/>
@@ -15287,6 +15152,7 @@
                 <a:tc>
                   <a:txBody>
                     <a:bodyPr/>
+                    <a:lstStyle/>
                     <a:p>
                       <a:r>
                         <a:rPr lang="en-US" altLang="zh-CN" sz="2400" dirty="0">
@@ -15295,10 +15161,6 @@
                         </a:rPr>
                         <a:t>:hover</a:t>
                       </a:r>
-                      <a:endParaRPr lang="en-US" altLang="zh-CN" sz="2400" dirty="0">
-                        <a:latin typeface="微软雅黑" panose="020B0503020204020204" pitchFamily="34" charset="-122"/>
-                        <a:ea typeface="微软雅黑" panose="020B0503020204020204" pitchFamily="34" charset="-122"/>
-                      </a:endParaRPr>
                     </a:p>
                   </a:txBody>
                   <a:tcPr marL="121904" marR="121904" marT="45731" marB="45731"/>
@@ -15306,6 +15168,7 @@
                 <a:tc>
                   <a:txBody>
                     <a:bodyPr/>
+                    <a:lstStyle/>
                     <a:p>
                       <a:r>
                         <a:rPr lang="zh-CN" altLang="en-US" sz="2400">
@@ -15314,10 +15177,6 @@
                         </a:rPr>
                         <a:t>当鼠标悬浮在元素上方时，向元素添加样式。</a:t>
                       </a:r>
-                      <a:endParaRPr lang="zh-CN" altLang="en-US" sz="2400">
-                        <a:latin typeface="微软雅黑" panose="020B0503020204020204" pitchFamily="34" charset="-122"/>
-                        <a:ea typeface="微软雅黑" panose="020B0503020204020204" pitchFamily="34" charset="-122"/>
-                      </a:endParaRPr>
                     </a:p>
                   </a:txBody>
                   <a:tcPr marL="121904" marR="121904" marT="45731" marB="45731"/>
@@ -15327,6 +15186,7 @@
                 <a:tc>
                   <a:txBody>
                     <a:bodyPr/>
+                    <a:lstStyle/>
                     <a:p>
                       <a:r>
                         <a:rPr lang="en-US" altLang="zh-CN" sz="2400" dirty="0">
@@ -15335,10 +15195,6 @@
                         </a:rPr>
                         <a:t>:active</a:t>
                       </a:r>
-                      <a:endParaRPr lang="en-US" altLang="zh-CN" sz="2400" dirty="0">
-                        <a:latin typeface="微软雅黑" panose="020B0503020204020204" pitchFamily="34" charset="-122"/>
-                        <a:ea typeface="微软雅黑" panose="020B0503020204020204" pitchFamily="34" charset="-122"/>
-                      </a:endParaRPr>
                     </a:p>
                   </a:txBody>
                   <a:tcPr marL="121904" marR="121904" marT="45731" marB="45731"/>
@@ -15346,6 +15202,7 @@
                 <a:tc>
                   <a:txBody>
                     <a:bodyPr/>
+                    <a:lstStyle/>
                     <a:p>
                       <a:r>
                         <a:rPr lang="zh-CN" altLang="en-US" sz="2400" dirty="0">
@@ -15354,10 +15211,6 @@
                         </a:rPr>
                         <a:t>向被激活的元素添加样式。</a:t>
                       </a:r>
-                      <a:endParaRPr lang="zh-CN" altLang="en-US" sz="2400" dirty="0">
-                        <a:latin typeface="微软雅黑" panose="020B0503020204020204" pitchFamily="34" charset="-122"/>
-                        <a:ea typeface="微软雅黑" panose="020B0503020204020204" pitchFamily="34" charset="-122"/>
-                      </a:endParaRPr>
                     </a:p>
                   </a:txBody>
                   <a:tcPr marL="121904" marR="121904" marT="45731" marB="45731"/>
@@ -15367,6 +15220,7 @@
                 <a:tc>
                   <a:txBody>
                     <a:bodyPr/>
+                    <a:lstStyle/>
                     <a:p>
                       <a:r>
                         <a:rPr lang="en-US" altLang="zh-CN" sz="2400" dirty="0">
@@ -15375,10 +15229,6 @@
                         </a:rPr>
                         <a:t>:focus</a:t>
                       </a:r>
-                      <a:endParaRPr lang="en-US" altLang="zh-CN" sz="2400" dirty="0">
-                        <a:latin typeface="微软雅黑" panose="020B0503020204020204" pitchFamily="34" charset="-122"/>
-                        <a:ea typeface="微软雅黑" panose="020B0503020204020204" pitchFamily="34" charset="-122"/>
-                      </a:endParaRPr>
                     </a:p>
                   </a:txBody>
                   <a:tcPr marL="121904" marR="121904" marT="45731" marB="45731"/>
@@ -15386,6 +15236,7 @@
                 <a:tc>
                   <a:txBody>
                     <a:bodyPr/>
+                    <a:lstStyle/>
                     <a:p>
                       <a:r>
                         <a:rPr lang="zh-CN" altLang="en-US" sz="2400">
@@ -15394,10 +15245,6 @@
                         </a:rPr>
                         <a:t>向拥有键盘输入焦点的元素添加样式。</a:t>
                       </a:r>
-                      <a:endParaRPr lang="zh-CN" altLang="en-US" sz="2400">
-                        <a:latin typeface="微软雅黑" panose="020B0503020204020204" pitchFamily="34" charset="-122"/>
-                        <a:ea typeface="微软雅黑" panose="020B0503020204020204" pitchFamily="34" charset="-122"/>
-                      </a:endParaRPr>
                     </a:p>
                   </a:txBody>
                   <a:tcPr marL="121904" marR="121904" marT="45731" marB="45731"/>
@@ -15407,6 +15254,7 @@
                 <a:tc>
                   <a:txBody>
                     <a:bodyPr/>
+                    <a:lstStyle/>
                     <a:p>
                       <a:r>
                         <a:rPr lang="en-US" altLang="zh-CN" sz="2400" dirty="0">
@@ -15415,10 +15263,6 @@
                         </a:rPr>
                         <a:t>:first-child</a:t>
                       </a:r>
-                      <a:endParaRPr lang="en-US" altLang="zh-CN" sz="2400" dirty="0">
-                        <a:latin typeface="微软雅黑" panose="020B0503020204020204" pitchFamily="34" charset="-122"/>
-                        <a:ea typeface="微软雅黑" panose="020B0503020204020204" pitchFamily="34" charset="-122"/>
-                      </a:endParaRPr>
                     </a:p>
                   </a:txBody>
                   <a:tcPr marL="121904" marR="121904" marT="45731" marB="45731"/>
@@ -15426,6 +15270,7 @@
                 <a:tc>
                   <a:txBody>
                     <a:bodyPr/>
+                    <a:lstStyle/>
                     <a:p>
                       <a:r>
                         <a:rPr lang="zh-CN" altLang="en-US" sz="2400" dirty="0">
@@ -15434,10 +15279,6 @@
                         </a:rPr>
                         <a:t>向元素的第一个子元素添加样式。</a:t>
                       </a:r>
-                      <a:endParaRPr lang="zh-CN" altLang="en-US" sz="2400" dirty="0">
-                        <a:latin typeface="微软雅黑" panose="020B0503020204020204" pitchFamily="34" charset="-122"/>
-                        <a:ea typeface="微软雅黑" panose="020B0503020204020204" pitchFamily="34" charset="-122"/>
-                      </a:endParaRPr>
                     </a:p>
                   </a:txBody>
                   <a:tcPr marL="121904" marR="121904" marT="45731" marB="45731"/>
@@ -15447,6 +15288,7 @@
                 <a:tc>
                   <a:txBody>
                     <a:bodyPr/>
+                    <a:lstStyle/>
                     <a:p>
                       <a:r>
                         <a:rPr lang="en-US" altLang="zh-CN" sz="2400" dirty="0">
@@ -15473,6 +15315,7 @@
                 <a:tc>
                   <a:txBody>
                     <a:bodyPr/>
+                    <a:lstStyle/>
                     <a:p>
                       <a:r>
                         <a:rPr lang="zh-CN" altLang="en-US" sz="2400" dirty="0">
@@ -15502,10 +15345,6 @@
                         </a:rPr>
                         <a:t>属性的元素添加样式。</a:t>
                       </a:r>
-                      <a:endParaRPr lang="zh-CN" altLang="en-US" sz="2400" dirty="0">
-                        <a:latin typeface="微软雅黑" panose="020B0503020204020204" pitchFamily="34" charset="-122"/>
-                        <a:ea typeface="微软雅黑" panose="020B0503020204020204" pitchFamily="34" charset="-122"/>
-                      </a:endParaRPr>
                     </a:p>
                   </a:txBody>
                   <a:tcPr marL="121904" marR="121904" marT="45731" marB="45731"/>
@@ -15520,14 +15359,21 @@
   <p:clrMapOvr>
     <a:masterClrMapping/>
   </p:clrMapOvr>
-  <mc:AlternateContent xmlns:mc="http://schemas.openxmlformats.org/markup-compatibility/2006">
-    <mc:Choice xmlns:p14="http://schemas.microsoft.com/office/powerpoint/2010/main" Requires="p14">
+  <mc:AlternateContent xmlns:mc="http://schemas.openxmlformats.org/markup-compatibility/2006" xmlns:p14="http://schemas.microsoft.com/office/powerpoint/2010/main">
+    <mc:Choice Requires="p14">
       <p:transition spd="slow" p14:dur="1600"/>
     </mc:Choice>
-    <mc:Fallback>
+    <mc:Fallback xmlns="">
       <p:transition spd="slow"/>
     </mc:Fallback>
   </mc:AlternateContent>
+  <p:timing>
+    <p:tnLst>
+      <p:par>
+        <p:cTn id="1" dur="indefinite" restart="never" nodeType="tmRoot"/>
+      </p:par>
+    </p:tnLst>
+  </p:timing>
 </p:sld>
 </file>
 
@@ -15540,7 +15386,14 @@
         <p:cNvGrpSpPr/>
         <p:nvPr/>
       </p:nvGrpSpPr>
-      <p:grpSpPr/>
+      <p:grpSpPr>
+        <a:xfrm>
+          <a:off x="0" y="0"/>
+          <a:ext cx="0" cy="0"/>
+          <a:chOff x="0" y="0"/>
+          <a:chExt cx="0" cy="0"/>
+        </a:xfrm>
+      </p:grpSpPr>
       <p:sp>
         <p:nvSpPr>
           <p:cNvPr id="2" name="标题 1"/>
@@ -15554,12 +15407,12 @@
         <p:spPr/>
         <p:txBody>
           <a:bodyPr/>
+          <a:lstStyle/>
           <a:p>
             <a:r>
               <a:rPr lang="zh-CN" altLang="en-US"/>
               <a:t>伪类</a:t>
             </a:r>
-            <a:endParaRPr lang="zh-CN" altLang="en-US"/>
           </a:p>
         </p:txBody>
       </p:sp>
@@ -15576,6 +15429,7 @@
         <p:spPr/>
         <p:txBody>
           <a:bodyPr/>
+          <a:lstStyle/>
           <a:p>
             <a:r>
               <a:rPr smtClean="0">
@@ -15659,9 +15513,6 @@
               </a:rPr>
               <a:t>鼠标效果</a:t>
             </a:r>
-            <a:endParaRPr lang="zh-CN" altLang="en-US" smtClean="0">
-              <a:sym typeface="+mn-ea"/>
-            </a:endParaRPr>
           </a:p>
           <a:p>
             <a:pPr lvl="1"/>
@@ -15686,9 +15537,6 @@
               </a:rPr>
               <a:t>设置鼠标滑过效果</a:t>
             </a:r>
-            <a:endParaRPr lang="zh-CN" altLang="en-US" dirty="0" smtClean="0">
-              <a:sym typeface="+mn-ea"/>
-            </a:endParaRPr>
           </a:p>
           <a:p>
             <a:pPr lvl="1"/>
@@ -15704,9 +15552,6 @@
               </a:rPr>
               <a:t>设置鼠标点击效果</a:t>
             </a:r>
-            <a:endParaRPr lang="zh-CN" altLang="en-US" dirty="0" smtClean="0">
-              <a:sym typeface="+mn-ea"/>
-            </a:endParaRPr>
           </a:p>
         </p:txBody>
       </p:sp>
@@ -15719,7 +15564,7 @@
           <p:nvPr/>
         </p:nvPicPr>
         <p:blipFill>
-          <a:blip r:embed="rId1">
+          <a:blip r:embed="rId2">
             <a:extLst>
               <a:ext uri="{28A0092B-C50C-407E-A947-70E740481C1C}">
                 <a14:useLocalDpi xmlns:a14="http://schemas.microsoft.com/office/drawing/2010/main" val="0"/>
@@ -15769,11 +15614,11 @@
   <p:clrMapOvr>
     <a:masterClrMapping/>
   </p:clrMapOvr>
-  <mc:AlternateContent xmlns:mc="http://schemas.openxmlformats.org/markup-compatibility/2006">
-    <mc:Choice xmlns:p14="http://schemas.microsoft.com/office/powerpoint/2010/main" Requires="p14">
+  <mc:AlternateContent xmlns:mc="http://schemas.openxmlformats.org/markup-compatibility/2006" xmlns:p14="http://schemas.microsoft.com/office/powerpoint/2010/main">
+    <mc:Choice Requires="p14">
       <p:transition spd="slow" p14:dur="1600"/>
     </mc:Choice>
-    <mc:Fallback>
+    <mc:Fallback xmlns="">
       <p:transition spd="slow"/>
     </mc:Fallback>
   </mc:AlternateContent>
@@ -16001,7 +15846,14 @@
         <p:cNvGrpSpPr/>
         <p:nvPr/>
       </p:nvGrpSpPr>
-      <p:grpSpPr/>
+      <p:grpSpPr>
+        <a:xfrm>
+          <a:off x="0" y="0"/>
+          <a:ext cx="0" cy="0"/>
+          <a:chOff x="0" y="0"/>
+          <a:chExt cx="0" cy="0"/>
+        </a:xfrm>
+      </p:grpSpPr>
       <p:sp>
         <p:nvSpPr>
           <p:cNvPr id="3" name="内容占位符 2"/>
@@ -16015,6 +15867,7 @@
         <p:spPr/>
         <p:txBody>
           <a:bodyPr/>
+          <a:lstStyle/>
           <a:p>
             <a:r>
               <a:rPr smtClean="0">
@@ -16088,7 +15941,11 @@
               <a:ea typeface="微软雅黑" panose="020B0503020204020204" pitchFamily="34" charset="-122"/>
             </a:endParaRPr>
           </a:p>
-          <a:p/>
+          <a:p>
+            <a:endParaRPr lang="en-US" altLang="zh-CN" dirty="0">
+              <a:ea typeface="微软雅黑" panose="020B0503020204020204" pitchFamily="34" charset="-122"/>
+            </a:endParaRPr>
+          </a:p>
         </p:txBody>
       </p:sp>
       <p:sp>
@@ -16104,12 +15961,12 @@
         <p:spPr/>
         <p:txBody>
           <a:bodyPr/>
+          <a:lstStyle/>
           <a:p>
             <a:r>
               <a:rPr lang="zh-CN" altLang="en-US"/>
               <a:t>伪类</a:t>
             </a:r>
-            <a:endParaRPr lang="zh-CN" altLang="en-US"/>
           </a:p>
         </p:txBody>
       </p:sp>
@@ -16122,7 +15979,7 @@
           <p:nvPr/>
         </p:nvPicPr>
         <p:blipFill>
-          <a:blip r:embed="rId1"/>
+          <a:blip r:embed="rId2"/>
           <a:stretch>
             <a:fillRect/>
           </a:stretch>
@@ -16146,7 +16003,7 @@
           <p:nvPr/>
         </p:nvPicPr>
         <p:blipFill>
-          <a:blip r:embed="rId2"/>
+          <a:blip r:embed="rId3"/>
           <a:stretch>
             <a:fillRect/>
           </a:stretch>
@@ -16170,7 +16027,7 @@
           <p:nvPr/>
         </p:nvPicPr>
         <p:blipFill>
-          <a:blip r:embed="rId3"/>
+          <a:blip r:embed="rId4"/>
           <a:stretch>
             <a:fillRect/>
           </a:stretch>
@@ -16205,6 +16062,7 @@
           <a:bodyPr wrap="square" lIns="108850" tIns="54425" rIns="108850" bIns="54425" rtlCol="0">
             <a:spAutoFit/>
           </a:bodyPr>
+          <a:lstStyle/>
           <a:p>
             <a:r>
               <a:rPr lang="en-US" altLang="zh-CN" sz="2400" dirty="0" smtClean="0">
@@ -16225,11 +16083,11 @@
   <p:clrMapOvr>
     <a:masterClrMapping/>
   </p:clrMapOvr>
-  <mc:AlternateContent xmlns:mc="http://schemas.openxmlformats.org/markup-compatibility/2006">
-    <mc:Choice xmlns:p14="http://schemas.microsoft.com/office/powerpoint/2010/main" Requires="p14">
+  <mc:AlternateContent xmlns:mc="http://schemas.openxmlformats.org/markup-compatibility/2006" xmlns:p14="http://schemas.microsoft.com/office/powerpoint/2010/main">
+    <mc:Choice Requires="p14">
       <p:transition spd="slow" p14:dur="1600"/>
     </mc:Choice>
-    <mc:Fallback>
+    <mc:Fallback xmlns="">
       <p:transition spd="slow"/>
     </mc:Fallback>
   </mc:AlternateContent>
@@ -16567,13 +16425,6 @@
                 </a:rPr>
                 <a:t>本节内容</a:t>
               </a:r>
-              <a:endParaRPr lang="zh-CN" altLang="en-US" sz="4800" b="1" dirty="0">
-                <a:solidFill>
-                  <a:schemeClr val="bg1"/>
-                </a:solidFill>
-                <a:latin typeface="微软雅黑" panose="020B0503020204020204" pitchFamily="34" charset="-122"/>
-                <a:ea typeface="微软雅黑" panose="020B0503020204020204" pitchFamily="34" charset="-122"/>
-              </a:endParaRPr>
             </a:p>
           </p:txBody>
         </p:sp>
@@ -16774,6 +16625,7 @@
         </p:style>
         <p:txBody>
           <a:bodyPr vert="horz" lIns="108850" tIns="54425" rIns="108850" bIns="54425" rtlCol="0" anchor="ctr"/>
+          <a:lstStyle/>
           <a:p>
             <a:pPr algn="ctr"/>
             <a:endParaRPr lang="en-US"/>
@@ -16800,6 +16652,7 @@
           <a:bodyPr vert="horz" wrap="square" lIns="108850" tIns="54425" rIns="108850" bIns="54425" rtlCol="0">
             <a:spAutoFit/>
           </a:bodyPr>
+          <a:lstStyle/>
           <a:p>
             <a:r>
               <a:rPr lang="zh-CN" altLang="en-US" sz="2800" dirty="0">
@@ -16841,6 +16694,7 @@
           <a:bodyPr vert="horz" wrap="square" lIns="108850" tIns="54425" rIns="108850" bIns="54425" rtlCol="0">
             <a:spAutoFit/>
           </a:bodyPr>
+          <a:lstStyle/>
           <a:p>
             <a:r>
               <a:rPr lang="zh-CN" altLang="en-US" sz="2800" dirty="0">
@@ -16852,13 +16706,6 @@
               </a:rPr>
               <a:t>文本常用样式</a:t>
             </a:r>
-            <a:endParaRPr lang="zh-CN" altLang="en-US" sz="2800" dirty="0">
-              <a:solidFill>
-                <a:srgbClr val="595E64"/>
-              </a:solidFill>
-              <a:latin typeface="微软雅黑" panose="020B0503020204020204" pitchFamily="34" charset="-122"/>
-              <a:ea typeface="微软雅黑" panose="020B0503020204020204" pitchFamily="34" charset="-122"/>
-            </a:endParaRPr>
           </a:p>
         </p:txBody>
       </p:sp>
@@ -16908,6 +16755,7 @@
         </p:style>
         <p:txBody>
           <a:bodyPr vert="horz" lIns="108850" tIns="54425" rIns="108850" bIns="54425" rtlCol="0" anchor="ctr"/>
+          <a:lstStyle/>
           <a:p>
             <a:pPr algn="ctr"/>
             <a:endParaRPr lang="en-US"/>
@@ -16960,6 +16808,7 @@
         </p:style>
         <p:txBody>
           <a:bodyPr vert="horz" lIns="108850" tIns="54425" rIns="108850" bIns="54425" rtlCol="0" anchor="ctr"/>
+          <a:lstStyle/>
           <a:p>
             <a:pPr algn="ctr"/>
             <a:endParaRPr lang="en-US"/>
@@ -16986,6 +16835,7 @@
           <a:bodyPr vert="horz" wrap="square" lIns="108850" tIns="54425" rIns="108850" bIns="54425" rtlCol="0">
             <a:spAutoFit/>
           </a:bodyPr>
+          <a:lstStyle/>
           <a:p>
             <a:r>
               <a:rPr lang="zh-CN" altLang="en-US" sz="2800" dirty="0">
@@ -16997,13 +16847,6 @@
               </a:rPr>
               <a:t>背景的样式设置</a:t>
             </a:r>
-            <a:endParaRPr lang="zh-CN" altLang="en-US" sz="2800" dirty="0">
-              <a:solidFill>
-                <a:srgbClr val="FF0000"/>
-              </a:solidFill>
-              <a:latin typeface="微软雅黑" panose="020B0503020204020204" pitchFamily="34" charset="-122"/>
-              <a:ea typeface="微软雅黑" panose="020B0503020204020204" pitchFamily="34" charset="-122"/>
-            </a:endParaRPr>
           </a:p>
         </p:txBody>
       </p:sp>
@@ -17053,6 +16896,7 @@
         </p:style>
         <p:txBody>
           <a:bodyPr vert="horz" lIns="108850" tIns="54425" rIns="108850" bIns="54425" rtlCol="0" anchor="ctr"/>
+          <a:lstStyle/>
           <a:p>
             <a:pPr algn="ctr"/>
             <a:endParaRPr lang="en-US"/>
@@ -17079,6 +16923,7 @@
           <a:bodyPr wrap="square" lIns="108850" tIns="54425" rIns="108850" bIns="54425" rtlCol="0">
             <a:spAutoFit/>
           </a:bodyPr>
+          <a:lstStyle/>
           <a:p>
             <a:r>
               <a:rPr lang="zh-CN" altLang="en-US" sz="2800" dirty="0">
@@ -17090,13 +16935,6 @@
               </a:rPr>
               <a:t>列表常用样式</a:t>
             </a:r>
-            <a:endParaRPr lang="zh-CN" altLang="en-US" sz="2800" dirty="0">
-              <a:solidFill>
-                <a:srgbClr val="595E64"/>
-              </a:solidFill>
-              <a:latin typeface="微软雅黑" panose="020B0503020204020204" pitchFamily="34" charset="-122"/>
-              <a:ea typeface="微软雅黑" panose="020B0503020204020204" pitchFamily="34" charset="-122"/>
-            </a:endParaRPr>
           </a:p>
         </p:txBody>
       </p:sp>
@@ -17139,6 +16977,7 @@
         </p:style>
         <p:txBody>
           <a:bodyPr lIns="108850" tIns="54425" rIns="108850" bIns="54425" rtlCol="0" anchor="ctr"/>
+          <a:lstStyle/>
           <a:p>
             <a:pPr algn="ctr"/>
             <a:endParaRPr lang="zh-CN" altLang="en-US"/>
@@ -17165,6 +17004,7 @@
           <a:bodyPr vert="horz" wrap="square" lIns="108850" tIns="54425" rIns="108850" bIns="54425" rtlCol="0">
             <a:spAutoFit/>
           </a:bodyPr>
+          <a:lstStyle/>
           <a:p>
             <a:r>
               <a:rPr lang="zh-CN" altLang="en-US" sz="2800" dirty="0">
@@ -17176,13 +17016,6 @@
               </a:rPr>
               <a:t>超链接的样式设置</a:t>
             </a:r>
-            <a:endParaRPr lang="zh-CN" altLang="en-US" sz="2800" dirty="0">
-              <a:solidFill>
-                <a:srgbClr val="595E64"/>
-              </a:solidFill>
-              <a:latin typeface="微软雅黑" panose="020B0503020204020204" pitchFamily="34" charset="-122"/>
-              <a:ea typeface="微软雅黑" panose="020B0503020204020204" pitchFamily="34" charset="-122"/>
-            </a:endParaRPr>
           </a:p>
         </p:txBody>
       </p:sp>
@@ -17211,7 +17044,14 @@
         <p:cNvGrpSpPr/>
         <p:nvPr/>
       </p:nvGrpSpPr>
-      <p:grpSpPr/>
+      <p:grpSpPr>
+        <a:xfrm>
+          <a:off x="0" y="0"/>
+          <a:ext cx="0" cy="0"/>
+          <a:chOff x="0" y="0"/>
+          <a:chExt cx="0" cy="0"/>
+        </a:xfrm>
+      </p:grpSpPr>
       <p:sp>
         <p:nvSpPr>
           <p:cNvPr id="2" name="标题 1"/>
@@ -17225,12 +17065,12 @@
         <p:spPr/>
         <p:txBody>
           <a:bodyPr/>
+          <a:lstStyle/>
           <a:p>
             <a:r>
               <a:rPr lang="zh-CN" altLang="en-US"/>
               <a:t>背景属性</a:t>
             </a:r>
-            <a:endParaRPr lang="zh-CN" altLang="en-US"/>
           </a:p>
         </p:txBody>
       </p:sp>
@@ -17252,6 +17092,7 @@
         </p:spPr>
         <p:txBody>
           <a:bodyPr/>
+          <a:lstStyle/>
           <a:p>
             <a:r>
               <a:rPr lang="zh-CN" altLang="en-US"/>
@@ -17275,9 +17116,6 @@
               </a:rPr>
               <a:t>background-color</a:t>
             </a:r>
-            <a:endParaRPr lang="en-US" altLang="zh-CN" dirty="0">
-              <a:sym typeface="+mn-ea"/>
-            </a:endParaRPr>
           </a:p>
           <a:p>
             <a:pPr lvl="1"/>
@@ -17329,9 +17167,6 @@
               </a:rPr>
               <a:t>background-position</a:t>
             </a:r>
-            <a:endParaRPr lang="en-US" altLang="zh-CN" dirty="0">
-              <a:sym typeface="+mn-ea"/>
-            </a:endParaRPr>
           </a:p>
           <a:p>
             <a:pPr marL="471805" lvl="1" indent="0">
@@ -17355,6 +17190,9 @@
           </a:p>
           <a:p>
             <a:pPr lvl="1"/>
+            <a:endParaRPr lang="en-US" altLang="zh-CN" dirty="0">
+              <a:ea typeface="微软雅黑" panose="020B0503020204020204" pitchFamily="34" charset="-122"/>
+            </a:endParaRPr>
           </a:p>
         </p:txBody>
       </p:sp>
@@ -17363,14 +17201,21 @@
   <p:clrMapOvr>
     <a:masterClrMapping/>
   </p:clrMapOvr>
-  <mc:AlternateContent xmlns:mc="http://schemas.openxmlformats.org/markup-compatibility/2006">
-    <mc:Choice xmlns:p14="http://schemas.microsoft.com/office/powerpoint/2010/main" Requires="p14">
+  <mc:AlternateContent xmlns:mc="http://schemas.openxmlformats.org/markup-compatibility/2006" xmlns:p14="http://schemas.microsoft.com/office/powerpoint/2010/main">
+    <mc:Choice Requires="p14">
       <p:transition spd="slow" p14:dur="1600"/>
     </mc:Choice>
-    <mc:Fallback>
+    <mc:Fallback xmlns="">
       <p:transition spd="slow"/>
     </mc:Fallback>
   </mc:AlternateContent>
+  <p:timing>
+    <p:tnLst>
+      <p:par>
+        <p:cTn id="1" dur="indefinite" restart="never" nodeType="tmRoot"/>
+      </p:par>
+    </p:tnLst>
+  </p:timing>
 </p:sld>
 </file>
 
@@ -17383,7 +17228,14 @@
         <p:cNvGrpSpPr/>
         <p:nvPr/>
       </p:nvGrpSpPr>
-      <p:grpSpPr/>
+      <p:grpSpPr>
+        <a:xfrm>
+          <a:off x="0" y="0"/>
+          <a:ext cx="0" cy="0"/>
+          <a:chOff x="0" y="0"/>
+          <a:chExt cx="0" cy="0"/>
+        </a:xfrm>
+      </p:grpSpPr>
       <p:sp>
         <p:nvSpPr>
           <p:cNvPr id="2" name="标题 1"/>
@@ -17397,12 +17249,12 @@
         <p:spPr/>
         <p:txBody>
           <a:bodyPr/>
+          <a:lstStyle/>
           <a:p>
             <a:r>
               <a:rPr lang="zh-CN" altLang="en-US"/>
               <a:t>背景色</a:t>
             </a:r>
-            <a:endParaRPr lang="zh-CN" altLang="en-US"/>
           </a:p>
         </p:txBody>
       </p:sp>
@@ -17419,6 +17271,7 @@
         <p:spPr/>
         <p:txBody>
           <a:bodyPr/>
+          <a:lstStyle/>
           <a:p>
             <a:r>
               <a:t>background-color</a:t>
@@ -17453,7 +17306,6 @@
               <a:rPr lang="zh-CN"/>
               <a:t>色</a:t>
             </a:r>
-            <a:endParaRPr lang="zh-CN"/>
           </a:p>
           <a:p>
             <a:pPr lvl="1"/>
@@ -17481,9 +17333,6 @@
               </a:rPr>
               <a:t>；</a:t>
             </a:r>
-            <a:endParaRPr lang="zh-CN" altLang="en-US" dirty="0">
-              <a:sym typeface="+mn-ea"/>
-            </a:endParaRPr>
           </a:p>
           <a:p>
             <a:pPr lvl="1"/>
@@ -17497,6 +17346,7 @@
           </a:p>
           <a:p>
             <a:pPr lvl="1"/>
+            <a:endParaRPr lang="zh-CN" altLang="en-US" dirty="0"/>
           </a:p>
         </p:txBody>
       </p:sp>
@@ -17509,7 +17359,7 @@
           <p:nvPr/>
         </p:nvPicPr>
         <p:blipFill>
-          <a:blip r:embed="rId1"/>
+          <a:blip r:embed="rId2"/>
           <a:stretch>
             <a:fillRect/>
           </a:stretch>
@@ -17544,6 +17394,7 @@
           <a:bodyPr wrap="square" lIns="108850" tIns="54425" rIns="108850" bIns="54425" rtlCol="0">
             <a:spAutoFit/>
           </a:bodyPr>
+          <a:lstStyle/>
           <a:p>
             <a:r>
               <a:rPr lang="en-US" altLang="zh-CN" sz="2400" dirty="0" smtClean="0">
@@ -17564,11 +17415,11 @@
   <p:clrMapOvr>
     <a:masterClrMapping/>
   </p:clrMapOvr>
-  <mc:AlternateContent xmlns:mc="http://schemas.openxmlformats.org/markup-compatibility/2006">
-    <mc:Choice xmlns:p14="http://schemas.microsoft.com/office/powerpoint/2010/main" Requires="p14">
+  <mc:AlternateContent xmlns:mc="http://schemas.openxmlformats.org/markup-compatibility/2006" xmlns:p14="http://schemas.microsoft.com/office/powerpoint/2010/main">
+    <mc:Choice Requires="p14">
       <p:transition spd="slow" p14:dur="1600"/>
     </mc:Choice>
-    <mc:Fallback>
+    <mc:Fallback xmlns="">
       <p:transition spd="slow"/>
     </mc:Fallback>
   </mc:AlternateContent>
@@ -17796,7 +17647,14 @@
         <p:cNvGrpSpPr/>
         <p:nvPr/>
       </p:nvGrpSpPr>
-      <p:grpSpPr/>
+      <p:grpSpPr>
+        <a:xfrm>
+          <a:off x="0" y="0"/>
+          <a:ext cx="0" cy="0"/>
+          <a:chOff x="0" y="0"/>
+          <a:chExt cx="0" cy="0"/>
+        </a:xfrm>
+      </p:grpSpPr>
       <p:sp>
         <p:nvSpPr>
           <p:cNvPr id="2" name="标题 1"/>
@@ -17810,12 +17668,12 @@
         <p:spPr/>
         <p:txBody>
           <a:bodyPr/>
+          <a:lstStyle/>
           <a:p>
             <a:r>
               <a:rPr lang="zh-CN" altLang="en-US"/>
               <a:t>背景色</a:t>
             </a:r>
-            <a:endParaRPr lang="zh-CN" altLang="en-US"/>
           </a:p>
         </p:txBody>
       </p:sp>
@@ -17832,6 +17690,7 @@
         <p:spPr/>
         <p:txBody>
           <a:bodyPr/>
+          <a:lstStyle/>
           <a:p>
             <a:endParaRPr lang="zh-CN" altLang="en-US"/>
           </a:p>
@@ -17846,7 +17705,7 @@
           <p:nvPr/>
         </p:nvPicPr>
         <p:blipFill>
-          <a:blip r:embed="rId1">
+          <a:blip r:embed="rId2">
             <a:extLst>
               <a:ext uri="{28A0092B-C50C-407E-A947-70E740481C1C}">
                 <a14:useLocalDpi xmlns:a14="http://schemas.microsoft.com/office/drawing/2010/main" val="0"/>
@@ -17900,7 +17759,7 @@
           <p:nvPr/>
         </p:nvPicPr>
         <p:blipFill>
-          <a:blip r:embed="rId2">
+          <a:blip r:embed="rId3">
             <a:extLst>
               <a:ext uri="{28A0092B-C50C-407E-A947-70E740481C1C}">
                 <a14:useLocalDpi xmlns:a14="http://schemas.microsoft.com/office/drawing/2010/main" val="0"/>
@@ -17960,7 +17819,7 @@
           <p:nvPr/>
         </p:nvPicPr>
         <p:blipFill>
-          <a:blip r:embed="rId3">
+          <a:blip r:embed="rId4">
             <a:extLst>
               <a:ext uri="{28A0092B-C50C-407E-A947-70E740481C1C}">
                 <a14:useLocalDpi xmlns:a14="http://schemas.microsoft.com/office/drawing/2010/main" val="0"/>
@@ -18025,6 +17884,7 @@
           <a:bodyPr wrap="square" lIns="108850" tIns="54425" rIns="108850" bIns="54425" rtlCol="0">
             <a:spAutoFit/>
           </a:bodyPr>
+          <a:lstStyle/>
           <a:p>
             <a:r>
               <a:rPr lang="en-US" altLang="zh-CN" sz="2400" dirty="0" smtClean="0">
@@ -18045,11 +17905,11 @@
   <p:clrMapOvr>
     <a:masterClrMapping/>
   </p:clrMapOvr>
-  <mc:AlternateContent xmlns:mc="http://schemas.openxmlformats.org/markup-compatibility/2006">
-    <mc:Choice xmlns:p14="http://schemas.microsoft.com/office/powerpoint/2010/main" Requires="p14">
+  <mc:AlternateContent xmlns:mc="http://schemas.openxmlformats.org/markup-compatibility/2006" xmlns:p14="http://schemas.microsoft.com/office/powerpoint/2010/main">
+    <mc:Choice Requires="p14">
       <p:transition spd="slow" p14:dur="1600"/>
     </mc:Choice>
-    <mc:Fallback>
+    <mc:Fallback xmlns="">
       <p:transition spd="slow"/>
     </mc:Fallback>
   </mc:AlternateContent>
@@ -18186,7 +18046,14 @@
         <p:cNvGrpSpPr/>
         <p:nvPr/>
       </p:nvGrpSpPr>
-      <p:grpSpPr/>
+      <p:grpSpPr>
+        <a:xfrm>
+          <a:off x="0" y="0"/>
+          <a:ext cx="0" cy="0"/>
+          <a:chOff x="0" y="0"/>
+          <a:chExt cx="0" cy="0"/>
+        </a:xfrm>
+      </p:grpSpPr>
       <p:sp>
         <p:nvSpPr>
           <p:cNvPr id="2" name="标题 1"/>
@@ -18200,12 +18067,12 @@
         <p:spPr/>
         <p:txBody>
           <a:bodyPr/>
+          <a:lstStyle/>
           <a:p>
             <a:r>
               <a:rPr lang="zh-CN" altLang="en-US"/>
               <a:t>背景图片</a:t>
             </a:r>
-            <a:endParaRPr lang="zh-CN" altLang="en-US"/>
           </a:p>
         </p:txBody>
       </p:sp>
@@ -18222,64 +18089,77 @@
         <p:spPr/>
         <p:txBody>
           <a:bodyPr/>
-          <a:p>
-            <a:r>
+          <a:lstStyle/>
+          <a:p>
+            <a:r>
+              <a:rPr dirty="0"/>
               <a:t>background-image</a:t>
             </a:r>
           </a:p>
           <a:p>
             <a:pPr lvl="1"/>
             <a:r>
-              <a:t>设置一个背景图像，必须为这个属性设置一个 URL 值</a:t>
+              <a:rPr dirty="0" err="1"/>
+              <a:t>设置一个背景图像，必须为这个属性设置一个</a:t>
+            </a:r>
+            <a:r>
+              <a:rPr dirty="0"/>
+              <a:t> URL 值</a:t>
             </a:r>
           </a:p>
           <a:p>
             <a:pPr lvl="1"/>
             <a:r>
-              <a:rPr lang="en-US">
+              <a:rPr lang="en-US" dirty="0">
                 <a:sym typeface="+mn-ea"/>
               </a:rPr>
               <a:t>p</a:t>
             </a:r>
             <a:r>
-              <a:rPr>
+              <a:rPr dirty="0">
                 <a:sym typeface="+mn-ea"/>
               </a:rPr>
               <a:t> { background-image: </a:t>
             </a:r>
             <a:r>
-              <a:rPr b="1">
+              <a:rPr b="1" dirty="0" err="1">
                 <a:solidFill>
                   <a:srgbClr val="C00000"/>
                 </a:solidFill>
                 <a:sym typeface="+mn-ea"/>
               </a:rPr>
-              <a:t>url(</a:t>
-            </a:r>
-            <a:r>
-              <a:rPr lang="en-US">
-                <a:sym typeface="+mn-ea"/>
-              </a:rPr>
-              <a:t>image/1.png</a:t>
-            </a:r>
-            <a:r>
-              <a:rPr b="1">
+              <a:t>url</a:t>
+            </a:r>
+            <a:r>
+              <a:rPr b="1" dirty="0">
                 <a:solidFill>
                   <a:srgbClr val="C00000"/>
                 </a:solidFill>
                 <a:sym typeface="+mn-ea"/>
               </a:rPr>
+              <a:t>(</a:t>
+            </a:r>
+            <a:r>
+              <a:rPr lang="en-US" dirty="0">
+                <a:sym typeface="+mn-ea"/>
+              </a:rPr>
+              <a:t>image/1.png</a:t>
+            </a:r>
+            <a:r>
+              <a:rPr b="1" dirty="0">
+                <a:solidFill>
+                  <a:srgbClr val="C00000"/>
+                </a:solidFill>
+                <a:sym typeface="+mn-ea"/>
+              </a:rPr>
               <a:t>)</a:t>
             </a:r>
             <a:r>
-              <a:rPr>
+              <a:rPr dirty="0">
                 <a:sym typeface="+mn-ea"/>
               </a:rPr>
               <a:t>;}</a:t>
             </a:r>
-            <a:endParaRPr>
-              <a:sym typeface="+mn-ea"/>
-            </a:endParaRPr>
           </a:p>
           <a:p>
             <a:pPr lvl="2"/>
@@ -18328,7 +18208,16 @@
                 </a:solidFill>
                 <a:sym typeface="+mn-ea"/>
               </a:rPr>
-              <a:t>D:/image/bg.jpg</a:t>
+              <a:t>D:/</a:t>
+            </a:r>
+            <a:r>
+              <a:rPr lang="en-US" altLang="zh-CN" strike="sngStrike" dirty="0" smtClean="0">
+                <a:solidFill>
+                  <a:srgbClr val="C00000"/>
+                </a:solidFill>
+                <a:sym typeface="+mn-ea"/>
+              </a:rPr>
+              <a:t>image/bg.jpg</a:t>
             </a:r>
             <a:endParaRPr lang="en-US" altLang="zh-CN" strike="sngStrike" dirty="0" smtClean="0">
               <a:solidFill>
@@ -18336,9 +18225,6 @@
               </a:solidFill>
               <a:sym typeface="+mn-ea"/>
             </a:endParaRPr>
-          </a:p>
-          <a:p>
-            <a:pPr lvl="1"/>
           </a:p>
         </p:txBody>
       </p:sp>
@@ -18376,6 +18262,7 @@
             <a:bodyPr wrap="square" rtlCol="0">
               <a:spAutoFit/>
             </a:bodyPr>
+            <a:lstStyle/>
             <a:p>
               <a:r>
                 <a:rPr lang="zh-CN" altLang="en-US" sz="2400" dirty="0">
@@ -18387,13 +18274,6 @@
                 </a:rPr>
                 <a:t>路径</a:t>
               </a:r>
-              <a:endParaRPr lang="zh-CN" altLang="en-US" sz="2400" dirty="0">
-                <a:solidFill>
-                  <a:srgbClr val="C00000"/>
-                </a:solidFill>
-                <a:latin typeface="微软雅黑" panose="020B0503020204020204" pitchFamily="34" charset="-122"/>
-                <a:ea typeface="微软雅黑" panose="020B0503020204020204" pitchFamily="34" charset="-122"/>
-              </a:endParaRPr>
             </a:p>
           </p:txBody>
         </p:sp>
@@ -18439,6 +18319,7 @@
           </p:style>
           <p:txBody>
             <a:bodyPr rtlCol="0" anchor="ctr"/>
+            <a:lstStyle/>
             <a:p>
               <a:pPr algn="ctr"/>
               <a:endParaRPr lang="zh-CN" altLang="en-US" sz="2400"/>
@@ -18466,6 +18347,7 @@
           <a:bodyPr wrap="square" lIns="108850" tIns="54425" rIns="108850" bIns="54425" rtlCol="0">
             <a:spAutoFit/>
           </a:bodyPr>
+          <a:lstStyle/>
           <a:p>
             <a:r>
               <a:rPr lang="en-US" altLang="zh-CN" sz="2400" dirty="0" smtClean="0">
@@ -18486,11 +18368,11 @@
   <p:clrMapOvr>
     <a:masterClrMapping/>
   </p:clrMapOvr>
-  <mc:AlternateContent xmlns:mc="http://schemas.openxmlformats.org/markup-compatibility/2006">
-    <mc:Choice xmlns:p14="http://schemas.microsoft.com/office/powerpoint/2010/main" Requires="p14">
+  <mc:AlternateContent xmlns:mc="http://schemas.openxmlformats.org/markup-compatibility/2006" xmlns:p14="http://schemas.microsoft.com/office/powerpoint/2010/main">
+    <mc:Choice Requires="p14">
       <p:transition spd="slow" p14:dur="1600"/>
     </mc:Choice>
-    <mc:Fallback>
+    <mc:Fallback xmlns="">
       <p:transition spd="slow"/>
     </mc:Fallback>
   </mc:AlternateContent>
@@ -18736,7 +18618,14 @@
         <p:cNvGrpSpPr/>
         <p:nvPr/>
       </p:nvGrpSpPr>
-      <p:grpSpPr/>
+      <p:grpSpPr>
+        <a:xfrm>
+          <a:off x="0" y="0"/>
+          <a:ext cx="0" cy="0"/>
+          <a:chOff x="0" y="0"/>
+          <a:chExt cx="0" cy="0"/>
+        </a:xfrm>
+      </p:grpSpPr>
       <p:sp>
         <p:nvSpPr>
           <p:cNvPr id="2" name="标题 1"/>
@@ -18750,12 +18639,12 @@
         <p:spPr/>
         <p:txBody>
           <a:bodyPr/>
+          <a:lstStyle/>
           <a:p>
             <a:r>
               <a:rPr lang="zh-CN" altLang="en-US"/>
               <a:t>背景图片</a:t>
             </a:r>
-            <a:endParaRPr lang="zh-CN" altLang="en-US"/>
           </a:p>
         </p:txBody>
       </p:sp>
@@ -18772,6 +18661,7 @@
         <p:spPr/>
         <p:txBody>
           <a:bodyPr/>
+          <a:lstStyle/>
           <a:p>
             <a:r>
               <a:rPr lang="zh-CN" altLang="en-US">
@@ -18779,9 +18669,6 @@
               </a:rPr>
               <a:t>如何对背景图片做一下设置？</a:t>
             </a:r>
-            <a:endParaRPr lang="zh-CN" altLang="en-US">
-              <a:sym typeface="+mn-ea"/>
-            </a:endParaRPr>
           </a:p>
           <a:p>
             <a:pPr lvl="1"/>
@@ -18791,9 +18678,6 @@
               </a:rPr>
               <a:t>根据指定要求进行平铺</a:t>
             </a:r>
-            <a:endParaRPr lang="zh-CN" altLang="en-US" dirty="0">
-              <a:sym typeface="+mn-ea"/>
-            </a:endParaRPr>
           </a:p>
           <a:p>
             <a:pPr lvl="1"/>
@@ -18813,7 +18697,11 @@
               <a:sym typeface="+mn-ea"/>
             </a:endParaRPr>
           </a:p>
-          <a:p/>
+          <a:p>
+            <a:endParaRPr lang="zh-CN" altLang="en-US" dirty="0">
+              <a:sym typeface="+mn-ea"/>
+            </a:endParaRPr>
+          </a:p>
         </p:txBody>
       </p:sp>
       <p:pic>
@@ -18825,7 +18713,7 @@
           <p:nvPr/>
         </p:nvPicPr>
         <p:blipFill>
-          <a:blip r:embed="rId1">
+          <a:blip r:embed="rId2">
             <a:extLst>
               <a:ext uri="{28A0092B-C50C-407E-A947-70E740481C1C}">
                 <a14:useLocalDpi xmlns:a14="http://schemas.microsoft.com/office/drawing/2010/main" val="0"/>
@@ -18885,14 +18773,21 @@
   <p:clrMapOvr>
     <a:masterClrMapping/>
   </p:clrMapOvr>
-  <mc:AlternateContent xmlns:mc="http://schemas.openxmlformats.org/markup-compatibility/2006">
-    <mc:Choice xmlns:p14="http://schemas.microsoft.com/office/powerpoint/2010/main" Requires="p14">
+  <mc:AlternateContent xmlns:mc="http://schemas.openxmlformats.org/markup-compatibility/2006" xmlns:p14="http://schemas.microsoft.com/office/powerpoint/2010/main">
+    <mc:Choice Requires="p14">
       <p:transition spd="slow" p14:dur="1600"/>
     </mc:Choice>
-    <mc:Fallback>
+    <mc:Fallback xmlns="">
       <p:transition spd="slow"/>
     </mc:Fallback>
   </mc:AlternateContent>
+  <p:timing>
+    <p:tnLst>
+      <p:par>
+        <p:cTn id="1" dur="indefinite" restart="never" nodeType="tmRoot"/>
+      </p:par>
+    </p:tnLst>
+  </p:timing>
 </p:sld>
 </file>
 
@@ -18905,7 +18800,14 @@
         <p:cNvGrpSpPr/>
         <p:nvPr/>
       </p:nvGrpSpPr>
-      <p:grpSpPr/>
+      <p:grpSpPr>
+        <a:xfrm>
+          <a:off x="0" y="0"/>
+          <a:ext cx="0" cy="0"/>
+          <a:chOff x="0" y="0"/>
+          <a:chExt cx="0" cy="0"/>
+        </a:xfrm>
+      </p:grpSpPr>
       <p:sp>
         <p:nvSpPr>
           <p:cNvPr id="2" name="标题 1"/>
@@ -18919,12 +18821,12 @@
         <p:spPr/>
         <p:txBody>
           <a:bodyPr/>
+          <a:lstStyle/>
           <a:p>
             <a:r>
               <a:rPr lang="zh-CN" altLang="en-US"/>
               <a:t>背景重铺</a:t>
             </a:r>
-            <a:endParaRPr lang="zh-CN" altLang="en-US"/>
           </a:p>
         </p:txBody>
       </p:sp>
@@ -18941,6 +18843,7 @@
         <p:spPr/>
         <p:txBody>
           <a:bodyPr/>
+          <a:lstStyle/>
           <a:p>
             <a:r>
               <a:rPr>
@@ -18948,9 +18851,6 @@
               </a:rPr>
               <a:t>background-repeat	</a:t>
             </a:r>
-            <a:endParaRPr>
-              <a:sym typeface="+mn-ea"/>
-            </a:endParaRPr>
           </a:p>
           <a:p>
             <a:pPr lvl="1"/>
@@ -18958,7 +18858,6 @@
               <a:rPr lang="zh-CN" altLang="en-US"/>
               <a:t>设置图像的平铺模式</a:t>
             </a:r>
-            <a:endParaRPr lang="zh-CN" altLang="en-US"/>
           </a:p>
           <a:p>
             <a:pPr lvl="1"/>
@@ -18966,7 +18865,6 @@
               <a:rPr lang="zh-CN" altLang="en-US"/>
               <a:t>属性值：</a:t>
             </a:r>
-            <a:endParaRPr lang="zh-CN" altLang="en-US"/>
           </a:p>
         </p:txBody>
       </p:sp>
@@ -18979,7 +18877,7 @@
           <p:nvPr/>
         </p:nvPicPr>
         <p:blipFill>
-          <a:blip r:embed="rId1">
+          <a:blip r:embed="rId2">
             <a:extLst>
               <a:ext uri="{28A0092B-C50C-407E-A947-70E740481C1C}">
                 <a14:useLocalDpi xmlns:a14="http://schemas.microsoft.com/office/drawing/2010/main" val="0"/>
@@ -19045,6 +18943,7 @@
           <a:bodyPr wrap="square" lIns="108850" tIns="54425" rIns="108850" bIns="54425" rtlCol="0">
             <a:spAutoFit/>
           </a:bodyPr>
+          <a:lstStyle/>
           <a:p>
             <a:r>
               <a:rPr lang="en-US" altLang="zh-CN" sz="2400" dirty="0">
@@ -19053,10 +18952,6 @@
               </a:rPr>
               <a:t>body{</a:t>
             </a:r>
-            <a:endParaRPr lang="en-US" altLang="zh-CN" sz="2400" dirty="0">
-              <a:latin typeface="微软雅黑" panose="020B0503020204020204" pitchFamily="34" charset="-122"/>
-              <a:ea typeface="微软雅黑" panose="020B0503020204020204" pitchFamily="34" charset="-122"/>
-            </a:endParaRPr>
           </a:p>
           <a:p>
             <a:pPr fontAlgn="auto">
@@ -19088,10 +18983,6 @@
               </a:rPr>
               <a:t>(bg.jpg);</a:t>
             </a:r>
-            <a:endParaRPr lang="en-US" altLang="zh-CN" sz="2400" dirty="0">
-              <a:latin typeface="微软雅黑" panose="020B0503020204020204" pitchFamily="34" charset="-122"/>
-              <a:ea typeface="微软雅黑" panose="020B0503020204020204" pitchFamily="34" charset="-122"/>
-            </a:endParaRPr>
           </a:p>
           <a:p>
             <a:pPr fontAlgn="auto">
@@ -19116,13 +19007,6 @@
               </a:rPr>
               <a:t>background-repeat : repeat-x;</a:t>
             </a:r>
-            <a:endParaRPr lang="en-US" altLang="zh-CN" sz="2400" dirty="0">
-              <a:solidFill>
-                <a:srgbClr val="C00000"/>
-              </a:solidFill>
-              <a:latin typeface="微软雅黑" panose="020B0503020204020204" pitchFamily="34" charset="-122"/>
-              <a:ea typeface="微软雅黑" panose="020B0503020204020204" pitchFamily="34" charset="-122"/>
-            </a:endParaRPr>
           </a:p>
           <a:p>
             <a:r>
@@ -19144,11 +19028,11 @@
   <p:clrMapOvr>
     <a:masterClrMapping/>
   </p:clrMapOvr>
-  <mc:AlternateContent xmlns:mc="http://schemas.openxmlformats.org/markup-compatibility/2006">
-    <mc:Choice xmlns:p14="http://schemas.microsoft.com/office/powerpoint/2010/main" Requires="p14">
+  <mc:AlternateContent xmlns:mc="http://schemas.openxmlformats.org/markup-compatibility/2006" xmlns:p14="http://schemas.microsoft.com/office/powerpoint/2010/main">
+    <mc:Choice Requires="p14">
       <p:transition spd="slow" p14:dur="1600"/>
     </mc:Choice>
-    <mc:Fallback>
+    <mc:Fallback xmlns="">
       <p:transition spd="slow"/>
     </mc:Fallback>
   </mc:AlternateContent>
@@ -19242,7 +19126,14 @@
         <p:cNvGrpSpPr/>
         <p:nvPr/>
       </p:nvGrpSpPr>
-      <p:grpSpPr/>
+      <p:grpSpPr>
+        <a:xfrm>
+          <a:off x="0" y="0"/>
+          <a:ext cx="0" cy="0"/>
+          <a:chOff x="0" y="0"/>
+          <a:chExt cx="0" cy="0"/>
+        </a:xfrm>
+      </p:grpSpPr>
       <p:sp>
         <p:nvSpPr>
           <p:cNvPr id="2" name="标题 1"/>
@@ -19256,12 +19147,12 @@
         <p:spPr/>
         <p:txBody>
           <a:bodyPr/>
+          <a:lstStyle/>
           <a:p>
             <a:r>
               <a:rPr lang="zh-CN" altLang="en-US"/>
               <a:t>引言</a:t>
             </a:r>
-            <a:endParaRPr lang="zh-CN" altLang="en-US"/>
           </a:p>
         </p:txBody>
       </p:sp>
@@ -19278,6 +19169,7 @@
         <p:spPr/>
         <p:txBody>
           <a:bodyPr/>
+          <a:lstStyle/>
           <a:p>
             <a:r>
               <a:rPr lang="zh-CN" altLang="en-US">
@@ -19301,7 +19193,11 @@
               <a:ea typeface="微软雅黑" panose="020B0503020204020204" pitchFamily="34" charset="-122"/>
             </a:endParaRPr>
           </a:p>
-          <a:p/>
+          <a:p>
+            <a:endParaRPr lang="en-US" altLang="zh-CN" dirty="0">
+              <a:ea typeface="微软雅黑" panose="020B0503020204020204" pitchFamily="34" charset="-122"/>
+            </a:endParaRPr>
+          </a:p>
         </p:txBody>
       </p:sp>
       <p:pic>
@@ -19313,7 +19209,7 @@
           <p:nvPr/>
         </p:nvPicPr>
         <p:blipFill>
-          <a:blip r:embed="rId1" cstate="print">
+          <a:blip r:embed="rId2" cstate="print">
             <a:extLst>
               <a:ext uri="{28A0092B-C50C-407E-A947-70E740481C1C}">
                 <a14:useLocalDpi xmlns:a14="http://schemas.microsoft.com/office/drawing/2010/main" val="0"/>
@@ -19372,6 +19268,7 @@
           <a:bodyPr wrap="square" lIns="108850" tIns="54425" rIns="108850" bIns="54425" rtlCol="0">
             <a:spAutoFit/>
           </a:bodyPr>
+          <a:lstStyle/>
           <a:p>
             <a:r>
               <a:rPr lang="en-US" altLang="zh-CN" dirty="0">
@@ -19387,10 +19284,6 @@
               </a:rPr>
               <a:t>表达了企业人士和学院教师不同的态度与认知，并互相吸取了经验以完善和更新自身的知识结构，提升自我，并促进教学能力水平的不断提高。</a:t>
             </a:r>
-            <a:endParaRPr lang="zh-CN" altLang="en-US" dirty="0">
-              <a:latin typeface="华文楷体" panose="02010600040101010101" pitchFamily="2" charset="-122"/>
-              <a:ea typeface="华文楷体" panose="02010600040101010101" pitchFamily="2" charset="-122"/>
-            </a:endParaRPr>
           </a:p>
         </p:txBody>
       </p:sp>
@@ -19433,6 +19326,7 @@
         </p:style>
         <p:txBody>
           <a:bodyPr lIns="108850" tIns="54425" rIns="108850" bIns="54425" rtlCol="0" anchor="ctr"/>
+          <a:lstStyle/>
           <a:p>
             <a:pPr algn="ctr"/>
             <a:r>
@@ -19443,11 +19337,6 @@
               </a:rPr>
               <a:t>字体</a:t>
             </a:r>
-            <a:endParaRPr lang="zh-CN" altLang="en-US" sz="2900" b="1">
-              <a:solidFill>
-                <a:schemeClr val="tx1"/>
-              </a:solidFill>
-            </a:endParaRPr>
           </a:p>
         </p:txBody>
       </p:sp>
@@ -19490,6 +19379,7 @@
         </p:style>
         <p:txBody>
           <a:bodyPr lIns="108850" tIns="54425" rIns="108850" bIns="54425" rtlCol="0" anchor="ctr"/>
+          <a:lstStyle/>
           <a:p>
             <a:pPr algn="ctr"/>
             <a:r>
@@ -19500,11 +19390,6 @@
               </a:rPr>
               <a:t>字体大小</a:t>
             </a:r>
-            <a:endParaRPr lang="zh-CN" altLang="en-US" sz="2900" b="1">
-              <a:solidFill>
-                <a:schemeClr val="tx1"/>
-              </a:solidFill>
-            </a:endParaRPr>
           </a:p>
         </p:txBody>
       </p:sp>
@@ -19547,6 +19432,7 @@
         </p:style>
         <p:txBody>
           <a:bodyPr lIns="108850" tIns="54425" rIns="108850" bIns="54425" rtlCol="0" anchor="ctr"/>
+          <a:lstStyle/>
           <a:p>
             <a:pPr algn="ctr"/>
             <a:r>
@@ -19557,11 +19443,6 @@
               </a:rPr>
               <a:t>字体颜色</a:t>
             </a:r>
-            <a:endParaRPr lang="zh-CN" altLang="en-US" sz="2900" b="1">
-              <a:solidFill>
-                <a:schemeClr val="tx1"/>
-              </a:solidFill>
-            </a:endParaRPr>
           </a:p>
         </p:txBody>
       </p:sp>
@@ -19604,6 +19485,7 @@
         </p:style>
         <p:txBody>
           <a:bodyPr lIns="108850" tIns="54425" rIns="108850" bIns="54425" rtlCol="0" anchor="ctr"/>
+          <a:lstStyle/>
           <a:p>
             <a:pPr algn="ctr"/>
             <a:r>
@@ -19614,11 +19496,6 @@
               </a:rPr>
               <a:t>加粗</a:t>
             </a:r>
-            <a:endParaRPr lang="zh-CN" altLang="en-US" sz="2900" b="1">
-              <a:solidFill>
-                <a:schemeClr val="tx1"/>
-              </a:solidFill>
-            </a:endParaRPr>
           </a:p>
         </p:txBody>
       </p:sp>
@@ -19661,6 +19538,7 @@
         </p:style>
         <p:txBody>
           <a:bodyPr lIns="108850" tIns="54425" rIns="108850" bIns="54425" rtlCol="0" anchor="ctr"/>
+          <a:lstStyle/>
           <a:p>
             <a:pPr algn="ctr"/>
             <a:r>
@@ -19671,11 +19549,6 @@
               </a:rPr>
               <a:t>倾斜</a:t>
             </a:r>
-            <a:endParaRPr lang="zh-CN" altLang="en-US" sz="2900" b="1">
-              <a:solidFill>
-                <a:schemeClr val="tx1"/>
-              </a:solidFill>
-            </a:endParaRPr>
           </a:p>
         </p:txBody>
       </p:sp>
@@ -19718,6 +19591,7 @@
         </p:style>
         <p:txBody>
           <a:bodyPr lIns="108850" tIns="54425" rIns="108850" bIns="54425" rtlCol="0" anchor="ctr"/>
+          <a:lstStyle/>
           <a:p>
             <a:pPr algn="ctr"/>
             <a:r>
@@ -19728,11 +19602,6 @@
               </a:rPr>
               <a:t>上划线</a:t>
             </a:r>
-            <a:endParaRPr lang="zh-CN" altLang="en-US" sz="2900" b="1">
-              <a:solidFill>
-                <a:schemeClr val="tx1"/>
-              </a:solidFill>
-            </a:endParaRPr>
           </a:p>
         </p:txBody>
       </p:sp>
@@ -19775,6 +19644,7 @@
         </p:style>
         <p:txBody>
           <a:bodyPr lIns="108850" tIns="54425" rIns="108850" bIns="54425" rtlCol="0" anchor="ctr"/>
+          <a:lstStyle/>
           <a:p>
             <a:pPr algn="ctr"/>
             <a:r>
@@ -19785,11 +19655,6 @@
               </a:rPr>
               <a:t>下划线</a:t>
             </a:r>
-            <a:endParaRPr lang="zh-CN" altLang="en-US" sz="2900" b="1">
-              <a:solidFill>
-                <a:schemeClr val="tx1"/>
-              </a:solidFill>
-            </a:endParaRPr>
           </a:p>
         </p:txBody>
       </p:sp>
@@ -19832,6 +19697,7 @@
         </p:style>
         <p:txBody>
           <a:bodyPr lIns="108850" tIns="54425" rIns="108850" bIns="54425" rtlCol="0" anchor="ctr"/>
+          <a:lstStyle/>
           <a:p>
             <a:pPr algn="ctr"/>
             <a:r>
@@ -19842,11 +19708,6 @@
               </a:rPr>
               <a:t>删除线</a:t>
             </a:r>
-            <a:endParaRPr lang="zh-CN" altLang="en-US" sz="2900" b="1">
-              <a:solidFill>
-                <a:schemeClr val="tx1"/>
-              </a:solidFill>
-            </a:endParaRPr>
           </a:p>
         </p:txBody>
       </p:sp>
@@ -19889,6 +19750,7 @@
         </p:style>
         <p:txBody>
           <a:bodyPr lIns="108850" tIns="54425" rIns="108850" bIns="54425" rtlCol="0" anchor="ctr"/>
+          <a:lstStyle/>
           <a:p>
             <a:pPr algn="ctr"/>
             <a:r>
@@ -19899,11 +19761,6 @@
               </a:rPr>
               <a:t>缩进</a:t>
             </a:r>
-            <a:endParaRPr lang="zh-CN" altLang="en-US" sz="2900" b="1">
-              <a:solidFill>
-                <a:schemeClr val="tx1"/>
-              </a:solidFill>
-            </a:endParaRPr>
           </a:p>
         </p:txBody>
       </p:sp>
@@ -19946,6 +19803,7 @@
         </p:style>
         <p:txBody>
           <a:bodyPr lIns="108850" tIns="54425" rIns="108850" bIns="54425" rtlCol="0" anchor="ctr"/>
+          <a:lstStyle/>
           <a:p>
             <a:pPr algn="ctr"/>
             <a:r>
@@ -19956,11 +19814,6 @@
               </a:rPr>
               <a:t>对齐</a:t>
             </a:r>
-            <a:endParaRPr lang="zh-CN" altLang="en-US" sz="2900" b="1">
-              <a:solidFill>
-                <a:schemeClr val="tx1"/>
-              </a:solidFill>
-            </a:endParaRPr>
           </a:p>
         </p:txBody>
       </p:sp>
@@ -20003,6 +19856,7 @@
         </p:style>
         <p:txBody>
           <a:bodyPr lIns="108850" tIns="54425" rIns="108850" bIns="54425" rtlCol="0" anchor="ctr"/>
+          <a:lstStyle/>
           <a:p>
             <a:pPr algn="ctr"/>
             <a:r>
@@ -20013,11 +19867,6 @@
               </a:rPr>
               <a:t>行高</a:t>
             </a:r>
-            <a:endParaRPr lang="zh-CN" altLang="en-US" sz="2900" b="1">
-              <a:solidFill>
-                <a:schemeClr val="tx1"/>
-              </a:solidFill>
-            </a:endParaRPr>
           </a:p>
         </p:txBody>
       </p:sp>
@@ -20060,6 +19909,7 @@
         </p:style>
         <p:txBody>
           <a:bodyPr lIns="108850" tIns="54425" rIns="108850" bIns="54425" rtlCol="0" anchor="ctr"/>
+          <a:lstStyle/>
           <a:p>
             <a:pPr algn="ctr"/>
             <a:r>
@@ -20087,7 +19937,7 @@
           <p:nvPr/>
         </p:nvPicPr>
         <p:blipFill>
-          <a:blip r:embed="rId2">
+          <a:blip r:embed="rId3">
             <a:extLst>
               <a:ext uri="{28A0092B-C50C-407E-A947-70E740481C1C}">
                 <a14:useLocalDpi xmlns:a14="http://schemas.microsoft.com/office/drawing/2010/main" val="0"/>
@@ -20144,11 +19994,11 @@
   <p:clrMapOvr>
     <a:masterClrMapping/>
   </p:clrMapOvr>
-  <mc:AlternateContent xmlns:mc="http://schemas.openxmlformats.org/markup-compatibility/2006">
-    <mc:Choice xmlns:p14="http://schemas.microsoft.com/office/powerpoint/2010/main" Requires="p14">
+  <mc:AlternateContent xmlns:mc="http://schemas.openxmlformats.org/markup-compatibility/2006" xmlns:p14="http://schemas.microsoft.com/office/powerpoint/2010/main">
+    <mc:Choice Requires="p14">
       <p:transition spd="slow" p14:dur="1600"/>
     </mc:Choice>
-    <mc:Fallback>
+    <mc:Fallback xmlns="">
       <p:transition spd="slow"/>
     </mc:Fallback>
   </mc:AlternateContent>
@@ -20887,7 +20737,14 @@
         <p:cNvGrpSpPr/>
         <p:nvPr/>
       </p:nvGrpSpPr>
-      <p:grpSpPr/>
+      <p:grpSpPr>
+        <a:xfrm>
+          <a:off x="0" y="0"/>
+          <a:ext cx="0" cy="0"/>
+          <a:chOff x="0" y="0"/>
+          <a:chExt cx="0" cy="0"/>
+        </a:xfrm>
+      </p:grpSpPr>
       <p:sp>
         <p:nvSpPr>
           <p:cNvPr id="2" name="标题 1"/>
@@ -20901,12 +20758,12 @@
         <p:spPr/>
         <p:txBody>
           <a:bodyPr/>
+          <a:lstStyle/>
           <a:p>
             <a:r>
               <a:rPr lang="zh-CN" altLang="en-US"/>
               <a:t>背景定位</a:t>
             </a:r>
-            <a:endParaRPr lang="zh-CN" altLang="en-US"/>
           </a:p>
         </p:txBody>
       </p:sp>
@@ -20925,6 +20782,7 @@
           <a:bodyPr>
             <a:normAutofit/>
           </a:bodyPr>
+          <a:lstStyle/>
           <a:p>
             <a:r>
               <a:t>background-position</a:t>
@@ -20960,9 +20818,6 @@
               </a:rPr>
               <a:t>属性值：</a:t>
             </a:r>
-            <a:endParaRPr lang="zh-CN" sz="2400">
-              <a:sym typeface="+mn-ea"/>
-            </a:endParaRPr>
           </a:p>
           <a:p>
             <a:pPr lvl="2"/>
@@ -20975,12 +20830,6 @@
               </a:rPr>
               <a:t>关键字</a:t>
             </a:r>
-            <a:endParaRPr lang="zh-CN">
-              <a:solidFill>
-                <a:srgbClr val="FF0000"/>
-              </a:solidFill>
-              <a:sym typeface="+mn-ea"/>
-            </a:endParaRPr>
           </a:p>
           <a:p>
             <a:pPr lvl="2"/>
@@ -20993,12 +20842,6 @@
               </a:rPr>
               <a:t>百分比</a:t>
             </a:r>
-            <a:endParaRPr lang="zh-CN">
-              <a:solidFill>
-                <a:srgbClr val="FF0000"/>
-              </a:solidFill>
-              <a:sym typeface="+mn-ea"/>
-            </a:endParaRPr>
           </a:p>
           <a:p>
             <a:pPr lvl="2"/>
@@ -21011,12 +20854,6 @@
               </a:rPr>
               <a:t>长度值</a:t>
             </a:r>
-            <a:endParaRPr lang="zh-CN">
-              <a:solidFill>
-                <a:srgbClr val="FF0000"/>
-              </a:solidFill>
-              <a:sym typeface="+mn-ea"/>
-            </a:endParaRPr>
           </a:p>
           <a:p>
             <a:r>
@@ -21055,6 +20892,7 @@
           <a:bodyPr wrap="square" lIns="108850" tIns="54425" rIns="108850" bIns="54425" rtlCol="0">
             <a:spAutoFit/>
           </a:bodyPr>
+          <a:lstStyle/>
           <a:p>
             <a:r>
               <a:rPr lang="en-US" altLang="zh-CN" sz="2400" dirty="0" smtClean="0">
@@ -21075,11 +20913,11 @@
   <p:clrMapOvr>
     <a:masterClrMapping/>
   </p:clrMapOvr>
-  <mc:AlternateContent xmlns:mc="http://schemas.openxmlformats.org/markup-compatibility/2006">
-    <mc:Choice xmlns:p14="http://schemas.microsoft.com/office/powerpoint/2010/main" Requires="p14">
+  <mc:AlternateContent xmlns:mc="http://schemas.openxmlformats.org/markup-compatibility/2006" xmlns:p14="http://schemas.microsoft.com/office/powerpoint/2010/main">
+    <mc:Choice Requires="p14">
       <p:transition spd="slow" p14:dur="1600"/>
     </mc:Choice>
-    <mc:Fallback>
+    <mc:Fallback xmlns="">
       <p:transition spd="slow"/>
     </mc:Fallback>
   </mc:AlternateContent>
@@ -21186,7 +21024,14 @@
         <p:cNvGrpSpPr/>
         <p:nvPr/>
       </p:nvGrpSpPr>
-      <p:grpSpPr/>
+      <p:grpSpPr>
+        <a:xfrm>
+          <a:off x="0" y="0"/>
+          <a:ext cx="0" cy="0"/>
+          <a:chOff x="0" y="0"/>
+          <a:chExt cx="0" cy="0"/>
+        </a:xfrm>
+      </p:grpSpPr>
       <p:sp>
         <p:nvSpPr>
           <p:cNvPr id="2" name="标题 1"/>
@@ -21200,6 +21045,7 @@
         <p:spPr/>
         <p:txBody>
           <a:bodyPr/>
+          <a:lstStyle/>
           <a:p>
             <a:r>
               <a:rPr lang="zh-CN" altLang="en-US"/>
@@ -21222,6 +21068,7 @@
         <p:spPr/>
         <p:txBody>
           <a:bodyPr/>
+          <a:lstStyle/>
           <a:p>
             <a:r>
               <a:rPr>
@@ -21244,6 +21091,8 @@
               </a:rPr>
               <a:t>；</a:t>
             </a:r>
+          </a:p>
+          <a:p>
             <a:endParaRPr lang="zh-CN" altLang="en-US">
               <a:sym typeface="+mn-ea"/>
             </a:endParaRPr>
@@ -21264,11 +21113,6 @@
             </a:endParaRPr>
           </a:p>
           <a:p>
-            <a:endParaRPr lang="zh-CN" altLang="en-US">
-              <a:sym typeface="+mn-ea"/>
-            </a:endParaRPr>
-          </a:p>
-          <a:p>
             <a:r>
               <a:rPr lang="zh-CN" altLang="en-US">
                 <a:sym typeface="+mn-ea"/>
@@ -21292,7 +21136,9 @@
           <a:p>
             <a:endParaRPr lang="zh-CN" altLang="en-US"/>
           </a:p>
-          <a:p/>
+          <a:p>
+            <a:endParaRPr lang="zh-CN" altLang="en-US"/>
+          </a:p>
         </p:txBody>
       </p:sp>
       <p:sp>
@@ -21315,6 +21161,7 @@
           <a:bodyPr wrap="square" lIns="108850" tIns="54425" rIns="108850" bIns="54425" rtlCol="0">
             <a:spAutoFit/>
           </a:bodyPr>
+          <a:lstStyle/>
           <a:p>
             <a:pPr fontAlgn="auto">
               <a:spcBef>
@@ -21527,7 +21374,7 @@
           <p:nvPr/>
         </p:nvPicPr>
         <p:blipFill>
-          <a:blip r:embed="rId1"/>
+          <a:blip r:embed="rId2"/>
           <a:stretch>
             <a:fillRect/>
           </a:stretch>
@@ -21570,6 +21417,7 @@
           <a:bodyPr wrap="square" lIns="108850" tIns="54425" rIns="108850" bIns="54425" rtlCol="0">
             <a:spAutoFit/>
           </a:bodyPr>
+          <a:lstStyle/>
           <a:p>
             <a:r>
               <a:rPr lang="en-US" altLang="zh-CN" sz="2400" dirty="0" smtClean="0">
@@ -21590,11 +21438,11 @@
   <p:clrMapOvr>
     <a:masterClrMapping/>
   </p:clrMapOvr>
-  <mc:AlternateContent xmlns:mc="http://schemas.openxmlformats.org/markup-compatibility/2006">
-    <mc:Choice xmlns:p14="http://schemas.microsoft.com/office/powerpoint/2010/main" Requires="p14">
+  <mc:AlternateContent xmlns:mc="http://schemas.openxmlformats.org/markup-compatibility/2006" xmlns:p14="http://schemas.microsoft.com/office/powerpoint/2010/main">
+    <mc:Choice Requires="p14">
       <p:transition spd="slow" p14:dur="1600"/>
     </mc:Choice>
-    <mc:Fallback>
+    <mc:Fallback xmlns="">
       <p:transition spd="slow"/>
     </mc:Fallback>
   </mc:AlternateContent>
@@ -21688,7 +21536,14 @@
         <p:cNvGrpSpPr/>
         <p:nvPr/>
       </p:nvGrpSpPr>
-      <p:grpSpPr/>
+      <p:grpSpPr>
+        <a:xfrm>
+          <a:off x="0" y="0"/>
+          <a:ext cx="0" cy="0"/>
+          <a:chOff x="0" y="0"/>
+          <a:chExt cx="0" cy="0"/>
+        </a:xfrm>
+      </p:grpSpPr>
       <p:sp>
         <p:nvSpPr>
           <p:cNvPr id="2" name="标题 1"/>
@@ -21702,6 +21557,7 @@
         <p:spPr/>
         <p:txBody>
           <a:bodyPr/>
+          <a:lstStyle/>
           <a:p>
             <a:r>
               <a:rPr lang="zh-CN" altLang="en-US"/>
@@ -21729,6 +21585,7 @@
         </p:spPr>
         <p:txBody>
           <a:bodyPr/>
+          <a:lstStyle/>
           <a:p>
             <a:r>
               <a:rPr>
@@ -21751,9 +21608,6 @@
               </a:rPr>
               <a:t>；</a:t>
             </a:r>
-            <a:endParaRPr lang="zh-CN" altLang="en-US">
-              <a:sym typeface="+mn-ea"/>
-            </a:endParaRPr>
           </a:p>
           <a:p>
             <a:pPr lvl="1"/>
@@ -21763,9 +21617,6 @@
               </a:rPr>
               <a:t>background-position 的默认值是 0% 0%，在功能上相当于 top left</a:t>
             </a:r>
-            <a:endParaRPr lang="zh-CN" altLang="en-US">
-              <a:sym typeface="+mn-ea"/>
-            </a:endParaRPr>
           </a:p>
           <a:p>
             <a:pPr lvl="1"/>
@@ -21814,7 +21665,9 @@
             </a:pPr>
             <a:endParaRPr lang="zh-CN" altLang="en-US"/>
           </a:p>
-          <a:p/>
+          <a:p>
+            <a:endParaRPr lang="zh-CN" altLang="en-US"/>
+          </a:p>
         </p:txBody>
       </p:sp>
       <p:sp>
@@ -21837,6 +21690,7 @@
           <a:bodyPr wrap="square" lIns="108850" tIns="54425" rIns="108850" bIns="54425" rtlCol="0">
             <a:spAutoFit/>
           </a:bodyPr>
+          <a:lstStyle/>
           <a:p>
             <a:pPr fontAlgn="auto">
               <a:spcBef>
@@ -22071,7 +21925,7 @@
           <p:nvPr/>
         </p:nvPicPr>
         <p:blipFill>
-          <a:blip r:embed="rId1">
+          <a:blip r:embed="rId2">
             <a:extLst>
               <a:ext uri="{28A0092B-C50C-407E-A947-70E740481C1C}">
                 <a14:useLocalDpi xmlns:a14="http://schemas.microsoft.com/office/drawing/2010/main" val="0"/>
@@ -22136,6 +21990,7 @@
           <a:bodyPr wrap="square" lIns="108850" tIns="54425" rIns="108850" bIns="54425" rtlCol="0">
             <a:spAutoFit/>
           </a:bodyPr>
+          <a:lstStyle/>
           <a:p>
             <a:r>
               <a:rPr lang="en-US" altLang="zh-CN" sz="2400" dirty="0" smtClean="0">
@@ -22156,11 +22011,11 @@
   <p:clrMapOvr>
     <a:masterClrMapping/>
   </p:clrMapOvr>
-  <mc:AlternateContent xmlns:mc="http://schemas.openxmlformats.org/markup-compatibility/2006">
-    <mc:Choice xmlns:p14="http://schemas.microsoft.com/office/powerpoint/2010/main" Requires="p14">
+  <mc:AlternateContent xmlns:mc="http://schemas.openxmlformats.org/markup-compatibility/2006" xmlns:p14="http://schemas.microsoft.com/office/powerpoint/2010/main">
+    <mc:Choice Requires="p14">
       <p:transition spd="slow" p14:dur="1600"/>
     </mc:Choice>
-    <mc:Fallback>
+    <mc:Fallback xmlns="">
       <p:transition spd="slow"/>
     </mc:Fallback>
   </mc:AlternateContent>
@@ -22345,7 +22200,14 @@
         <p:cNvGrpSpPr/>
         <p:nvPr/>
       </p:nvGrpSpPr>
-      <p:grpSpPr/>
+      <p:grpSpPr>
+        <a:xfrm>
+          <a:off x="0" y="0"/>
+          <a:ext cx="0" cy="0"/>
+          <a:chOff x="0" y="0"/>
+          <a:chExt cx="0" cy="0"/>
+        </a:xfrm>
+      </p:grpSpPr>
       <p:sp>
         <p:nvSpPr>
           <p:cNvPr id="2" name="标题 1"/>
@@ -22359,6 +22221,7 @@
         <p:spPr/>
         <p:txBody>
           <a:bodyPr/>
+          <a:lstStyle/>
           <a:p>
             <a:r>
               <a:rPr lang="zh-CN" altLang="en-US"/>
@@ -22381,6 +22244,7 @@
         <p:spPr/>
         <p:txBody>
           <a:bodyPr/>
+          <a:lstStyle/>
           <a:p>
             <a:r>
               <a:rPr>
@@ -22403,9 +22267,6 @@
               </a:rPr>
               <a:t>；</a:t>
             </a:r>
-            <a:endParaRPr lang="zh-CN" altLang="en-US">
-              <a:sym typeface="+mn-ea"/>
-            </a:endParaRPr>
           </a:p>
           <a:p>
             <a:pPr lvl="1"/>
@@ -22415,9 +22276,6 @@
               </a:rPr>
               <a:t>长度值是指距离元素内边距左上角的距离</a:t>
             </a:r>
-            <a:endParaRPr lang="zh-CN" altLang="en-US">
-              <a:sym typeface="+mn-ea"/>
-            </a:endParaRPr>
           </a:p>
           <a:p>
             <a:pPr marL="0" indent="0">
@@ -22425,7 +22283,9 @@
             </a:pPr>
             <a:endParaRPr lang="zh-CN" altLang="en-US"/>
           </a:p>
-          <a:p/>
+          <a:p>
+            <a:endParaRPr lang="zh-CN" altLang="en-US"/>
+          </a:p>
         </p:txBody>
       </p:sp>
       <p:sp>
@@ -22448,6 +22308,7 @@
           <a:bodyPr wrap="square" lIns="108850" tIns="54425" rIns="108850" bIns="54425" rtlCol="0">
             <a:spAutoFit/>
           </a:bodyPr>
+          <a:lstStyle/>
           <a:p>
             <a:pPr fontAlgn="auto">
               <a:spcBef>
@@ -22682,7 +22543,7 @@
           <p:nvPr/>
         </p:nvPicPr>
         <p:blipFill>
-          <a:blip r:embed="rId1">
+          <a:blip r:embed="rId2">
             <a:extLst>
               <a:ext uri="{28A0092B-C50C-407E-A947-70E740481C1C}">
                 <a14:useLocalDpi xmlns:a14="http://schemas.microsoft.com/office/drawing/2010/main" val="0"/>
@@ -22747,6 +22608,7 @@
           <a:bodyPr wrap="square" lIns="108850" tIns="54425" rIns="108850" bIns="54425" rtlCol="0">
             <a:spAutoFit/>
           </a:bodyPr>
+          <a:lstStyle/>
           <a:p>
             <a:r>
               <a:rPr lang="en-US" altLang="zh-CN" sz="2400" dirty="0" smtClean="0">
@@ -22767,11 +22629,11 @@
   <p:clrMapOvr>
     <a:masterClrMapping/>
   </p:clrMapOvr>
-  <mc:AlternateContent xmlns:mc="http://schemas.openxmlformats.org/markup-compatibility/2006">
-    <mc:Choice xmlns:p14="http://schemas.microsoft.com/office/powerpoint/2010/main" Requires="p14">
+  <mc:AlternateContent xmlns:mc="http://schemas.openxmlformats.org/markup-compatibility/2006" xmlns:p14="http://schemas.microsoft.com/office/powerpoint/2010/main">
+    <mc:Choice Requires="p14">
       <p:transition spd="slow" p14:dur="1600"/>
     </mc:Choice>
-    <mc:Fallback>
+    <mc:Fallback xmlns="">
       <p:transition spd="slow"/>
     </mc:Fallback>
   </mc:AlternateContent>
@@ -22956,7 +22818,14 @@
         <p:cNvGrpSpPr/>
         <p:nvPr/>
       </p:nvGrpSpPr>
-      <p:grpSpPr/>
+      <p:grpSpPr>
+        <a:xfrm>
+          <a:off x="0" y="0"/>
+          <a:ext cx="0" cy="0"/>
+          <a:chOff x="0" y="0"/>
+          <a:chExt cx="0" cy="0"/>
+        </a:xfrm>
+      </p:grpSpPr>
       <p:sp>
         <p:nvSpPr>
           <p:cNvPr id="2" name="标题 1"/>
@@ -22970,12 +22839,12 @@
         <p:spPr/>
         <p:txBody>
           <a:bodyPr/>
+          <a:lstStyle/>
           <a:p>
             <a:r>
               <a:rPr lang="zh-CN" altLang="en-US"/>
               <a:t>背景综合属性</a:t>
             </a:r>
-            <a:endParaRPr lang="zh-CN" altLang="en-US"/>
           </a:p>
         </p:txBody>
       </p:sp>
@@ -22992,6 +22861,7 @@
         <p:spPr/>
         <p:txBody>
           <a:bodyPr/>
+          <a:lstStyle/>
           <a:p>
             <a:r>
               <a:t>background</a:t>
@@ -23025,6 +22895,7 @@
           <a:bodyPr wrap="square" lIns="108850" tIns="54425" rIns="108850" bIns="54425" rtlCol="0">
             <a:spAutoFit/>
           </a:bodyPr>
+          <a:lstStyle/>
           <a:p>
             <a:pPr fontAlgn="auto">
               <a:spcBef>
@@ -23064,7 +22935,15 @@
                 <a:ea typeface="微软雅黑" panose="020B0503020204020204" pitchFamily="34" charset="-122"/>
                 <a:sym typeface="+mn-ea"/>
               </a:rPr>
-              <a:t>     background-image : </a:t>
+              <a:t>     </a:t>
+            </a:r>
+            <a:r>
+              <a:rPr altLang="zh-CN" sz="2400" dirty="0" smtClean="0">
+                <a:latin typeface="微软雅黑" panose="020B0503020204020204" pitchFamily="34" charset="-122"/>
+                <a:ea typeface="微软雅黑" panose="020B0503020204020204" pitchFamily="34" charset="-122"/>
+                <a:sym typeface="+mn-ea"/>
+              </a:rPr>
+              <a:t>background: </a:t>
             </a:r>
             <a:r>
               <a:rPr altLang="zh-CN" sz="2400" dirty="0">
@@ -23196,7 +23075,7 @@
           <p:nvPr/>
         </p:nvPicPr>
         <p:blipFill>
-          <a:blip r:embed="rId1">
+          <a:blip r:embed="rId2">
             <a:extLst>
               <a:ext uri="{28A0092B-C50C-407E-A947-70E740481C1C}">
                 <a14:useLocalDpi xmlns:a14="http://schemas.microsoft.com/office/drawing/2010/main" val="0"/>
@@ -23261,6 +23140,7 @@
           <a:bodyPr wrap="square" lIns="108850" tIns="54425" rIns="108850" bIns="54425" rtlCol="0">
             <a:spAutoFit/>
           </a:bodyPr>
+          <a:lstStyle/>
           <a:p>
             <a:r>
               <a:rPr lang="en-US" altLang="zh-CN" sz="2400" dirty="0" smtClean="0">
@@ -23281,11 +23161,11 @@
   <p:clrMapOvr>
     <a:masterClrMapping/>
   </p:clrMapOvr>
-  <mc:AlternateContent xmlns:mc="http://schemas.openxmlformats.org/markup-compatibility/2006">
-    <mc:Choice xmlns:p14="http://schemas.microsoft.com/office/powerpoint/2010/main" Requires="p14">
+  <mc:AlternateContent xmlns:mc="http://schemas.openxmlformats.org/markup-compatibility/2006" xmlns:p14="http://schemas.microsoft.com/office/powerpoint/2010/main">
+    <mc:Choice Requires="p14">
       <p:transition spd="slow" p14:dur="1600"/>
     </mc:Choice>
-    <mc:Fallback>
+    <mc:Fallback xmlns="">
       <p:transition spd="slow"/>
     </mc:Fallback>
   </mc:AlternateContent>
@@ -23570,13 +23450,6 @@
                 </a:rPr>
                 <a:t>本节内容</a:t>
               </a:r>
-              <a:endParaRPr lang="zh-CN" altLang="en-US" sz="4800" b="1" dirty="0">
-                <a:solidFill>
-                  <a:schemeClr val="bg1"/>
-                </a:solidFill>
-                <a:latin typeface="微软雅黑" panose="020B0503020204020204" pitchFamily="34" charset="-122"/>
-                <a:ea typeface="微软雅黑" panose="020B0503020204020204" pitchFamily="34" charset="-122"/>
-              </a:endParaRPr>
             </a:p>
           </p:txBody>
         </p:sp>
@@ -23777,6 +23650,7 @@
         </p:style>
         <p:txBody>
           <a:bodyPr vert="horz" lIns="108850" tIns="54425" rIns="108850" bIns="54425" rtlCol="0" anchor="ctr"/>
+          <a:lstStyle/>
           <a:p>
             <a:pPr algn="ctr"/>
             <a:endParaRPr lang="en-US"/>
@@ -23803,6 +23677,7 @@
           <a:bodyPr vert="horz" wrap="square" lIns="108850" tIns="54425" rIns="108850" bIns="54425" rtlCol="0">
             <a:spAutoFit/>
           </a:bodyPr>
+          <a:lstStyle/>
           <a:p>
             <a:r>
               <a:rPr lang="zh-CN" altLang="en-US" sz="2800" dirty="0">
@@ -23844,6 +23719,7 @@
           <a:bodyPr vert="horz" wrap="square" lIns="108850" tIns="54425" rIns="108850" bIns="54425" rtlCol="0">
             <a:spAutoFit/>
           </a:bodyPr>
+          <a:lstStyle/>
           <a:p>
             <a:r>
               <a:rPr lang="zh-CN" altLang="en-US" sz="2800" dirty="0">
@@ -23855,13 +23731,6 @@
               </a:rPr>
               <a:t>文本常用样式</a:t>
             </a:r>
-            <a:endParaRPr lang="zh-CN" altLang="en-US" sz="2800" dirty="0">
-              <a:solidFill>
-                <a:srgbClr val="595E64"/>
-              </a:solidFill>
-              <a:latin typeface="微软雅黑" panose="020B0503020204020204" pitchFamily="34" charset="-122"/>
-              <a:ea typeface="微软雅黑" panose="020B0503020204020204" pitchFamily="34" charset="-122"/>
-            </a:endParaRPr>
           </a:p>
         </p:txBody>
       </p:sp>
@@ -23911,6 +23780,7 @@
         </p:style>
         <p:txBody>
           <a:bodyPr vert="horz" lIns="108850" tIns="54425" rIns="108850" bIns="54425" rtlCol="0" anchor="ctr"/>
+          <a:lstStyle/>
           <a:p>
             <a:pPr algn="ctr"/>
             <a:endParaRPr lang="en-US"/>
@@ -23963,6 +23833,7 @@
         </p:style>
         <p:txBody>
           <a:bodyPr vert="horz" lIns="108850" tIns="54425" rIns="108850" bIns="54425" rtlCol="0" anchor="ctr"/>
+          <a:lstStyle/>
           <a:p>
             <a:pPr algn="ctr"/>
             <a:endParaRPr lang="en-US"/>
@@ -23989,6 +23860,7 @@
           <a:bodyPr vert="horz" wrap="square" lIns="108850" tIns="54425" rIns="108850" bIns="54425" rtlCol="0">
             <a:spAutoFit/>
           </a:bodyPr>
+          <a:lstStyle/>
           <a:p>
             <a:r>
               <a:rPr lang="zh-CN" altLang="en-US" sz="2800" dirty="0">
@@ -24056,6 +23928,7 @@
         </p:style>
         <p:txBody>
           <a:bodyPr vert="horz" lIns="108850" tIns="54425" rIns="108850" bIns="54425" rtlCol="0" anchor="ctr"/>
+          <a:lstStyle/>
           <a:p>
             <a:pPr algn="ctr"/>
             <a:endParaRPr lang="en-US"/>
@@ -24082,6 +23955,7 @@
           <a:bodyPr wrap="square" lIns="108850" tIns="54425" rIns="108850" bIns="54425" rtlCol="0">
             <a:spAutoFit/>
           </a:bodyPr>
+          <a:lstStyle/>
           <a:p>
             <a:r>
               <a:rPr lang="zh-CN" altLang="en-US" sz="2800" dirty="0">
@@ -24093,13 +23967,6 @@
               </a:rPr>
               <a:t>列表常用样式</a:t>
             </a:r>
-            <a:endParaRPr lang="zh-CN" altLang="en-US" sz="2800" dirty="0">
-              <a:solidFill>
-                <a:srgbClr val="FF0000"/>
-              </a:solidFill>
-              <a:latin typeface="微软雅黑" panose="020B0503020204020204" pitchFamily="34" charset="-122"/>
-              <a:ea typeface="微软雅黑" panose="020B0503020204020204" pitchFamily="34" charset="-122"/>
-            </a:endParaRPr>
           </a:p>
         </p:txBody>
       </p:sp>
@@ -24142,6 +24009,7 @@
         </p:style>
         <p:txBody>
           <a:bodyPr lIns="108850" tIns="54425" rIns="108850" bIns="54425" rtlCol="0" anchor="ctr"/>
+          <a:lstStyle/>
           <a:p>
             <a:pPr algn="ctr"/>
             <a:endParaRPr lang="zh-CN" altLang="en-US"/>
@@ -24168,6 +24036,7 @@
           <a:bodyPr vert="horz" wrap="square" lIns="108850" tIns="54425" rIns="108850" bIns="54425" rtlCol="0">
             <a:spAutoFit/>
           </a:bodyPr>
+          <a:lstStyle/>
           <a:p>
             <a:r>
               <a:rPr lang="zh-CN" altLang="en-US" sz="2800" dirty="0">
@@ -24214,7 +24083,14 @@
         <p:cNvGrpSpPr/>
         <p:nvPr/>
       </p:nvGrpSpPr>
-      <p:grpSpPr/>
+      <p:grpSpPr>
+        <a:xfrm>
+          <a:off x="0" y="0"/>
+          <a:ext cx="0" cy="0"/>
+          <a:chOff x="0" y="0"/>
+          <a:chExt cx="0" cy="0"/>
+        </a:xfrm>
+      </p:grpSpPr>
       <p:sp>
         <p:nvSpPr>
           <p:cNvPr id="2" name="标题 1"/>
@@ -24228,12 +24104,12 @@
         <p:spPr/>
         <p:txBody>
           <a:bodyPr/>
+          <a:lstStyle/>
           <a:p>
             <a:r>
               <a:rPr lang="zh-CN" altLang="en-US"/>
               <a:t>列表属性</a:t>
             </a:r>
-            <a:endParaRPr lang="zh-CN" altLang="en-US"/>
           </a:p>
         </p:txBody>
       </p:sp>
@@ -24250,12 +24126,12 @@
         <p:spPr/>
         <p:txBody>
           <a:bodyPr/>
+          <a:lstStyle/>
           <a:p>
             <a:r>
               <a:rPr lang="zh-CN" altLang="en-US"/>
               <a:t>列表相关属性</a:t>
             </a:r>
-            <a:endParaRPr lang="zh-CN" altLang="en-US"/>
           </a:p>
           <a:p>
             <a:pPr lvl="1"/>
@@ -24325,14 +24201,21 @@
   <p:clrMapOvr>
     <a:masterClrMapping/>
   </p:clrMapOvr>
-  <mc:AlternateContent xmlns:mc="http://schemas.openxmlformats.org/markup-compatibility/2006">
-    <mc:Choice xmlns:p14="http://schemas.microsoft.com/office/powerpoint/2010/main" Requires="p14">
+  <mc:AlternateContent xmlns:mc="http://schemas.openxmlformats.org/markup-compatibility/2006" xmlns:p14="http://schemas.microsoft.com/office/powerpoint/2010/main">
+    <mc:Choice Requires="p14">
       <p:transition spd="slow" p14:dur="1600"/>
     </mc:Choice>
-    <mc:Fallback>
+    <mc:Fallback xmlns="">
       <p:transition spd="slow"/>
     </mc:Fallback>
   </mc:AlternateContent>
+  <p:timing>
+    <p:tnLst>
+      <p:par>
+        <p:cTn id="1" dur="indefinite" restart="never" nodeType="tmRoot"/>
+      </p:par>
+    </p:tnLst>
+  </p:timing>
 </p:sld>
 </file>
 
@@ -24345,7 +24228,14 @@
         <p:cNvGrpSpPr/>
         <p:nvPr/>
       </p:nvGrpSpPr>
-      <p:grpSpPr/>
+      <p:grpSpPr>
+        <a:xfrm>
+          <a:off x="0" y="0"/>
+          <a:ext cx="0" cy="0"/>
+          <a:chOff x="0" y="0"/>
+          <a:chExt cx="0" cy="0"/>
+        </a:xfrm>
+      </p:grpSpPr>
       <p:sp>
         <p:nvSpPr>
           <p:cNvPr id="2" name="标题 1"/>
@@ -24359,12 +24249,12 @@
         <p:spPr/>
         <p:txBody>
           <a:bodyPr/>
+          <a:lstStyle/>
           <a:p>
             <a:r>
               <a:rPr lang="zh-CN" altLang="en-US"/>
               <a:t>列表标志类型</a:t>
             </a:r>
-            <a:endParaRPr lang="zh-CN" altLang="en-US"/>
           </a:p>
         </p:txBody>
       </p:sp>
@@ -24381,6 +24271,7 @@
         <p:spPr/>
         <p:txBody>
           <a:bodyPr/>
+          <a:lstStyle/>
           <a:p>
             <a:r>
               <a:t>list-style-type</a:t>
@@ -24398,7 +24289,6 @@
               <a:rPr lang="zh-CN" altLang="en-US"/>
               <a:t>属性值：</a:t>
             </a:r>
-            <a:endParaRPr lang="zh-CN" altLang="en-US"/>
           </a:p>
         </p:txBody>
       </p:sp>
@@ -24411,7 +24301,7 @@
           <p:nvPr/>
         </p:nvPicPr>
         <p:blipFill>
-          <a:blip r:embed="rId1"/>
+          <a:blip r:embed="rId2"/>
           <a:stretch>
             <a:fillRect/>
           </a:stretch>
@@ -24454,6 +24344,7 @@
           <a:bodyPr wrap="square" lIns="108850" tIns="54425" rIns="108850" bIns="54425" rtlCol="0">
             <a:spAutoFit/>
           </a:bodyPr>
+          <a:lstStyle/>
           <a:p>
             <a:r>
               <a:rPr lang="en-US" altLang="zh-CN" sz="2400" dirty="0" smtClean="0">
@@ -24474,14 +24365,21 @@
   <p:clrMapOvr>
     <a:masterClrMapping/>
   </p:clrMapOvr>
-  <mc:AlternateContent xmlns:mc="http://schemas.openxmlformats.org/markup-compatibility/2006">
-    <mc:Choice xmlns:p14="http://schemas.microsoft.com/office/powerpoint/2010/main" Requires="p14">
+  <mc:AlternateContent xmlns:mc="http://schemas.openxmlformats.org/markup-compatibility/2006" xmlns:p14="http://schemas.microsoft.com/office/powerpoint/2010/main">
+    <mc:Choice Requires="p14">
       <p:transition spd="slow" p14:dur="1600"/>
     </mc:Choice>
-    <mc:Fallback>
+    <mc:Fallback xmlns="">
       <p:transition spd="slow"/>
     </mc:Fallback>
   </mc:AlternateContent>
+  <p:timing>
+    <p:tnLst>
+      <p:par>
+        <p:cTn id="1" dur="indefinite" restart="never" nodeType="tmRoot"/>
+      </p:par>
+    </p:tnLst>
+  </p:timing>
 </p:sld>
 </file>
 
@@ -24494,7 +24392,14 @@
         <p:cNvGrpSpPr/>
         <p:nvPr/>
       </p:nvGrpSpPr>
-      <p:grpSpPr/>
+      <p:grpSpPr>
+        <a:xfrm>
+          <a:off x="0" y="0"/>
+          <a:ext cx="0" cy="0"/>
+          <a:chOff x="0" y="0"/>
+          <a:chExt cx="0" cy="0"/>
+        </a:xfrm>
+      </p:grpSpPr>
       <p:sp>
         <p:nvSpPr>
           <p:cNvPr id="2" name="标题 1"/>
@@ -24508,12 +24413,12 @@
         <p:spPr/>
         <p:txBody>
           <a:bodyPr/>
+          <a:lstStyle/>
           <a:p>
             <a:r>
               <a:rPr lang="zh-CN" altLang="en-US"/>
               <a:t>列表标志图像</a:t>
             </a:r>
-            <a:endParaRPr lang="zh-CN" altLang="en-US"/>
           </a:p>
         </p:txBody>
       </p:sp>
@@ -24530,6 +24435,7 @@
         <p:spPr/>
         <p:txBody>
           <a:bodyPr/>
+          <a:lstStyle/>
           <a:p>
             <a:r>
               <a:t>list-style-image</a:t>
@@ -24576,7 +24482,7 @@
           <p:nvPr/>
         </p:nvPicPr>
         <p:blipFill>
-          <a:blip r:embed="rId1"/>
+          <a:blip r:embed="rId2"/>
           <a:srcRect t="50252"/>
           <a:stretch>
             <a:fillRect/>
@@ -24597,11 +24503,11 @@
   <p:clrMapOvr>
     <a:masterClrMapping/>
   </p:clrMapOvr>
-  <mc:AlternateContent xmlns:mc="http://schemas.openxmlformats.org/markup-compatibility/2006">
-    <mc:Choice xmlns:p14="http://schemas.microsoft.com/office/powerpoint/2010/main" Requires="p14">
+  <mc:AlternateContent xmlns:mc="http://schemas.openxmlformats.org/markup-compatibility/2006" xmlns:p14="http://schemas.microsoft.com/office/powerpoint/2010/main">
+    <mc:Choice Requires="p14">
       <p:transition spd="slow" p14:dur="1600"/>
     </mc:Choice>
-    <mc:Fallback>
+    <mc:Fallback xmlns="">
       <p:transition spd="slow"/>
     </mc:Fallback>
   </mc:AlternateContent>
@@ -24700,7 +24606,14 @@
         <p:cNvGrpSpPr/>
         <p:nvPr/>
       </p:nvGrpSpPr>
-      <p:grpSpPr/>
+      <p:grpSpPr>
+        <a:xfrm>
+          <a:off x="0" y="0"/>
+          <a:ext cx="0" cy="0"/>
+          <a:chOff x="0" y="0"/>
+          <a:chExt cx="0" cy="0"/>
+        </a:xfrm>
+      </p:grpSpPr>
       <p:sp>
         <p:nvSpPr>
           <p:cNvPr id="2" name="标题 1"/>
@@ -24714,12 +24627,12 @@
         <p:spPr/>
         <p:txBody>
           <a:bodyPr/>
+          <a:lstStyle/>
           <a:p>
             <a:r>
               <a:rPr lang="zh-CN" altLang="en-US"/>
               <a:t>列表标志位置</a:t>
             </a:r>
-            <a:endParaRPr lang="zh-CN" altLang="en-US"/>
           </a:p>
         </p:txBody>
       </p:sp>
@@ -24736,6 +24649,7 @@
         <p:spPr/>
         <p:txBody>
           <a:bodyPr/>
+          <a:lstStyle/>
           <a:p>
             <a:r>
               <a:t>list-style-position</a:t>
@@ -24757,7 +24671,6 @@
               <a:rPr lang="en-US"/>
               <a:t>lisy-style-position : inside;</a:t>
             </a:r>
-            <a:endParaRPr lang="en-US"/>
           </a:p>
           <a:p>
             <a:pPr lvl="1"/>
@@ -24765,7 +24678,6 @@
               <a:rPr lang="zh-CN"/>
               <a:t>属性值：</a:t>
             </a:r>
-            <a:endParaRPr lang="zh-CN"/>
           </a:p>
           <a:p>
             <a:pPr lvl="2"/>
@@ -24781,7 +24693,6 @@
               <a:rPr lang="zh-CN"/>
               <a:t>：默认值。标记位于文本的左侧</a:t>
             </a:r>
-            <a:endParaRPr lang="zh-CN"/>
           </a:p>
           <a:p>
             <a:pPr lvl="2"/>
@@ -24813,7 +24724,7 @@
           <p:nvPr/>
         </p:nvPicPr>
         <p:blipFill>
-          <a:blip r:embed="rId1">
+          <a:blip r:embed="rId2">
             <a:extLst>
               <a:ext uri="{28A0092B-C50C-407E-A947-70E740481C1C}">
                 <a14:useLocalDpi xmlns:a14="http://schemas.microsoft.com/office/drawing/2010/main" val="0"/>
@@ -24867,7 +24778,7 @@
           <p:nvPr/>
         </p:nvPicPr>
         <p:blipFill>
-          <a:blip r:embed="rId2">
+          <a:blip r:embed="rId3">
             <a:extLst>
               <a:ext uri="{28A0092B-C50C-407E-A947-70E740481C1C}">
                 <a14:useLocalDpi xmlns:a14="http://schemas.microsoft.com/office/drawing/2010/main" val="0"/>
@@ -24932,6 +24843,7 @@
           <a:bodyPr wrap="square" lIns="108850" tIns="54425" rIns="108850" bIns="54425" rtlCol="0">
             <a:spAutoFit/>
           </a:bodyPr>
+          <a:lstStyle/>
           <a:p>
             <a:r>
               <a:rPr lang="en-US" altLang="zh-CN" sz="2400" dirty="0" smtClean="0">
@@ -24952,11 +24864,11 @@
   <p:clrMapOvr>
     <a:masterClrMapping/>
   </p:clrMapOvr>
-  <mc:AlternateContent xmlns:mc="http://schemas.openxmlformats.org/markup-compatibility/2006">
-    <mc:Choice xmlns:p14="http://schemas.microsoft.com/office/powerpoint/2010/main" Requires="p14">
+  <mc:AlternateContent xmlns:mc="http://schemas.openxmlformats.org/markup-compatibility/2006" xmlns:p14="http://schemas.microsoft.com/office/powerpoint/2010/main">
+    <mc:Choice Requires="p14">
       <p:transition spd="slow" p14:dur="1600"/>
     </mc:Choice>
-    <mc:Fallback>
+    <mc:Fallback xmlns="">
       <p:transition spd="slow"/>
     </mc:Fallback>
   </mc:AlternateContent>
@@ -25175,7 +25087,14 @@
         <p:cNvGrpSpPr/>
         <p:nvPr/>
       </p:nvGrpSpPr>
-      <p:grpSpPr/>
+      <p:grpSpPr>
+        <a:xfrm>
+          <a:off x="0" y="0"/>
+          <a:ext cx="0" cy="0"/>
+          <a:chOff x="0" y="0"/>
+          <a:chExt cx="0" cy="0"/>
+        </a:xfrm>
+      </p:grpSpPr>
       <p:sp>
         <p:nvSpPr>
           <p:cNvPr id="2" name="标题 1"/>
@@ -25189,12 +25108,12 @@
         <p:spPr/>
         <p:txBody>
           <a:bodyPr/>
+          <a:lstStyle/>
           <a:p>
             <a:r>
               <a:rPr lang="zh-CN" altLang="en-US"/>
               <a:t>字体属性</a:t>
             </a:r>
-            <a:endParaRPr lang="zh-CN" altLang="en-US"/>
           </a:p>
         </p:txBody>
       </p:sp>
@@ -25211,6 +25130,7 @@
         <p:spPr/>
         <p:txBody>
           <a:bodyPr/>
+          <a:lstStyle/>
           <a:p>
             <a:r>
               <a:rPr lang="zh-CN" altLang="en-US"/>
@@ -25330,6 +25250,9 @@
           </a:p>
           <a:p>
             <a:pPr lvl="1"/>
+            <a:endParaRPr lang="en-US" altLang="zh-CN" dirty="0">
+              <a:ea typeface="微软雅黑" panose="020B0503020204020204" pitchFamily="34" charset="-122"/>
+            </a:endParaRPr>
           </a:p>
         </p:txBody>
       </p:sp>
@@ -25338,14 +25261,21 @@
   <p:clrMapOvr>
     <a:masterClrMapping/>
   </p:clrMapOvr>
-  <mc:AlternateContent xmlns:mc="http://schemas.openxmlformats.org/markup-compatibility/2006">
-    <mc:Choice xmlns:p14="http://schemas.microsoft.com/office/powerpoint/2010/main" Requires="p14">
+  <mc:AlternateContent xmlns:mc="http://schemas.openxmlformats.org/markup-compatibility/2006" xmlns:p14="http://schemas.microsoft.com/office/powerpoint/2010/main">
+    <mc:Choice Requires="p14">
       <p:transition spd="slow" p14:dur="1600"/>
     </mc:Choice>
-    <mc:Fallback>
+    <mc:Fallback xmlns="">
       <p:transition spd="slow"/>
     </mc:Fallback>
   </mc:AlternateContent>
+  <p:timing>
+    <p:tnLst>
+      <p:par>
+        <p:cTn id="1" dur="indefinite" restart="never" nodeType="tmRoot"/>
+      </p:par>
+    </p:tnLst>
+  </p:timing>
 </p:sld>
 </file>
 
@@ -25358,7 +25288,14 @@
         <p:cNvGrpSpPr/>
         <p:nvPr/>
       </p:nvGrpSpPr>
-      <p:grpSpPr/>
+      <p:grpSpPr>
+        <a:xfrm>
+          <a:off x="0" y="0"/>
+          <a:ext cx="0" cy="0"/>
+          <a:chOff x="0" y="0"/>
+          <a:chExt cx="0" cy="0"/>
+        </a:xfrm>
+      </p:grpSpPr>
       <p:sp>
         <p:nvSpPr>
           <p:cNvPr id="2" name="标题 1"/>
@@ -25372,12 +25309,12 @@
         <p:spPr/>
         <p:txBody>
           <a:bodyPr/>
+          <a:lstStyle/>
           <a:p>
             <a:r>
               <a:rPr lang="zh-CN" altLang="en-US"/>
               <a:t>列表综合属性</a:t>
             </a:r>
-            <a:endParaRPr lang="zh-CN" altLang="en-US"/>
           </a:p>
         </p:txBody>
       </p:sp>
@@ -25394,6 +25331,7 @@
         <p:spPr/>
         <p:txBody>
           <a:bodyPr/>
+          <a:lstStyle/>
           <a:p>
             <a:r>
               <a:t>list-style</a:t>
@@ -25449,9 +25387,6 @@
               </a:rPr>
               <a:t>  circle;</a:t>
             </a:r>
-            <a:endParaRPr altLang="zh-CN" dirty="0">
-              <a:sym typeface="+mn-ea"/>
-            </a:endParaRPr>
           </a:p>
           <a:p>
             <a:pPr lvl="1"/>
@@ -25497,9 +25432,6 @@
               </a:rPr>
               <a:t>  circle;</a:t>
             </a:r>
-            <a:endParaRPr altLang="zh-CN" dirty="0">
-              <a:sym typeface="+mn-ea"/>
-            </a:endParaRPr>
           </a:p>
           <a:p>
             <a:pPr lvl="1"/>
@@ -25509,6 +25441,9 @@
           </a:p>
           <a:p>
             <a:pPr lvl="1"/>
+            <a:endParaRPr altLang="zh-CN" dirty="0">
+              <a:sym typeface="+mn-ea"/>
+            </a:endParaRPr>
           </a:p>
         </p:txBody>
       </p:sp>
@@ -25521,7 +25456,7 @@
           <p:nvPr/>
         </p:nvPicPr>
         <p:blipFill>
-          <a:blip r:embed="rId1"/>
+          <a:blip r:embed="rId2"/>
           <a:stretch>
             <a:fillRect/>
           </a:stretch>
@@ -25549,14 +25484,21 @@
   <p:clrMapOvr>
     <a:masterClrMapping/>
   </p:clrMapOvr>
-  <mc:AlternateContent xmlns:mc="http://schemas.openxmlformats.org/markup-compatibility/2006">
-    <mc:Choice xmlns:p14="http://schemas.microsoft.com/office/powerpoint/2010/main" Requires="p14">
+  <mc:AlternateContent xmlns:mc="http://schemas.openxmlformats.org/markup-compatibility/2006" xmlns:p14="http://schemas.microsoft.com/office/powerpoint/2010/main">
+    <mc:Choice Requires="p14">
       <p:transition spd="slow" p14:dur="1600"/>
     </mc:Choice>
-    <mc:Fallback>
+    <mc:Fallback xmlns="">
       <p:transition spd="slow"/>
     </mc:Fallback>
   </mc:AlternateContent>
+  <p:timing>
+    <p:tnLst>
+      <p:par>
+        <p:cTn id="1" dur="indefinite" restart="never" nodeType="tmRoot"/>
+      </p:par>
+    </p:tnLst>
+  </p:timing>
 </p:sld>
 </file>
 
@@ -25569,7 +25511,14 @@
         <p:cNvGrpSpPr/>
         <p:nvPr/>
       </p:nvGrpSpPr>
-      <p:grpSpPr/>
+      <p:grpSpPr>
+        <a:xfrm>
+          <a:off x="0" y="0"/>
+          <a:ext cx="0" cy="0"/>
+          <a:chOff x="0" y="0"/>
+          <a:chExt cx="0" cy="0"/>
+        </a:xfrm>
+      </p:grpSpPr>
       <p:sp>
         <p:nvSpPr>
           <p:cNvPr id="2" name="标题 1"/>
@@ -25583,12 +25532,12 @@
         <p:spPr/>
         <p:txBody>
           <a:bodyPr/>
+          <a:lstStyle/>
           <a:p>
             <a:r>
               <a:rPr lang="zh-CN" altLang="en-US"/>
               <a:t>本章小结</a:t>
             </a:r>
-            <a:endParaRPr lang="zh-CN" altLang="en-US"/>
           </a:p>
         </p:txBody>
       </p:sp>
@@ -25604,7 +25553,7 @@
         </p:nvGraphicFramePr>
         <p:xfrm>
           <a:off x="212175" y="1146462"/>
-          <a:ext cx="11687810" cy="4312285"/>
+          <a:ext cx="11687810" cy="4312032"/>
         </p:xfrm>
         <a:graphic>
           <a:graphicData uri="http://schemas.openxmlformats.org/drawingml/2006/table">
@@ -25621,6 +25570,7 @@
                 <a:tc>
                   <a:txBody>
                     <a:bodyPr/>
+                    <a:lstStyle/>
                     <a:p>
                       <a:r>
                         <a:rPr lang="zh-CN" altLang="en-US" sz="2200" dirty="0">
@@ -25629,10 +25579,6 @@
                         </a:rPr>
                         <a:t>字体修饰</a:t>
                       </a:r>
-                      <a:endParaRPr lang="zh-CN" altLang="en-US" sz="2200" dirty="0">
-                        <a:latin typeface="微软雅黑" panose="020B0503020204020204" pitchFamily="34" charset="-122"/>
-                        <a:ea typeface="微软雅黑" panose="020B0503020204020204" pitchFamily="34" charset="-122"/>
-                      </a:endParaRPr>
                     </a:p>
                   </a:txBody>
                   <a:tcPr marL="121904" marR="121904" marT="45731" marB="45731"/>
@@ -25640,6 +25586,7 @@
                 <a:tc>
                   <a:txBody>
                     <a:bodyPr/>
+                    <a:lstStyle/>
                     <a:p>
                       <a:r>
                         <a:rPr lang="zh-CN" altLang="en-US" sz="2200" dirty="0">
@@ -25648,10 +25595,6 @@
                         </a:rPr>
                         <a:t>文本修饰</a:t>
                       </a:r>
-                      <a:endParaRPr lang="zh-CN" altLang="en-US" sz="2200" dirty="0">
-                        <a:latin typeface="微软雅黑" panose="020B0503020204020204" pitchFamily="34" charset="-122"/>
-                        <a:ea typeface="微软雅黑" panose="020B0503020204020204" pitchFamily="34" charset="-122"/>
-                      </a:endParaRPr>
                     </a:p>
                   </a:txBody>
                   <a:tcPr marL="121904" marR="121904" marT="45731" marB="45731"/>
@@ -25659,6 +25602,7 @@
                 <a:tc>
                   <a:txBody>
                     <a:bodyPr/>
+                    <a:lstStyle/>
                     <a:p>
                       <a:r>
                         <a:rPr lang="zh-CN" altLang="en-US" sz="2200" dirty="0">
@@ -25667,10 +25611,6 @@
                         </a:rPr>
                         <a:t>超链接修饰</a:t>
                       </a:r>
-                      <a:endParaRPr lang="zh-CN" altLang="en-US" sz="2200" dirty="0">
-                        <a:latin typeface="微软雅黑" panose="020B0503020204020204" pitchFamily="34" charset="-122"/>
-                        <a:ea typeface="微软雅黑" panose="020B0503020204020204" pitchFamily="34" charset="-122"/>
-                      </a:endParaRPr>
                     </a:p>
                   </a:txBody>
                   <a:tcPr marL="121904" marR="121904" marT="45731" marB="45731"/>
@@ -25678,6 +25618,7 @@
                 <a:tc>
                   <a:txBody>
                     <a:bodyPr/>
+                    <a:lstStyle/>
                     <a:p>
                       <a:r>
                         <a:rPr lang="zh-CN" altLang="en-US" sz="2200" dirty="0">
@@ -25686,10 +25627,6 @@
                         </a:rPr>
                         <a:t>背景修饰</a:t>
                       </a:r>
-                      <a:endParaRPr lang="zh-CN" altLang="en-US" sz="2200" dirty="0">
-                        <a:latin typeface="微软雅黑" panose="020B0503020204020204" pitchFamily="34" charset="-122"/>
-                        <a:ea typeface="微软雅黑" panose="020B0503020204020204" pitchFamily="34" charset="-122"/>
-                      </a:endParaRPr>
                     </a:p>
                   </a:txBody>
                   <a:tcPr marL="121904" marR="121904" marT="45731" marB="45731"/>
@@ -25697,6 +25634,7 @@
                 <a:tc>
                   <a:txBody>
                     <a:bodyPr/>
+                    <a:lstStyle/>
                     <a:p>
                       <a:r>
                         <a:rPr lang="zh-CN" altLang="en-US" sz="2200" dirty="0">
@@ -25705,10 +25643,6 @@
                         </a:rPr>
                         <a:t>列表修饰</a:t>
                       </a:r>
-                      <a:endParaRPr lang="zh-CN" altLang="en-US" sz="2200" dirty="0">
-                        <a:latin typeface="微软雅黑" panose="020B0503020204020204" pitchFamily="34" charset="-122"/>
-                        <a:ea typeface="微软雅黑" panose="020B0503020204020204" pitchFamily="34" charset="-122"/>
-                      </a:endParaRPr>
                     </a:p>
                   </a:txBody>
                   <a:tcPr marL="121904" marR="121904" marT="45731" marB="45731"/>
@@ -25718,6 +25652,7 @@
                 <a:tc>
                   <a:txBody>
                     <a:bodyPr/>
+                    <a:lstStyle/>
                     <a:p>
                       <a:r>
                         <a:rPr lang="en-US" altLang="zh-CN" sz="2200">
@@ -25726,17 +25661,14 @@
                         </a:rPr>
                         <a:t>font-family</a:t>
                       </a:r>
-                      <a:endParaRPr lang="en-US" altLang="zh-CN" sz="2200">
-                        <a:latin typeface="微软雅黑" panose="020B0503020204020204" pitchFamily="34" charset="-122"/>
-                        <a:ea typeface="微软雅黑" panose="020B0503020204020204" pitchFamily="34" charset="-122"/>
-                      </a:endParaRPr>
                     </a:p>
                   </a:txBody>
-                  <a:tcPr marL="121904" marR="121904" marT="45731" marB="45731" anchor="ctr" anchorCtr="0"/>
+                  <a:tcPr marL="121904" marR="121904" marT="45731" marB="45731" anchor="ctr"/>
                 </a:tc>
                 <a:tc>
                   <a:txBody>
                     <a:bodyPr/>
+                    <a:lstStyle/>
                     <a:p>
                       <a:r>
                         <a:rPr lang="en-US" altLang="zh-CN" sz="2200">
@@ -25745,17 +25677,14 @@
                         </a:rPr>
                         <a:t>text-indent</a:t>
                       </a:r>
-                      <a:endParaRPr lang="en-US" altLang="zh-CN" sz="2200">
-                        <a:latin typeface="微软雅黑" panose="020B0503020204020204" pitchFamily="34" charset="-122"/>
-                        <a:ea typeface="微软雅黑" panose="020B0503020204020204" pitchFamily="34" charset="-122"/>
-                      </a:endParaRPr>
                     </a:p>
                   </a:txBody>
-                  <a:tcPr marL="121904" marR="121904" marT="45731" marB="45731" anchor="ctr" anchorCtr="0"/>
+                  <a:tcPr marL="121904" marR="121904" marT="45731" marB="45731" anchor="ctr"/>
                 </a:tc>
                 <a:tc>
                   <a:txBody>
                     <a:bodyPr/>
+                    <a:lstStyle/>
                     <a:p>
                       <a:r>
                         <a:rPr lang="en-US" altLang="zh-CN" sz="2200">
@@ -25764,17 +25693,14 @@
                         </a:rPr>
                         <a:t>a:link</a:t>
                       </a:r>
-                      <a:endParaRPr lang="en-US" altLang="zh-CN" sz="2200">
-                        <a:latin typeface="微软雅黑" panose="020B0503020204020204" pitchFamily="34" charset="-122"/>
-                        <a:ea typeface="微软雅黑" panose="020B0503020204020204" pitchFamily="34" charset="-122"/>
-                      </a:endParaRPr>
                     </a:p>
                   </a:txBody>
-                  <a:tcPr marL="121904" marR="121904" marT="45731" marB="45731" anchor="ctr" anchorCtr="0"/>
+                  <a:tcPr marL="121904" marR="121904" marT="45731" marB="45731" anchor="ctr"/>
                 </a:tc>
                 <a:tc>
                   <a:txBody>
                     <a:bodyPr/>
+                    <a:lstStyle/>
                     <a:p>
                       <a:pPr marL="0" marR="0" lvl="0" indent="0" algn="l" defTabSz="914400" rtl="0" eaLnBrk="1" fontAlgn="auto" latinLnBrk="0" hangingPunct="1">
                         <a:lnSpc>
@@ -25799,17 +25725,14 @@
                         </a:rPr>
                         <a:t>background-color</a:t>
                       </a:r>
-                      <a:endParaRPr lang="en-US" altLang="zh-CN" sz="2200" dirty="0">
-                        <a:latin typeface="微软雅黑" panose="020B0503020204020204" pitchFamily="34" charset="-122"/>
-                        <a:ea typeface="微软雅黑" panose="020B0503020204020204" pitchFamily="34" charset="-122"/>
-                      </a:endParaRPr>
                     </a:p>
                   </a:txBody>
-                  <a:tcPr marL="121904" marR="121904" marT="45731" marB="45731" anchor="ctr" anchorCtr="0"/>
+                  <a:tcPr marL="121904" marR="121904" marT="45731" marB="45731" anchor="ctr"/>
                 </a:tc>
                 <a:tc>
                   <a:txBody>
                     <a:bodyPr/>
+                    <a:lstStyle/>
                     <a:p>
                       <a:r>
                         <a:rPr lang="en-US" altLang="zh-CN" sz="2200" dirty="0">
@@ -25818,19 +25741,16 @@
                         </a:rPr>
                         <a:t>list-style-type</a:t>
                       </a:r>
-                      <a:endParaRPr lang="en-US" altLang="zh-CN" sz="2200" dirty="0">
-                        <a:latin typeface="微软雅黑" panose="020B0503020204020204" pitchFamily="34" charset="-122"/>
-                        <a:ea typeface="微软雅黑" panose="020B0503020204020204" pitchFamily="34" charset="-122"/>
-                      </a:endParaRPr>
                     </a:p>
                   </a:txBody>
-                  <a:tcPr marL="121904" marR="121904" marT="45731" marB="45731" anchor="ctr" anchorCtr="0"/>
+                  <a:tcPr marL="121904" marR="121904" marT="45731" marB="45731" anchor="ctr"/>
                 </a:tc>
               </a:tr>
               <a:tr h="823595">
                 <a:tc>
                   <a:txBody>
                     <a:bodyPr/>
+                    <a:lstStyle/>
                     <a:p>
                       <a:r>
                         <a:rPr lang="en-US" altLang="zh-CN" sz="2200">
@@ -25839,17 +25759,14 @@
                         </a:rPr>
                         <a:t>font-size</a:t>
                       </a:r>
-                      <a:endParaRPr lang="en-US" altLang="zh-CN" sz="2200">
-                        <a:latin typeface="微软雅黑" panose="020B0503020204020204" pitchFamily="34" charset="-122"/>
-                        <a:ea typeface="微软雅黑" panose="020B0503020204020204" pitchFamily="34" charset="-122"/>
-                      </a:endParaRPr>
                     </a:p>
                   </a:txBody>
-                  <a:tcPr marL="121904" marR="121904" marT="45731" marB="45731" anchor="ctr" anchorCtr="0"/>
+                  <a:tcPr marL="121904" marR="121904" marT="45731" marB="45731" anchor="ctr"/>
                 </a:tc>
                 <a:tc>
                   <a:txBody>
                     <a:bodyPr/>
+                    <a:lstStyle/>
                     <a:p>
                       <a:r>
                         <a:rPr lang="en-US" altLang="zh-CN" sz="2200" dirty="0">
@@ -25858,17 +25775,14 @@
                         </a:rPr>
                         <a:t>text-align</a:t>
                       </a:r>
-                      <a:endParaRPr lang="en-US" altLang="zh-CN" sz="2200" dirty="0">
-                        <a:latin typeface="微软雅黑" panose="020B0503020204020204" pitchFamily="34" charset="-122"/>
-                        <a:ea typeface="微软雅黑" panose="020B0503020204020204" pitchFamily="34" charset="-122"/>
-                      </a:endParaRPr>
                     </a:p>
                   </a:txBody>
-                  <a:tcPr marL="121904" marR="121904" marT="45731" marB="45731" anchor="ctr" anchorCtr="0"/>
+                  <a:tcPr marL="121904" marR="121904" marT="45731" marB="45731" anchor="ctr"/>
                 </a:tc>
                 <a:tc>
                   <a:txBody>
                     <a:bodyPr/>
+                    <a:lstStyle/>
                     <a:p>
                       <a:r>
                         <a:rPr lang="en-US" altLang="zh-CN" sz="2200">
@@ -25877,17 +25791,14 @@
                         </a:rPr>
                         <a:t>a:visited</a:t>
                       </a:r>
-                      <a:endParaRPr lang="en-US" altLang="zh-CN" sz="2200">
-                        <a:latin typeface="微软雅黑" panose="020B0503020204020204" pitchFamily="34" charset="-122"/>
-                        <a:ea typeface="微软雅黑" panose="020B0503020204020204" pitchFamily="34" charset="-122"/>
-                      </a:endParaRPr>
                     </a:p>
                   </a:txBody>
-                  <a:tcPr marL="121904" marR="121904" marT="45731" marB="45731" anchor="ctr" anchorCtr="0"/>
+                  <a:tcPr marL="121904" marR="121904" marT="45731" marB="45731" anchor="ctr"/>
                 </a:tc>
                 <a:tc>
                   <a:txBody>
                     <a:bodyPr/>
+                    <a:lstStyle/>
                     <a:p>
                       <a:pPr marL="0" marR="0" lvl="0" indent="0" algn="l" defTabSz="914400" rtl="0" eaLnBrk="1" fontAlgn="auto" latinLnBrk="0" hangingPunct="1">
                         <a:lnSpc>
@@ -25912,17 +25823,14 @@
                         </a:rPr>
                         <a:t>background-image</a:t>
                       </a:r>
-                      <a:endParaRPr lang="en-US" altLang="zh-CN" sz="2200" dirty="0">
-                        <a:latin typeface="微软雅黑" panose="020B0503020204020204" pitchFamily="34" charset="-122"/>
-                        <a:ea typeface="微软雅黑" panose="020B0503020204020204" pitchFamily="34" charset="-122"/>
-                      </a:endParaRPr>
                     </a:p>
                   </a:txBody>
-                  <a:tcPr marL="121904" marR="121904" marT="45731" marB="45731" anchor="ctr" anchorCtr="0"/>
+                  <a:tcPr marL="121904" marR="121904" marT="45731" marB="45731" anchor="ctr"/>
                 </a:tc>
                 <a:tc>
                   <a:txBody>
                     <a:bodyPr/>
+                    <a:lstStyle/>
                     <a:p>
                       <a:r>
                         <a:rPr lang="en-US" altLang="zh-CN" sz="2200" dirty="0">
@@ -25931,19 +25839,16 @@
                         </a:rPr>
                         <a:t>list-style-image</a:t>
                       </a:r>
-                      <a:endParaRPr lang="en-US" altLang="zh-CN" sz="2200" dirty="0">
-                        <a:latin typeface="微软雅黑" panose="020B0503020204020204" pitchFamily="34" charset="-122"/>
-                        <a:ea typeface="微软雅黑" panose="020B0503020204020204" pitchFamily="34" charset="-122"/>
-                      </a:endParaRPr>
                     </a:p>
                   </a:txBody>
-                  <a:tcPr marL="121904" marR="121904" marT="45731" marB="45731" anchor="ctr" anchorCtr="0"/>
+                  <a:tcPr marL="121904" marR="121904" marT="45731" marB="45731" anchor="ctr"/>
                 </a:tc>
               </a:tr>
               <a:tr h="823151">
                 <a:tc>
                   <a:txBody>
                     <a:bodyPr/>
+                    <a:lstStyle/>
                     <a:p>
                       <a:r>
                         <a:rPr lang="en-US" altLang="zh-CN" sz="2200">
@@ -25952,17 +25857,14 @@
                         </a:rPr>
                         <a:t>font-weight</a:t>
                       </a:r>
-                      <a:endParaRPr lang="en-US" altLang="zh-CN" sz="2200">
-                        <a:latin typeface="微软雅黑" panose="020B0503020204020204" pitchFamily="34" charset="-122"/>
-                        <a:ea typeface="微软雅黑" panose="020B0503020204020204" pitchFamily="34" charset="-122"/>
-                      </a:endParaRPr>
                     </a:p>
                   </a:txBody>
-                  <a:tcPr marL="121904" marR="121904" marT="45731" marB="45731" anchor="ctr" anchorCtr="0"/>
+                  <a:tcPr marL="121904" marR="121904" marT="45731" marB="45731" anchor="ctr"/>
                 </a:tc>
                 <a:tc>
                   <a:txBody>
                     <a:bodyPr/>
+                    <a:lstStyle/>
                     <a:p>
                       <a:r>
                         <a:rPr lang="en-US" altLang="zh-CN" sz="2200" dirty="0">
@@ -25971,17 +25873,14 @@
                         </a:rPr>
                         <a:t>color</a:t>
                       </a:r>
-                      <a:endParaRPr lang="en-US" altLang="zh-CN" sz="2200" dirty="0">
-                        <a:latin typeface="微软雅黑" panose="020B0503020204020204" pitchFamily="34" charset="-122"/>
-                        <a:ea typeface="微软雅黑" panose="020B0503020204020204" pitchFamily="34" charset="-122"/>
-                      </a:endParaRPr>
                     </a:p>
                   </a:txBody>
-                  <a:tcPr marL="121904" marR="121904" marT="45731" marB="45731" anchor="ctr" anchorCtr="0"/>
+                  <a:tcPr marL="121904" marR="121904" marT="45731" marB="45731" anchor="ctr"/>
                 </a:tc>
                 <a:tc>
                   <a:txBody>
                     <a:bodyPr/>
+                    <a:lstStyle/>
                     <a:p>
                       <a:r>
                         <a:rPr lang="en-US" altLang="zh-CN" sz="2200" dirty="0">
@@ -25990,17 +25889,14 @@
                         </a:rPr>
                         <a:t>a:hover</a:t>
                       </a:r>
-                      <a:endParaRPr lang="en-US" altLang="zh-CN" sz="2200" dirty="0">
-                        <a:latin typeface="微软雅黑" panose="020B0503020204020204" pitchFamily="34" charset="-122"/>
-                        <a:ea typeface="微软雅黑" panose="020B0503020204020204" pitchFamily="34" charset="-122"/>
-                      </a:endParaRPr>
                     </a:p>
                   </a:txBody>
-                  <a:tcPr marL="121904" marR="121904" marT="45731" marB="45731" anchor="ctr" anchorCtr="0"/>
+                  <a:tcPr marL="121904" marR="121904" marT="45731" marB="45731" anchor="ctr"/>
                 </a:tc>
                 <a:tc>
                   <a:txBody>
                     <a:bodyPr/>
+                    <a:lstStyle/>
                     <a:p>
                       <a:pPr marL="0" marR="0" lvl="0" indent="0" algn="l" defTabSz="914400" rtl="0" eaLnBrk="1" fontAlgn="auto" latinLnBrk="0" hangingPunct="1">
                         <a:lnSpc>
@@ -26025,17 +25921,14 @@
                         </a:rPr>
                         <a:t>background-repeat</a:t>
                       </a:r>
-                      <a:endParaRPr lang="en-US" altLang="zh-CN" sz="2200" dirty="0">
-                        <a:latin typeface="微软雅黑" panose="020B0503020204020204" pitchFamily="34" charset="-122"/>
-                        <a:ea typeface="微软雅黑" panose="020B0503020204020204" pitchFamily="34" charset="-122"/>
-                      </a:endParaRPr>
                     </a:p>
                   </a:txBody>
-                  <a:tcPr marL="121904" marR="121904" marT="45731" marB="45731" anchor="ctr" anchorCtr="0"/>
+                  <a:tcPr marL="121904" marR="121904" marT="45731" marB="45731" anchor="ctr"/>
                 </a:tc>
                 <a:tc>
                   <a:txBody>
                     <a:bodyPr/>
+                    <a:lstStyle/>
                     <a:p>
                       <a:r>
                         <a:rPr lang="en-US" altLang="zh-CN" sz="2200" dirty="0">
@@ -26044,19 +25937,16 @@
                         </a:rPr>
                         <a:t>list-style-position</a:t>
                       </a:r>
-                      <a:endParaRPr lang="en-US" altLang="zh-CN" sz="2200" dirty="0">
-                        <a:latin typeface="微软雅黑" panose="020B0503020204020204" pitchFamily="34" charset="-122"/>
-                        <a:ea typeface="微软雅黑" panose="020B0503020204020204" pitchFamily="34" charset="-122"/>
-                      </a:endParaRPr>
                     </a:p>
                   </a:txBody>
-                  <a:tcPr marL="121904" marR="121904" marT="45731" marB="45731" anchor="ctr" anchorCtr="0"/>
+                  <a:tcPr marL="121904" marR="121904" marT="45731" marB="45731" anchor="ctr"/>
                 </a:tc>
               </a:tr>
               <a:tr h="669925">
                 <a:tc>
                   <a:txBody>
                     <a:bodyPr/>
+                    <a:lstStyle/>
                     <a:p>
                       <a:r>
                         <a:rPr lang="en-US" altLang="zh-CN" sz="2200">
@@ -26065,17 +25955,14 @@
                         </a:rPr>
                         <a:t>font-style</a:t>
                       </a:r>
-                      <a:endParaRPr lang="en-US" altLang="zh-CN" sz="2200">
-                        <a:latin typeface="微软雅黑" panose="020B0503020204020204" pitchFamily="34" charset="-122"/>
-                        <a:ea typeface="微软雅黑" panose="020B0503020204020204" pitchFamily="34" charset="-122"/>
-                      </a:endParaRPr>
                     </a:p>
                   </a:txBody>
-                  <a:tcPr marL="121904" marR="121904" marT="45731" marB="45731" anchor="ctr" anchorCtr="0"/>
+                  <a:tcPr marL="121904" marR="121904" marT="45731" marB="45731" anchor="ctr"/>
                 </a:tc>
                 <a:tc>
                   <a:txBody>
                     <a:bodyPr/>
+                    <a:lstStyle/>
                     <a:p>
                       <a:r>
                         <a:rPr lang="en-US" altLang="zh-CN" sz="2200" dirty="0">
@@ -26084,17 +25971,14 @@
                         </a:rPr>
                         <a:t>line-height</a:t>
                       </a:r>
-                      <a:endParaRPr lang="en-US" altLang="zh-CN" sz="2200" dirty="0">
-                        <a:latin typeface="微软雅黑" panose="020B0503020204020204" pitchFamily="34" charset="-122"/>
-                        <a:ea typeface="微软雅黑" panose="020B0503020204020204" pitchFamily="34" charset="-122"/>
-                      </a:endParaRPr>
                     </a:p>
                   </a:txBody>
-                  <a:tcPr marL="121904" marR="121904" marT="45731" marB="45731" anchor="ctr" anchorCtr="0"/>
+                  <a:tcPr marL="121904" marR="121904" marT="45731" marB="45731" anchor="ctr"/>
                 </a:tc>
                 <a:tc>
                   <a:txBody>
                     <a:bodyPr/>
+                    <a:lstStyle/>
                     <a:p>
                       <a:r>
                         <a:rPr lang="en-US" altLang="zh-CN" sz="2200">
@@ -26103,17 +25987,14 @@
                         </a:rPr>
                         <a:t>a:active</a:t>
                       </a:r>
-                      <a:endParaRPr lang="en-US" altLang="zh-CN" sz="2200">
-                        <a:latin typeface="微软雅黑" panose="020B0503020204020204" pitchFamily="34" charset="-122"/>
-                        <a:ea typeface="微软雅黑" panose="020B0503020204020204" pitchFamily="34" charset="-122"/>
-                      </a:endParaRPr>
                     </a:p>
                   </a:txBody>
-                  <a:tcPr marL="121904" marR="121904" marT="45731" marB="45731" anchor="ctr" anchorCtr="0"/>
+                  <a:tcPr marL="121904" marR="121904" marT="45731" marB="45731" anchor="ctr"/>
                 </a:tc>
                 <a:tc>
                   <a:txBody>
                     <a:bodyPr/>
+                    <a:lstStyle/>
                     <a:p>
                       <a:pPr marL="0" marR="0" lvl="0" indent="0" algn="l" defTabSz="914400" rtl="0" eaLnBrk="1" fontAlgn="auto" latinLnBrk="0" hangingPunct="1">
                         <a:lnSpc>
@@ -26138,17 +26019,14 @@
                         </a:rPr>
                         <a:t>background-position</a:t>
                       </a:r>
-                      <a:endParaRPr lang="en-US" altLang="zh-CN" sz="2200" dirty="0">
-                        <a:latin typeface="微软雅黑" panose="020B0503020204020204" pitchFamily="34" charset="-122"/>
-                        <a:ea typeface="微软雅黑" panose="020B0503020204020204" pitchFamily="34" charset="-122"/>
-                      </a:endParaRPr>
                     </a:p>
                   </a:txBody>
-                  <a:tcPr marL="121904" marR="121904" marT="45731" marB="45731" anchor="ctr" anchorCtr="0"/>
+                  <a:tcPr marL="121904" marR="121904" marT="45731" marB="45731" anchor="ctr"/>
                 </a:tc>
                 <a:tc>
                   <a:txBody>
                     <a:bodyPr/>
+                    <a:lstStyle/>
                     <a:p>
                       <a:r>
                         <a:rPr lang="en-US" altLang="zh-CN" sz="2200" dirty="0">
@@ -26157,19 +26035,16 @@
                         </a:rPr>
                         <a:t>list-style</a:t>
                       </a:r>
-                      <a:endParaRPr lang="en-US" altLang="zh-CN" sz="2200" dirty="0">
-                        <a:latin typeface="微软雅黑" panose="020B0503020204020204" pitchFamily="34" charset="-122"/>
-                        <a:ea typeface="微软雅黑" panose="020B0503020204020204" pitchFamily="34" charset="-122"/>
-                      </a:endParaRPr>
                     </a:p>
                   </a:txBody>
-                  <a:tcPr marL="121904" marR="121904" marT="45731" marB="45731" anchor="ctr" anchorCtr="0"/>
+                  <a:tcPr marL="121904" marR="121904" marT="45731" marB="45731" anchor="ctr"/>
                 </a:tc>
               </a:tr>
               <a:tr h="572770">
                 <a:tc>
                   <a:txBody>
                     <a:bodyPr/>
+                    <a:lstStyle/>
                     <a:p>
                       <a:r>
                         <a:rPr lang="en-US" altLang="zh-CN" sz="2200">
@@ -26178,17 +26053,14 @@
                         </a:rPr>
                         <a:t>font</a:t>
                       </a:r>
-                      <a:endParaRPr lang="en-US" altLang="zh-CN" sz="2200">
-                        <a:latin typeface="微软雅黑" panose="020B0503020204020204" pitchFamily="34" charset="-122"/>
-                        <a:ea typeface="微软雅黑" panose="020B0503020204020204" pitchFamily="34" charset="-122"/>
-                      </a:endParaRPr>
                     </a:p>
                   </a:txBody>
-                  <a:tcPr marL="121904" marR="121904" marT="45731" marB="45731" anchor="ctr" anchorCtr="0"/>
+                  <a:tcPr marL="121904" marR="121904" marT="45731" marB="45731" anchor="ctr"/>
                 </a:tc>
                 <a:tc>
                   <a:txBody>
                     <a:bodyPr/>
+                    <a:lstStyle/>
                     <a:p>
                       <a:r>
                         <a:rPr lang="en-US" altLang="zh-CN" sz="2200" dirty="0">
@@ -26197,17 +26069,14 @@
                         </a:rPr>
                         <a:t>text-decoration</a:t>
                       </a:r>
-                      <a:endParaRPr lang="en-US" altLang="zh-CN" sz="2200" dirty="0">
-                        <a:latin typeface="微软雅黑" panose="020B0503020204020204" pitchFamily="34" charset="-122"/>
-                        <a:ea typeface="微软雅黑" panose="020B0503020204020204" pitchFamily="34" charset="-122"/>
-                      </a:endParaRPr>
                     </a:p>
                   </a:txBody>
-                  <a:tcPr marL="121904" marR="121904" marT="45731" marB="45731" anchor="ctr" anchorCtr="0"/>
+                  <a:tcPr marL="121904" marR="121904" marT="45731" marB="45731" anchor="ctr"/>
                 </a:tc>
                 <a:tc>
                   <a:txBody>
                     <a:bodyPr/>
+                    <a:lstStyle/>
                     <a:p>
                       <a:endParaRPr lang="zh-CN" altLang="en-US" sz="2200" dirty="0">
                         <a:latin typeface="微软雅黑" panose="020B0503020204020204" pitchFamily="34" charset="-122"/>
@@ -26215,11 +26084,12 @@
                       </a:endParaRPr>
                     </a:p>
                   </a:txBody>
-                  <a:tcPr marL="121904" marR="121904" marT="45731" marB="45731" anchor="ctr" anchorCtr="0"/>
+                  <a:tcPr marL="121904" marR="121904" marT="45731" marB="45731" anchor="ctr"/>
                 </a:tc>
                 <a:tc>
                   <a:txBody>
                     <a:bodyPr/>
+                    <a:lstStyle/>
                     <a:p>
                       <a:pPr marL="0" marR="0" lvl="0" indent="0" algn="l" defTabSz="914400" rtl="0" eaLnBrk="1" fontAlgn="auto" latinLnBrk="0" hangingPunct="1">
                         <a:lnSpc>
@@ -26244,17 +26114,14 @@
                         </a:rPr>
                         <a:t>background</a:t>
                       </a:r>
-                      <a:endParaRPr lang="en-US" altLang="zh-CN" sz="2200" dirty="0">
-                        <a:latin typeface="微软雅黑" panose="020B0503020204020204" pitchFamily="34" charset="-122"/>
-                        <a:ea typeface="微软雅黑" panose="020B0503020204020204" pitchFamily="34" charset="-122"/>
-                      </a:endParaRPr>
                     </a:p>
                   </a:txBody>
-                  <a:tcPr marL="121904" marR="121904" marT="45731" marB="45731" anchor="ctr" anchorCtr="0"/>
+                  <a:tcPr marL="121904" marR="121904" marT="45731" marB="45731" anchor="ctr"/>
                 </a:tc>
                 <a:tc>
                   <a:txBody>
                     <a:bodyPr/>
+                    <a:lstStyle/>
                     <a:p>
                       <a:endParaRPr lang="en-US" altLang="zh-CN" sz="2200" dirty="0">
                         <a:latin typeface="微软雅黑" panose="020B0503020204020204" pitchFamily="34" charset="-122"/>
@@ -26262,7 +26129,7 @@
                       </a:endParaRPr>
                     </a:p>
                   </a:txBody>
-                  <a:tcPr marL="121904" marR="121904" marT="45731" marB="45731" anchor="ctr" anchorCtr="0"/>
+                  <a:tcPr marL="121904" marR="121904" marT="45731" marB="45731" anchor="ctr"/>
                 </a:tc>
               </a:tr>
             </a:tbl>
@@ -26274,14 +26141,21 @@
   <p:clrMapOvr>
     <a:masterClrMapping/>
   </p:clrMapOvr>
-  <mc:AlternateContent xmlns:mc="http://schemas.openxmlformats.org/markup-compatibility/2006">
-    <mc:Choice xmlns:p14="http://schemas.microsoft.com/office/powerpoint/2010/main" Requires="p14">
+  <mc:AlternateContent xmlns:mc="http://schemas.openxmlformats.org/markup-compatibility/2006" xmlns:p14="http://schemas.microsoft.com/office/powerpoint/2010/main">
+    <mc:Choice Requires="p14">
       <p:transition spd="slow" p14:dur="1600"/>
     </mc:Choice>
-    <mc:Fallback>
+    <mc:Fallback xmlns="">
       <p:transition spd="slow"/>
     </mc:Fallback>
   </mc:AlternateContent>
+  <p:timing>
+    <p:tnLst>
+      <p:par>
+        <p:cTn id="1" dur="indefinite" restart="never" nodeType="tmRoot"/>
+      </p:par>
+    </p:tnLst>
+  </p:timing>
 </p:sld>
 </file>
 
@@ -27422,11 +27296,11 @@
   <p:clrMapOvr>
     <a:masterClrMapping/>
   </p:clrMapOvr>
-  <mc:AlternateContent xmlns:mc="http://schemas.openxmlformats.org/markup-compatibility/2006">
-    <mc:Choice xmlns:p14="http://schemas.microsoft.com/office/powerpoint/2010/main" Requires="p14">
+  <mc:AlternateContent xmlns:mc="http://schemas.openxmlformats.org/markup-compatibility/2006" xmlns:p14="http://schemas.microsoft.com/office/powerpoint/2010/main">
+    <mc:Choice Requires="p14">
       <p:transition spd="slow" p14:dur="1600"/>
     </mc:Choice>
-    <mc:Fallback>
+    <mc:Fallback xmlns="">
       <p:transition spd="slow"/>
     </mc:Fallback>
   </mc:AlternateContent>
@@ -27449,7 +27323,14 @@
         <p:cNvGrpSpPr/>
         <p:nvPr/>
       </p:nvGrpSpPr>
-      <p:grpSpPr/>
+      <p:grpSpPr>
+        <a:xfrm>
+          <a:off x="0" y="0"/>
+          <a:ext cx="0" cy="0"/>
+          <a:chOff x="0" y="0"/>
+          <a:chExt cx="0" cy="0"/>
+        </a:xfrm>
+      </p:grpSpPr>
       <p:sp>
         <p:nvSpPr>
           <p:cNvPr id="2" name="标题 1"/>
@@ -27463,12 +27344,12 @@
         <p:spPr/>
         <p:txBody>
           <a:bodyPr/>
+          <a:lstStyle/>
           <a:p>
             <a:r>
               <a:rPr lang="zh-CN" altLang="en-US"/>
               <a:t>字体系列</a:t>
             </a:r>
-            <a:endParaRPr lang="zh-CN" altLang="en-US"/>
           </a:p>
         </p:txBody>
       </p:sp>
@@ -27490,6 +27371,7 @@
         </p:spPr>
         <p:txBody>
           <a:bodyPr/>
+          <a:lstStyle/>
           <a:p>
             <a:r>
               <a:rPr>
@@ -27497,9 +27379,6 @@
               </a:rPr>
               <a:t>font-family</a:t>
             </a:r>
-            <a:endParaRPr>
-              <a:sym typeface="+mn-ea"/>
-            </a:endParaRPr>
           </a:p>
           <a:p>
             <a:pPr lvl="1"/>
@@ -27628,9 +27507,6 @@
               </a:rPr>
               <a:t>实战技巧</a:t>
             </a:r>
-            <a:endParaRPr lang="zh-CN" altLang="en-US">
-              <a:sym typeface="+mn-ea"/>
-            </a:endParaRPr>
           </a:p>
           <a:p>
             <a:pPr lvl="1"/>
@@ -27655,7 +27531,11 @@
               <a:sym typeface="+mn-ea"/>
             </a:endParaRPr>
           </a:p>
-          <a:p/>
+          <a:p>
+            <a:endParaRPr altLang="zh-CN">
+              <a:sym typeface="+mn-ea"/>
+            </a:endParaRPr>
+          </a:p>
         </p:txBody>
       </p:sp>
       <p:sp>
@@ -27678,6 +27558,7 @@
           <a:bodyPr wrap="square" lIns="108850" tIns="54425" rIns="108850" bIns="54425" rtlCol="0">
             <a:spAutoFit/>
           </a:bodyPr>
+          <a:lstStyle/>
           <a:p>
             <a:r>
               <a:rPr lang="en-US" altLang="zh-CN" sz="2400" dirty="0" smtClean="0">
@@ -27698,11 +27579,11 @@
   <p:clrMapOvr>
     <a:masterClrMapping/>
   </p:clrMapOvr>
-  <mc:AlternateContent xmlns:mc="http://schemas.openxmlformats.org/markup-compatibility/2006">
-    <mc:Choice xmlns:p14="http://schemas.microsoft.com/office/powerpoint/2010/main" Requires="p14">
+  <mc:AlternateContent xmlns:mc="http://schemas.openxmlformats.org/markup-compatibility/2006" xmlns:p14="http://schemas.microsoft.com/office/powerpoint/2010/main">
+    <mc:Choice Requires="p14">
       <p:transition spd="slow" p14:dur="1600"/>
     </mc:Choice>
-    <mc:Fallback>
+    <mc:Fallback xmlns="">
       <p:transition spd="slow"/>
     </mc:Fallback>
   </mc:AlternateContent>
@@ -27997,7 +27878,14 @@
         <p:cNvGrpSpPr/>
         <p:nvPr/>
       </p:nvGrpSpPr>
-      <p:grpSpPr/>
+      <p:grpSpPr>
+        <a:xfrm>
+          <a:off x="0" y="0"/>
+          <a:ext cx="0" cy="0"/>
+          <a:chOff x="0" y="0"/>
+          <a:chExt cx="0" cy="0"/>
+        </a:xfrm>
+      </p:grpSpPr>
       <p:sp>
         <p:nvSpPr>
           <p:cNvPr id="2" name="标题 1"/>
@@ -28011,12 +27899,12 @@
         <p:spPr/>
         <p:txBody>
           <a:bodyPr/>
+          <a:lstStyle/>
           <a:p>
             <a:r>
               <a:rPr lang="zh-CN" altLang="en-US"/>
               <a:t>字体大小</a:t>
             </a:r>
-            <a:endParaRPr lang="zh-CN" altLang="en-US"/>
           </a:p>
         </p:txBody>
       </p:sp>
@@ -28038,6 +27926,7 @@
         </p:spPr>
         <p:txBody>
           <a:bodyPr/>
+          <a:lstStyle/>
           <a:p>
             <a:r>
               <a:t>fon-size</a:t>
@@ -28144,19 +28033,12 @@
               </a:rPr>
               <a:t>相对于父元素来设置大小</a:t>
             </a:r>
-            <a:endParaRPr lang="zh-CN" altLang="en-US" sz="2400" dirty="0">
-              <a:solidFill>
-                <a:srgbClr val="C00000"/>
-              </a:solidFill>
-              <a:sym typeface="+mn-ea"/>
-            </a:endParaRPr>
           </a:p>
           <a:p>
             <a:r>
               <a:rPr lang="zh-CN" altLang="en-US"/>
               <a:t>实战技巧</a:t>
             </a:r>
-            <a:endParaRPr lang="zh-CN" altLang="en-US"/>
           </a:p>
           <a:p>
             <a:pPr lvl="1"/>
@@ -28212,6 +28094,7 @@
           <a:bodyPr wrap="square" lIns="108850" tIns="54425" rIns="108850" bIns="54425" rtlCol="0">
             <a:spAutoFit/>
           </a:bodyPr>
+          <a:lstStyle/>
           <a:p>
             <a:r>
               <a:rPr lang="en-US" altLang="zh-CN" sz="2400" dirty="0" smtClean="0">
@@ -28232,11 +28115,11 @@
   <p:clrMapOvr>
     <a:masterClrMapping/>
   </p:clrMapOvr>
-  <mc:AlternateContent xmlns:mc="http://schemas.openxmlformats.org/markup-compatibility/2006">
-    <mc:Choice xmlns:p14="http://schemas.microsoft.com/office/powerpoint/2010/main" Requires="p14">
+  <mc:AlternateContent xmlns:mc="http://schemas.openxmlformats.org/markup-compatibility/2006" xmlns:p14="http://schemas.microsoft.com/office/powerpoint/2010/main">
+    <mc:Choice Requires="p14">
       <p:transition spd="slow" p14:dur="1600"/>
     </mc:Choice>
-    <mc:Fallback>
+    <mc:Fallback xmlns="">
       <p:transition spd="slow"/>
     </mc:Fallback>
   </mc:AlternateContent>
@@ -28531,7 +28414,14 @@
         <p:cNvGrpSpPr/>
         <p:nvPr/>
       </p:nvGrpSpPr>
-      <p:grpSpPr/>
+      <p:grpSpPr>
+        <a:xfrm>
+          <a:off x="0" y="0"/>
+          <a:ext cx="0" cy="0"/>
+          <a:chOff x="0" y="0"/>
+          <a:chExt cx="0" cy="0"/>
+        </a:xfrm>
+      </p:grpSpPr>
       <p:sp>
         <p:nvSpPr>
           <p:cNvPr id="2" name="标题 1"/>
@@ -28545,12 +28435,12 @@
         <p:spPr/>
         <p:txBody>
           <a:bodyPr/>
+          <a:lstStyle/>
           <a:p>
             <a:r>
               <a:rPr lang="zh-CN" altLang="en-US"/>
               <a:t>长度单位</a:t>
             </a:r>
-            <a:endParaRPr lang="zh-CN" altLang="en-US"/>
           </a:p>
         </p:txBody>
       </p:sp>
@@ -28567,6 +28457,7 @@
         <p:spPr/>
         <p:txBody>
           <a:bodyPr/>
+          <a:lstStyle/>
           <a:p>
             <a:r>
               <a:rPr lang="zh-CN" altLang="en-US" sz="2800">
@@ -28691,14 +28582,21 @@
   <p:clrMapOvr>
     <a:masterClrMapping/>
   </p:clrMapOvr>
-  <mc:AlternateContent xmlns:mc="http://schemas.openxmlformats.org/markup-compatibility/2006">
-    <mc:Choice xmlns:p14="http://schemas.microsoft.com/office/powerpoint/2010/main" Requires="p14">
+  <mc:AlternateContent xmlns:mc="http://schemas.openxmlformats.org/markup-compatibility/2006" xmlns:p14="http://schemas.microsoft.com/office/powerpoint/2010/main">
+    <mc:Choice Requires="p14">
       <p:transition spd="slow" p14:dur="1600"/>
     </mc:Choice>
-    <mc:Fallback>
+    <mc:Fallback xmlns="">
       <p:transition spd="slow"/>
     </mc:Fallback>
   </mc:AlternateContent>
+  <p:timing>
+    <p:tnLst>
+      <p:par>
+        <p:cTn id="1" dur="indefinite" restart="never" nodeType="tmRoot"/>
+      </p:par>
+    </p:tnLst>
+  </p:timing>
 </p:sld>
 </file>
 
@@ -28711,7 +28609,14 @@
         <p:cNvGrpSpPr/>
         <p:nvPr/>
       </p:nvGrpSpPr>
-      <p:grpSpPr/>
+      <p:grpSpPr>
+        <a:xfrm>
+          <a:off x="0" y="0"/>
+          <a:ext cx="0" cy="0"/>
+          <a:chOff x="0" y="0"/>
+          <a:chExt cx="0" cy="0"/>
+        </a:xfrm>
+      </p:grpSpPr>
       <p:sp>
         <p:nvSpPr>
           <p:cNvPr id="2" name="标题 1"/>
@@ -28725,12 +28630,12 @@
         <p:spPr/>
         <p:txBody>
           <a:bodyPr/>
+          <a:lstStyle/>
           <a:p>
             <a:r>
               <a:rPr lang="zh-CN" altLang="en-US"/>
               <a:t>字体样式</a:t>
             </a:r>
-            <a:endParaRPr lang="zh-CN" altLang="en-US"/>
           </a:p>
         </p:txBody>
       </p:sp>
@@ -28754,6 +28659,7 @@
           <a:bodyPr>
             <a:normAutofit/>
           </a:bodyPr>
+          <a:lstStyle/>
           <a:p>
             <a:r>
               <a:t>font-style</a:t>
@@ -28767,9 +28673,6 @@
               </a:rPr>
               <a:t>设置字体样式显示</a:t>
             </a:r>
-            <a:endParaRPr lang="zh-CN" altLang="en-US" sz="2400" dirty="0">
-              <a:sym typeface="+mn-ea"/>
-            </a:endParaRPr>
           </a:p>
           <a:p>
             <a:pPr lvl="2"/>
@@ -28798,10 +28701,6 @@
               </a:rPr>
               <a:t>属性值：</a:t>
             </a:r>
-            <a:endParaRPr lang="zh-CN" altLang="en-US" sz="2400" dirty="0">
-              <a:ea typeface="微软雅黑" panose="020B0503020204020204" pitchFamily="34" charset="-122"/>
-              <a:sym typeface="+mn-ea"/>
-            </a:endParaRPr>
           </a:p>
           <a:p>
             <a:pPr lvl="2"/>
@@ -28819,10 +28718,6 @@
               </a:rPr>
               <a:t>常规样式</a:t>
             </a:r>
-            <a:endParaRPr lang="zh-CN" altLang="en-US" sz="2200" dirty="0">
-              <a:ea typeface="微软雅黑" panose="020B0503020204020204" pitchFamily="34" charset="-122"/>
-              <a:sym typeface="+mn-ea"/>
-            </a:endParaRPr>
           </a:p>
           <a:p>
             <a:pPr lvl="2"/>
@@ -28850,36 +28745,32 @@
               </a:rPr>
               <a:t>斜体样式</a:t>
             </a:r>
+          </a:p>
+          <a:p>
+            <a:pPr lvl="2"/>
+            <a:r>
+              <a:rPr lang="en-US" altLang="zh-CN" sz="2200" dirty="0">
+                <a:ea typeface="微软雅黑" panose="020B0503020204020204" pitchFamily="34" charset="-122"/>
+                <a:sym typeface="+mn-ea"/>
+              </a:rPr>
+              <a:t>oblique : </a:t>
+            </a:r>
+            <a:r>
+              <a:rPr lang="zh-CN" altLang="en-US" sz="2200" dirty="0">
+                <a:ea typeface="微软雅黑" panose="020B0503020204020204" pitchFamily="34" charset="-122"/>
+                <a:sym typeface="+mn-ea"/>
+              </a:rPr>
+              <a:t>斜体样式</a:t>
+            </a:r>
+          </a:p>
+          <a:p>
+            <a:pPr marL="471805" lvl="1" indent="0">
+              <a:buNone/>
+            </a:pPr>
             <a:endParaRPr lang="zh-CN" altLang="en-US" sz="2200" dirty="0">
               <a:ea typeface="微软雅黑" panose="020B0503020204020204" pitchFamily="34" charset="-122"/>
               <a:sym typeface="+mn-ea"/>
             </a:endParaRPr>
-          </a:p>
-          <a:p>
-            <a:pPr lvl="2"/>
-            <a:r>
-              <a:rPr lang="en-US" altLang="zh-CN" sz="2200" dirty="0">
-                <a:ea typeface="微软雅黑" panose="020B0503020204020204" pitchFamily="34" charset="-122"/>
-                <a:sym typeface="+mn-ea"/>
-              </a:rPr>
-              <a:t>oblique : </a:t>
-            </a:r>
-            <a:r>
-              <a:rPr lang="zh-CN" altLang="en-US" sz="2200" dirty="0">
-                <a:ea typeface="微软雅黑" panose="020B0503020204020204" pitchFamily="34" charset="-122"/>
-                <a:sym typeface="+mn-ea"/>
-              </a:rPr>
-              <a:t>斜体样式</a:t>
-            </a:r>
-            <a:endParaRPr lang="zh-CN" altLang="en-US" sz="2200" dirty="0">
-              <a:ea typeface="微软雅黑" panose="020B0503020204020204" pitchFamily="34" charset="-122"/>
-              <a:sym typeface="+mn-ea"/>
-            </a:endParaRPr>
-          </a:p>
-          <a:p>
-            <a:pPr marL="471805" lvl="1" indent="0">
-              <a:buNone/>
-            </a:pPr>
           </a:p>
         </p:txBody>
       </p:sp>
@@ -28903,6 +28794,7 @@
           <a:bodyPr wrap="square" lIns="108850" tIns="54425" rIns="108850" bIns="54425" rtlCol="0">
             <a:spAutoFit/>
           </a:bodyPr>
+          <a:lstStyle/>
           <a:p>
             <a:r>
               <a:rPr lang="en-US" altLang="zh-CN" sz="2400" dirty="0" smtClean="0">
@@ -28923,11 +28815,11 @@
   <p:clrMapOvr>
     <a:masterClrMapping/>
   </p:clrMapOvr>
-  <mc:AlternateContent xmlns:mc="http://schemas.openxmlformats.org/markup-compatibility/2006">
-    <mc:Choice xmlns:p14="http://schemas.microsoft.com/office/powerpoint/2010/main" Requires="p14">
+  <mc:AlternateContent xmlns:mc="http://schemas.openxmlformats.org/markup-compatibility/2006" xmlns:p14="http://schemas.microsoft.com/office/powerpoint/2010/main">
+    <mc:Choice Requires="p14">
       <p:transition spd="slow" p14:dur="1600"/>
     </mc:Choice>
-    <mc:Fallback>
+    <mc:Fallback xmlns="">
       <p:transition spd="slow"/>
     </mc:Fallback>
   </mc:AlternateContent>
@@ -29573,9 +29465,11 @@
       </a:bgFillStyleLst>
     </a:fmtScheme>
   </a:themeElements>
+  <a:objectDefaults/>
+  <a:extraClrSchemeLst/>
   <a:extLst>
     <a:ext uri="{05A4C25C-085E-4340-85A3-A5531E510DB2}">
-      <thm15:themeFamily xmlns:thm15="http://schemas.microsoft.com/office/thememl/2012/main" name="Office Theme" id="{62F939B6-93AF-4DB8-9C6B-D6C7DFDC589F}" vid="{4A3C46E8-61CC-4603-A589-7422A47A8E4A}"/>
+      <thm15:themeFamily xmlns:thm15="http://schemas.microsoft.com/office/thememl/2012/main" xmlns="" name="Office Theme" id="{62F939B6-93AF-4DB8-9C6B-D6C7DFDC589F}" vid="{4A3C46E8-61CC-4603-A589-7422A47A8E4A}"/>
     </a:ext>
   </a:extLst>
 </a:theme>
@@ -29832,9 +29726,11 @@
       </a:bgFillStyleLst>
     </a:fmtScheme>
   </a:themeElements>
+  <a:objectDefaults/>
+  <a:extraClrSchemeLst/>
   <a:extLst>
     <a:ext uri="{05A4C25C-085E-4340-85A3-A5531E510DB2}">
-      <thm15:themeFamily xmlns:thm15="http://schemas.microsoft.com/office/thememl/2012/main" name="Office Theme" id="{62F939B6-93AF-4DB8-9C6B-D6C7DFDC589F}" vid="{4A3C46E8-61CC-4603-A589-7422A47A8E4A}"/>
+      <thm15:themeFamily xmlns:thm15="http://schemas.microsoft.com/office/thememl/2012/main" xmlns="" name="Office Theme" id="{62F939B6-93AF-4DB8-9C6B-D6C7DFDC589F}" vid="{4A3C46E8-61CC-4603-A589-7422A47A8E4A}"/>
     </a:ext>
   </a:extLst>
 </a:theme>
